--- a/slides/Fall2017-OAuth2-OIDC.pptx
+++ b/slides/Fall2017-OAuth2-OIDC.pptx
@@ -6,15 +6,15 @@
     <p:sldMasterId id="2147483660" r:id="rId2"/>
   </p:sldMasterIdLst>
   <p:notesMasterIdLst>
-    <p:notesMasterId r:id="rId62"/>
+    <p:notesMasterId r:id="rId57"/>
   </p:notesMasterIdLst>
   <p:sldIdLst>
     <p:sldId id="256" r:id="rId3"/>
     <p:sldId id="304" r:id="rId4"/>
-    <p:sldId id="312" r:id="rId5"/>
-    <p:sldId id="302" r:id="rId6"/>
-    <p:sldId id="303" r:id="rId7"/>
-    <p:sldId id="257" r:id="rId8"/>
+    <p:sldId id="338" r:id="rId5"/>
+    <p:sldId id="312" r:id="rId6"/>
+    <p:sldId id="302" r:id="rId7"/>
+    <p:sldId id="303" r:id="rId8"/>
     <p:sldId id="305" r:id="rId9"/>
     <p:sldId id="261" r:id="rId10"/>
     <p:sldId id="260" r:id="rId11"/>
@@ -24,50 +24,45 @@
     <p:sldId id="266" r:id="rId15"/>
     <p:sldId id="263" r:id="rId16"/>
     <p:sldId id="267" r:id="rId17"/>
-    <p:sldId id="308" r:id="rId18"/>
-    <p:sldId id="307" r:id="rId19"/>
-    <p:sldId id="270" r:id="rId20"/>
-    <p:sldId id="306" r:id="rId21"/>
-    <p:sldId id="271" r:id="rId22"/>
-    <p:sldId id="273" r:id="rId23"/>
-    <p:sldId id="274" r:id="rId24"/>
-    <p:sldId id="275" r:id="rId25"/>
-    <p:sldId id="328" r:id="rId26"/>
-    <p:sldId id="329" r:id="rId27"/>
-    <p:sldId id="330" r:id="rId28"/>
-    <p:sldId id="331" r:id="rId29"/>
-    <p:sldId id="332" r:id="rId30"/>
-    <p:sldId id="333" r:id="rId31"/>
-    <p:sldId id="334" r:id="rId32"/>
-    <p:sldId id="265" r:id="rId33"/>
-    <p:sldId id="282" r:id="rId34"/>
-    <p:sldId id="327" r:id="rId35"/>
-    <p:sldId id="279" r:id="rId36"/>
-    <p:sldId id="286" r:id="rId37"/>
-    <p:sldId id="287" r:id="rId38"/>
-    <p:sldId id="284" r:id="rId39"/>
-    <p:sldId id="285" r:id="rId40"/>
-    <p:sldId id="281" r:id="rId41"/>
-    <p:sldId id="283" r:id="rId42"/>
-    <p:sldId id="288" r:id="rId43"/>
-    <p:sldId id="335" r:id="rId44"/>
-    <p:sldId id="295" r:id="rId45"/>
-    <p:sldId id="313" r:id="rId46"/>
-    <p:sldId id="314" r:id="rId47"/>
-    <p:sldId id="315" r:id="rId48"/>
-    <p:sldId id="316" r:id="rId49"/>
-    <p:sldId id="317" r:id="rId50"/>
-    <p:sldId id="318" r:id="rId51"/>
-    <p:sldId id="319" r:id="rId52"/>
-    <p:sldId id="320" r:id="rId53"/>
-    <p:sldId id="321" r:id="rId54"/>
-    <p:sldId id="322" r:id="rId55"/>
-    <p:sldId id="323" r:id="rId56"/>
-    <p:sldId id="324" r:id="rId57"/>
-    <p:sldId id="325" r:id="rId58"/>
-    <p:sldId id="326" r:id="rId59"/>
-    <p:sldId id="294" r:id="rId60"/>
-    <p:sldId id="336" r:id="rId61"/>
+    <p:sldId id="337" r:id="rId18"/>
+    <p:sldId id="308" r:id="rId19"/>
+    <p:sldId id="307" r:id="rId20"/>
+    <p:sldId id="270" r:id="rId21"/>
+    <p:sldId id="306" r:id="rId22"/>
+    <p:sldId id="271" r:id="rId23"/>
+    <p:sldId id="273" r:id="rId24"/>
+    <p:sldId id="274" r:id="rId25"/>
+    <p:sldId id="275" r:id="rId26"/>
+    <p:sldId id="328" r:id="rId27"/>
+    <p:sldId id="329" r:id="rId28"/>
+    <p:sldId id="330" r:id="rId29"/>
+    <p:sldId id="331" r:id="rId30"/>
+    <p:sldId id="332" r:id="rId31"/>
+    <p:sldId id="333" r:id="rId32"/>
+    <p:sldId id="334" r:id="rId33"/>
+    <p:sldId id="265" r:id="rId34"/>
+    <p:sldId id="282" r:id="rId35"/>
+    <p:sldId id="327" r:id="rId36"/>
+    <p:sldId id="279" r:id="rId37"/>
+    <p:sldId id="286" r:id="rId38"/>
+    <p:sldId id="287" r:id="rId39"/>
+    <p:sldId id="339" r:id="rId40"/>
+    <p:sldId id="284" r:id="rId41"/>
+    <p:sldId id="285" r:id="rId42"/>
+    <p:sldId id="281" r:id="rId43"/>
+    <p:sldId id="283" r:id="rId44"/>
+    <p:sldId id="288" r:id="rId45"/>
+    <p:sldId id="335" r:id="rId46"/>
+    <p:sldId id="295" r:id="rId47"/>
+    <p:sldId id="320" r:id="rId48"/>
+    <p:sldId id="321" r:id="rId49"/>
+    <p:sldId id="322" r:id="rId50"/>
+    <p:sldId id="323" r:id="rId51"/>
+    <p:sldId id="324" r:id="rId52"/>
+    <p:sldId id="325" r:id="rId53"/>
+    <p:sldId id="326" r:id="rId54"/>
+    <p:sldId id="294" r:id="rId55"/>
+    <p:sldId id="336" r:id="rId56"/>
   </p:sldIdLst>
   <p:sldSz cx="12192000" cy="6858000"/>
   <p:notesSz cx="6858000" cy="9144000"/>
@@ -256,7 +251,7 @@
           <a:p>
             <a:fld id="{A48E3200-2280-D149-A3BE-AA8069637C32}" type="datetimeFigureOut">
               <a:rPr lang="en-US" smtClean="0"/>
-              <a:t>11/16/17</a:t>
+              <a:t>11/28/17</a:t>
             </a:fld>
             <a:endParaRPr lang="en-US"/>
           </a:p>
@@ -687,7 +682,7 @@
           <a:p>
             <a:fld id="{FDC4F97F-892C-EE48-BB49-5E29AB1EEBAD}" type="datetimeFigureOut">
               <a:rPr lang="en-US" smtClean="0"/>
-              <a:t>11/16/17</a:t>
+              <a:t>11/28/17</a:t>
             </a:fld>
             <a:endParaRPr lang="en-US"/>
           </a:p>
@@ -857,7 +852,7 @@
           <a:p>
             <a:fld id="{FDC4F97F-892C-EE48-BB49-5E29AB1EEBAD}" type="datetimeFigureOut">
               <a:rPr lang="en-US" smtClean="0"/>
-              <a:t>11/16/17</a:t>
+              <a:t>11/28/17</a:t>
             </a:fld>
             <a:endParaRPr lang="en-US"/>
           </a:p>
@@ -1037,7 +1032,7 @@
           <a:p>
             <a:fld id="{FDC4F97F-892C-EE48-BB49-5E29AB1EEBAD}" type="datetimeFigureOut">
               <a:rPr lang="en-US" smtClean="0"/>
-              <a:t>11/16/17</a:t>
+              <a:t>11/28/17</a:t>
             </a:fld>
             <a:endParaRPr lang="en-US"/>
           </a:p>
@@ -9830,7 +9825,7 @@
           <a:p>
             <a:fld id="{FDC4F97F-892C-EE48-BB49-5E29AB1EEBAD}" type="datetimeFigureOut">
               <a:rPr lang="en-US" smtClean="0"/>
-              <a:t>11/16/17</a:t>
+              <a:t>11/28/17</a:t>
             </a:fld>
             <a:endParaRPr lang="en-US"/>
           </a:p>
@@ -9941,7 +9936,7 @@
                 <a:sym typeface="Arial"/>
               </a:rPr>
               <a:pPr/>
-              <a:t>11/16/17</a:t>
+              <a:t>11/28/17</a:t>
             </a:fld>
             <a:endParaRPr lang="en-US" sz="1400" kern="0" dirty="0">
               <a:solidFill>
@@ -10235,7 +10230,7 @@
           <a:p>
             <a:fld id="{FDC4F97F-892C-EE48-BB49-5E29AB1EEBAD}" type="datetimeFigureOut">
               <a:rPr lang="en-US" smtClean="0"/>
-              <a:t>11/16/17</a:t>
+              <a:t>11/28/17</a:t>
             </a:fld>
             <a:endParaRPr lang="en-US"/>
           </a:p>
@@ -10467,7 +10462,7 @@
           <a:p>
             <a:fld id="{FDC4F97F-892C-EE48-BB49-5E29AB1EEBAD}" type="datetimeFigureOut">
               <a:rPr lang="en-US" smtClean="0"/>
-              <a:t>11/16/17</a:t>
+              <a:t>11/28/17</a:t>
             </a:fld>
             <a:endParaRPr lang="en-US"/>
           </a:p>
@@ -10834,7 +10829,7 @@
           <a:p>
             <a:fld id="{FDC4F97F-892C-EE48-BB49-5E29AB1EEBAD}" type="datetimeFigureOut">
               <a:rPr lang="en-US" smtClean="0"/>
-              <a:t>11/16/17</a:t>
+              <a:t>11/28/17</a:t>
             </a:fld>
             <a:endParaRPr lang="en-US"/>
           </a:p>
@@ -10952,7 +10947,7 @@
           <a:p>
             <a:fld id="{FDC4F97F-892C-EE48-BB49-5E29AB1EEBAD}" type="datetimeFigureOut">
               <a:rPr lang="en-US" smtClean="0"/>
-              <a:t>11/16/17</a:t>
+              <a:t>11/28/17</a:t>
             </a:fld>
             <a:endParaRPr lang="en-US"/>
           </a:p>
@@ -11047,7 +11042,7 @@
           <a:p>
             <a:fld id="{FDC4F97F-892C-EE48-BB49-5E29AB1EEBAD}" type="datetimeFigureOut">
               <a:rPr lang="en-US" smtClean="0"/>
-              <a:t>11/16/17</a:t>
+              <a:t>11/28/17</a:t>
             </a:fld>
             <a:endParaRPr lang="en-US"/>
           </a:p>
@@ -11324,7 +11319,7 @@
           <a:p>
             <a:fld id="{FDC4F97F-892C-EE48-BB49-5E29AB1EEBAD}" type="datetimeFigureOut">
               <a:rPr lang="en-US" smtClean="0"/>
-              <a:t>11/16/17</a:t>
+              <a:t>11/28/17</a:t>
             </a:fld>
             <a:endParaRPr lang="en-US"/>
           </a:p>
@@ -11577,7 +11572,7 @@
           <a:p>
             <a:fld id="{FDC4F97F-892C-EE48-BB49-5E29AB1EEBAD}" type="datetimeFigureOut">
               <a:rPr lang="en-US" smtClean="0"/>
-              <a:t>11/16/17</a:t>
+              <a:t>11/28/17</a:t>
             </a:fld>
             <a:endParaRPr lang="en-US"/>
           </a:p>
@@ -11816,7 +11811,7 @@
           <a:p>
             <a:fld id="{FDC4F97F-892C-EE48-BB49-5E29AB1EEBAD}" type="datetimeFigureOut">
               <a:rPr lang="en-US" smtClean="0"/>
-              <a:t>11/16/17</a:t>
+              <a:t>11/28/17</a:t>
             </a:fld>
             <a:endParaRPr lang="en-US"/>
           </a:p>
@@ -13554,7 +13549,6 @@
               <a:rPr lang="en-US" dirty="0" smtClean="0"/>
               <a:t>, like passwords</a:t>
             </a:r>
-            <a:endParaRPr lang="en-US" dirty="0" smtClean="0"/>
           </a:p>
           <a:p>
             <a:pPr lvl="1"/>
@@ -13580,11 +13574,7 @@
             </a:r>
             <a:r>
               <a:rPr lang="en-US" dirty="0" smtClean="0"/>
-              <a:t>party Client</a:t>
-            </a:r>
-            <a:r>
-              <a:rPr lang="en-US" dirty="0" smtClean="0"/>
-              <a:t>.</a:t>
+              <a:t>party Client.</a:t>
             </a:r>
           </a:p>
           <a:p>
@@ -13593,7 +13583,6 @@
               <a:rPr lang="en-US" dirty="0" smtClean="0"/>
               <a:t>The Client impersonates the Resource Owner.</a:t>
             </a:r>
-            <a:endParaRPr lang="en-US" dirty="0" smtClean="0"/>
           </a:p>
           <a:p>
             <a:r>
@@ -13893,24 +13882,6 @@
           <a:lstStyle/>
           <a:p>
             <a:r>
-              <a:rPr lang="en-US" dirty="0"/>
-              <a:t>Third-party applications </a:t>
-            </a:r>
-            <a:r>
-              <a:rPr lang="en-US" dirty="0" smtClean="0"/>
-              <a:t>store </a:t>
-            </a:r>
-            <a:r>
-              <a:rPr lang="en-US" dirty="0"/>
-              <a:t>the resource owner's credentials for future </a:t>
-            </a:r>
-            <a:r>
-              <a:rPr lang="en-US" dirty="0" smtClean="0"/>
-              <a:t>use.</a:t>
-            </a:r>
-          </a:p>
-          <a:p>
-            <a:r>
               <a:rPr lang="en-US" dirty="0" smtClean="0"/>
               <a:t>Third-party </a:t>
             </a:r>
@@ -13964,7 +13935,6 @@
               <a:rPr lang="en-US" dirty="0" smtClean="0"/>
               <a:t>all clients</a:t>
             </a:r>
-            <a:endParaRPr lang="en-US" dirty="0" smtClean="0"/>
           </a:p>
           <a:p>
             <a:pPr lvl="1"/>
@@ -14392,14 +14362,27 @@
         </p:nvSpPr>
         <p:spPr>
           <a:xfrm>
-            <a:off x="431800" y="3336320"/>
-            <a:ext cx="3175000" cy="1569660"/>
+            <a:off x="838200" y="2020888"/>
+            <a:ext cx="2768600" cy="2308324"/>
           </a:xfrm>
           <a:prstGeom prst="rect">
             <a:avLst/>
           </a:prstGeom>
-          <a:noFill/>
         </p:spPr>
+        <p:style>
+          <a:lnRef idx="2">
+            <a:schemeClr val="dk1"/>
+          </a:lnRef>
+          <a:fillRef idx="1">
+            <a:schemeClr val="lt1"/>
+          </a:fillRef>
+          <a:effectRef idx="0">
+            <a:schemeClr val="dk1"/>
+          </a:effectRef>
+          <a:fontRef idx="minor">
+            <a:schemeClr val="dk1"/>
+          </a:fontRef>
+        </p:style>
         <p:txBody>
           <a:bodyPr wrap="square" rtlCol="0">
             <a:spAutoFit/>
@@ -14408,7 +14391,62 @@
           <a:p>
             <a:r>
               <a:rPr lang="en-US" sz="2400" dirty="0" smtClean="0"/>
-              <a:t>OAuth2 solves this problem by introducing a mutually trusted Authorization Service</a:t>
+              <a:t>OAuth2 solves this problem by introducing a </a:t>
+            </a:r>
+            <a:r>
+              <a:rPr lang="en-US" sz="2400" b="1" dirty="0" smtClean="0"/>
+              <a:t>mutually </a:t>
+            </a:r>
+            <a:r>
+              <a:rPr lang="en-US" sz="2400" b="1" dirty="0" smtClean="0"/>
+              <a:t>trusted* </a:t>
+            </a:r>
+            <a:r>
+              <a:rPr lang="en-US" sz="2400" dirty="0" smtClean="0"/>
+              <a:t>Authorization Service</a:t>
+            </a:r>
+            <a:endParaRPr lang="en-US" sz="2400" dirty="0"/>
+          </a:p>
+        </p:txBody>
+      </p:sp>
+      <p:sp>
+        <p:nvSpPr>
+          <p:cNvPr id="13" name="TextBox 12"/>
+          <p:cNvSpPr txBox="1"/>
+          <p:nvPr/>
+        </p:nvSpPr>
+        <p:spPr>
+          <a:xfrm>
+            <a:off x="838200" y="4659412"/>
+            <a:ext cx="2768600" cy="1938992"/>
+          </a:xfrm>
+          <a:prstGeom prst="rect">
+            <a:avLst/>
+          </a:prstGeom>
+        </p:spPr>
+        <p:style>
+          <a:lnRef idx="2">
+            <a:schemeClr val="dk1"/>
+          </a:lnRef>
+          <a:fillRef idx="1">
+            <a:schemeClr val="lt1"/>
+          </a:fillRef>
+          <a:effectRef idx="0">
+            <a:schemeClr val="dk1"/>
+          </a:effectRef>
+          <a:fontRef idx="minor">
+            <a:schemeClr val="dk1"/>
+          </a:fontRef>
+        </p:style>
+        <p:txBody>
+          <a:bodyPr wrap="square" rtlCol="0">
+            <a:spAutoFit/>
+          </a:bodyPr>
+          <a:lstStyle/>
+          <a:p>
+            <a:r>
+              <a:rPr lang="en-US" sz="2400" dirty="0" smtClean="0"/>
+              <a:t>*There are rigorous ways, like key exchanges, for establishing mutual trust.</a:t>
             </a:r>
             <a:endParaRPr lang="en-US" sz="2400" dirty="0"/>
           </a:p>
@@ -14651,7 +14689,144 @@
           <a:p>
             <a:r>
               <a:rPr lang="en-US" dirty="0" smtClean="0"/>
-              <a:t>Types of Clients</a:t>
+              <a:t>Out of Scope</a:t>
+            </a:r>
+            <a:endParaRPr lang="en-US" dirty="0"/>
+          </a:p>
+        </p:txBody>
+      </p:sp>
+      <p:sp>
+        <p:nvSpPr>
+          <p:cNvPr id="3" name="Content Placeholder 2"/>
+          <p:cNvSpPr>
+            <a:spLocks noGrp="1"/>
+          </p:cNvSpPr>
+          <p:nvPr>
+            <p:ph idx="1"/>
+          </p:nvPr>
+        </p:nvSpPr>
+        <p:spPr/>
+        <p:txBody>
+          <a:bodyPr>
+            <a:normAutofit lnSpcReduction="10000"/>
+          </a:bodyPr>
+          <a:lstStyle/>
+          <a:p>
+            <a:r>
+              <a:rPr lang="en-US" dirty="0" smtClean="0"/>
+              <a:t>Compared to the obsolete OAuth version 1, OAuth2 is a </a:t>
+            </a:r>
+            <a:r>
+              <a:rPr lang="en-US" smtClean="0"/>
+              <a:t>high-level framework and </a:t>
+            </a:r>
+            <a:r>
+              <a:rPr lang="en-US" dirty="0" smtClean="0"/>
+              <a:t>does not prescribe a lot of low level implementation details.</a:t>
+            </a:r>
+          </a:p>
+          <a:p>
+            <a:pPr lvl="1"/>
+            <a:r>
+              <a:rPr lang="en-US" dirty="0" smtClean="0"/>
+              <a:t>OAuth2 recommends TLS security between parties.</a:t>
+            </a:r>
+          </a:p>
+          <a:p>
+            <a:pPr lvl="1"/>
+            <a:r>
+              <a:rPr lang="en-US" dirty="0" smtClean="0"/>
+              <a:t>Other steps left for implementations and other standards</a:t>
+            </a:r>
+          </a:p>
+          <a:p>
+            <a:r>
+              <a:rPr lang="en-US" dirty="0" smtClean="0"/>
+              <a:t>You could use lots of standard security practices on top of HTTPS that supplement the point to point nature of HTTPS/TLS.</a:t>
+            </a:r>
+          </a:p>
+          <a:p>
+            <a:pPr lvl="1"/>
+            <a:r>
+              <a:rPr lang="en-US" dirty="0"/>
+              <a:t>Public-private key pairs</a:t>
+            </a:r>
+          </a:p>
+          <a:p>
+            <a:pPr lvl="1"/>
+            <a:r>
+              <a:rPr lang="en-US" dirty="0" smtClean="0"/>
+              <a:t>Message digesting</a:t>
+            </a:r>
+          </a:p>
+          <a:p>
+            <a:pPr lvl="1"/>
+            <a:r>
+              <a:rPr lang="en-US" dirty="0" smtClean="0"/>
+              <a:t>Messaging signing</a:t>
+            </a:r>
+          </a:p>
+          <a:p>
+            <a:pPr lvl="1"/>
+            <a:r>
+              <a:rPr lang="en-US" dirty="0" smtClean="0"/>
+              <a:t>Encryption</a:t>
+            </a:r>
+          </a:p>
+        </p:txBody>
+      </p:sp>
+    </p:spTree>
+    <p:extLst>
+      <p:ext uri="{BB962C8B-B14F-4D97-AF65-F5344CB8AC3E}">
+        <p14:creationId xmlns:p14="http://schemas.microsoft.com/office/powerpoint/2010/main" val="840045990"/>
+      </p:ext>
+    </p:extLst>
+  </p:cSld>
+  <p:clrMapOvr>
+    <a:masterClrMapping/>
+  </p:clrMapOvr>
+</p:sld>
+</file>
+
+<file path=ppt/slides/slide17.xml><?xml version="1.0" encoding="utf-8"?>
+<p:sld xmlns:a="http://schemas.openxmlformats.org/drawingml/2006/main" xmlns:r="http://schemas.openxmlformats.org/officeDocument/2006/relationships" xmlns:p="http://schemas.openxmlformats.org/presentationml/2006/main">
+  <p:cSld>
+    <p:spTree>
+      <p:nvGrpSpPr>
+        <p:cNvPr id="1" name=""/>
+        <p:cNvGrpSpPr/>
+        <p:nvPr/>
+      </p:nvGrpSpPr>
+      <p:grpSpPr>
+        <a:xfrm>
+          <a:off x="0" y="0"/>
+          <a:ext cx="0" cy="0"/>
+          <a:chOff x="0" y="0"/>
+          <a:chExt cx="0" cy="0"/>
+        </a:xfrm>
+      </p:grpSpPr>
+      <p:sp>
+        <p:nvSpPr>
+          <p:cNvPr id="2" name="Title 1"/>
+          <p:cNvSpPr>
+            <a:spLocks noGrp="1"/>
+          </p:cNvSpPr>
+          <p:nvPr>
+            <p:ph type="title"/>
+          </p:nvPr>
+        </p:nvSpPr>
+        <p:spPr/>
+        <p:txBody>
+          <a:bodyPr/>
+          <a:lstStyle/>
+          <a:p>
+            <a:r>
+              <a:rPr lang="en-US" dirty="0" smtClean="0"/>
+              <a:t>Types of </a:t>
+            </a:r>
+            <a:r>
+              <a:rPr lang="en-US" dirty="0" smtClean="0"/>
+              <a:t>OAuth2 Clients</a:t>
             </a:r>
             <a:endParaRPr lang="en-US" dirty="0"/>
           </a:p>
@@ -14932,7 +15107,7 @@
 </p:sld>
 </file>
 
-<file path=ppt/slides/slide17.xml><?xml version="1.0" encoding="utf-8"?>
+<file path=ppt/slides/slide18.xml><?xml version="1.0" encoding="utf-8"?>
 <p:sld xmlns:a="http://schemas.openxmlformats.org/drawingml/2006/main" xmlns:r="http://schemas.openxmlformats.org/officeDocument/2006/relationships" xmlns:p="http://schemas.openxmlformats.org/presentationml/2006/main">
   <p:cSld>
     <p:spTree>
@@ -15021,19 +15196,22 @@
             <a:pPr lvl="1"/>
             <a:r>
               <a:rPr lang="en-US" dirty="0" smtClean="0"/>
-              <a:t>Confidential: a web server-based Client, for </a:t>
-            </a:r>
-            <a:r>
-              <a:rPr lang="en-US" dirty="0" smtClean="0"/>
-              <a:t>example</a:t>
-            </a:r>
-            <a:endParaRPr lang="en-US" dirty="0" smtClean="0"/>
+              <a:t>Confidential: a web server-based Client, for example</a:t>
+            </a:r>
           </a:p>
           <a:p>
             <a:pPr lvl="1"/>
             <a:r>
               <a:rPr lang="en-US" dirty="0" smtClean="0"/>
-              <a:t>Public: Browser, desktop or mobile clients</a:t>
+              <a:t>Public: Browser, </a:t>
+            </a:r>
+            <a:r>
+              <a:rPr lang="en-US" dirty="0" smtClean="0"/>
+              <a:t>desktop, </a:t>
+            </a:r>
+            <a:r>
+              <a:rPr lang="en-US" dirty="0" smtClean="0"/>
+              <a:t>or mobile clients</a:t>
             </a:r>
           </a:p>
           <a:p>
@@ -15059,13 +15237,8 @@
             <a:pPr lvl="1"/>
             <a:r>
               <a:rPr lang="en-US" dirty="0" smtClean="0"/>
-              <a:t>Passwords, key pairs, </a:t>
-            </a:r>
-            <a:r>
-              <a:rPr lang="en-US" dirty="0" smtClean="0"/>
-              <a:t>secrets, etc.</a:t>
-            </a:r>
-            <a:endParaRPr lang="en-US" dirty="0" smtClean="0"/>
+              <a:t>Passwords, key pairs, secrets, etc.</a:t>
+            </a:r>
           </a:p>
         </p:txBody>
       </p:sp>
@@ -15089,7 +15262,7 @@
 </p:sld>
 </file>
 
-<file path=ppt/slides/slide18.xml><?xml version="1.0" encoding="utf-8"?>
+<file path=ppt/slides/slide19.xml><?xml version="1.0" encoding="utf-8"?>
 <p:sld xmlns:a="http://schemas.openxmlformats.org/drawingml/2006/main" xmlns:r="http://schemas.openxmlformats.org/officeDocument/2006/relationships" xmlns:p="http://schemas.openxmlformats.org/presentationml/2006/main">
   <p:cSld>
     <p:spTree>
@@ -15206,191 +15379,6 @@
 </p:sld>
 </file>
 
-<file path=ppt/slides/slide19.xml><?xml version="1.0" encoding="utf-8"?>
-<p:sld xmlns:a="http://schemas.openxmlformats.org/drawingml/2006/main" xmlns:r="http://schemas.openxmlformats.org/officeDocument/2006/relationships" xmlns:p="http://schemas.openxmlformats.org/presentationml/2006/main">
-  <p:cSld>
-    <p:spTree>
-      <p:nvGrpSpPr>
-        <p:cNvPr id="1" name=""/>
-        <p:cNvGrpSpPr/>
-        <p:nvPr/>
-      </p:nvGrpSpPr>
-      <p:grpSpPr>
-        <a:xfrm>
-          <a:off x="0" y="0"/>
-          <a:ext cx="0" cy="0"/>
-          <a:chOff x="0" y="0"/>
-          <a:chExt cx="0" cy="0"/>
-        </a:xfrm>
-      </p:grpSpPr>
-      <p:sp>
-        <p:nvSpPr>
-          <p:cNvPr id="2" name="Title 1"/>
-          <p:cNvSpPr>
-            <a:spLocks noGrp="1"/>
-          </p:cNvSpPr>
-          <p:nvPr>
-            <p:ph type="title"/>
-          </p:nvPr>
-        </p:nvSpPr>
-        <p:spPr/>
-        <p:txBody>
-          <a:bodyPr/>
-          <a:lstStyle/>
-          <a:p>
-            <a:r>
-              <a:rPr lang="en-US" dirty="0" smtClean="0"/>
-              <a:t>OAuth2 In Brief...</a:t>
-            </a:r>
-            <a:endParaRPr lang="en-US" dirty="0"/>
-          </a:p>
-        </p:txBody>
-      </p:sp>
-      <p:sp>
-        <p:nvSpPr>
-          <p:cNvPr id="3" name="Content Placeholder 2"/>
-          <p:cNvSpPr>
-            <a:spLocks noGrp="1"/>
-          </p:cNvSpPr>
-          <p:nvPr>
-            <p:ph idx="1"/>
-          </p:nvPr>
-        </p:nvSpPr>
-        <p:spPr>
-          <a:xfrm>
-            <a:off x="838200" y="1825625"/>
-            <a:ext cx="10515600" cy="3241675"/>
-          </a:xfrm>
-        </p:spPr>
-        <p:txBody>
-          <a:bodyPr/>
-          <a:lstStyle/>
-          <a:p>
-            <a:r>
-              <a:rPr lang="en-US" dirty="0" smtClean="0"/>
-              <a:t>The Resource Owner issues a </a:t>
-            </a:r>
-            <a:r>
-              <a:rPr lang="en-US" b="1" dirty="0" smtClean="0"/>
-              <a:t>grant</a:t>
-            </a:r>
-            <a:r>
-              <a:rPr lang="en-US" dirty="0" smtClean="0"/>
-              <a:t> to the client</a:t>
-            </a:r>
-            <a:r>
-              <a:rPr lang="en-US" dirty="0" smtClean="0"/>
-              <a:t>.</a:t>
-            </a:r>
-          </a:p>
-          <a:p>
-            <a:pPr lvl="1"/>
-            <a:r>
-              <a:rPr lang="en-US" dirty="0" smtClean="0"/>
-              <a:t>The grant usually comes from the Authorization Service</a:t>
-            </a:r>
-            <a:endParaRPr lang="en-US" dirty="0" smtClean="0"/>
-          </a:p>
-          <a:p>
-            <a:r>
-              <a:rPr lang="en-US" dirty="0" smtClean="0"/>
-              <a:t>The Client uses the grant to get an </a:t>
-            </a:r>
-            <a:r>
-              <a:rPr lang="en-US" b="1" dirty="0" smtClean="0"/>
-              <a:t>access token </a:t>
-            </a:r>
-            <a:r>
-              <a:rPr lang="en-US" dirty="0" smtClean="0"/>
-              <a:t>from Authorization Service.</a:t>
-            </a:r>
-          </a:p>
-          <a:p>
-            <a:r>
-              <a:rPr lang="en-US" dirty="0" smtClean="0"/>
-              <a:t>The Client uses the access token to make requests from the Resource Service.</a:t>
-            </a:r>
-          </a:p>
-        </p:txBody>
-      </p:sp>
-      <p:sp>
-        <p:nvSpPr>
-          <p:cNvPr id="4" name="TextBox 3"/>
-          <p:cNvSpPr txBox="1"/>
-          <p:nvPr/>
-        </p:nvSpPr>
-        <p:spPr>
-          <a:xfrm>
-            <a:off x="838200" y="5257800"/>
-            <a:ext cx="10515600" cy="954107"/>
-          </a:xfrm>
-          <a:prstGeom prst="rect">
-            <a:avLst/>
-          </a:prstGeom>
-        </p:spPr>
-        <p:style>
-          <a:lnRef idx="2">
-            <a:schemeClr val="accent2">
-              <a:shade val="50000"/>
-            </a:schemeClr>
-          </a:lnRef>
-          <a:fillRef idx="1">
-            <a:schemeClr val="accent2"/>
-          </a:fillRef>
-          <a:effectRef idx="0">
-            <a:schemeClr val="accent2"/>
-          </a:effectRef>
-          <a:fontRef idx="minor">
-            <a:schemeClr val="lt1"/>
-          </a:fontRef>
-        </p:style>
-        <p:txBody>
-          <a:bodyPr wrap="square" rtlCol="0">
-            <a:spAutoFit/>
-          </a:bodyPr>
-          <a:lstStyle/>
-          <a:p>
-            <a:pPr algn="ctr"/>
-            <a:r>
-              <a:rPr lang="en-US" sz="2800" dirty="0"/>
-              <a:t>OAuth2 has several </a:t>
-            </a:r>
-            <a:r>
-              <a:rPr lang="en-US" sz="2800" b="1" dirty="0"/>
-              <a:t>grant types </a:t>
-            </a:r>
-            <a:r>
-              <a:rPr lang="en-US" sz="2800" dirty="0"/>
-              <a:t>that are appropriate for different scenarios</a:t>
-            </a:r>
-            <a:r>
-              <a:rPr lang="en-US" sz="2800" dirty="0" smtClean="0"/>
-              <a:t>.</a:t>
-            </a:r>
-            <a:endParaRPr lang="en-US" sz="2800" dirty="0"/>
-          </a:p>
-        </p:txBody>
-      </p:sp>
-    </p:spTree>
-    <p:extLst>
-      <p:ext uri="{BB962C8B-B14F-4D97-AF65-F5344CB8AC3E}">
-        <p14:creationId xmlns:p14="http://schemas.microsoft.com/office/powerpoint/2010/main" val="1817013870"/>
-      </p:ext>
-    </p:extLst>
-  </p:cSld>
-  <p:clrMapOvr>
-    <a:masterClrMapping/>
-  </p:clrMapOvr>
-  <p:timing>
-    <p:tnLst>
-      <p:par>
-        <p:cTn id="1" dur="indefinite" restart="never" nodeType="tmRoot"/>
-      </p:par>
-    </p:tnLst>
-  </p:timing>
-</p:sld>
-</file>
-
 <file path=ppt/slides/slide2.xml><?xml version="1.0" encoding="utf-8"?>
 <p:sld xmlns:a="http://schemas.openxmlformats.org/drawingml/2006/main" xmlns:r="http://schemas.openxmlformats.org/officeDocument/2006/relationships" xmlns:p="http://schemas.openxmlformats.org/presentationml/2006/main">
   <p:cSld>
@@ -15444,7 +15432,7 @@
         <p:spPr/>
         <p:txBody>
           <a:bodyPr>
-            <a:normAutofit fontScale="92500"/>
+            <a:normAutofit lnSpcReduction="10000"/>
           </a:bodyPr>
           <a:lstStyle/>
           <a:p>
@@ -15456,15 +15444,7 @@
           <a:p>
             <a:r>
               <a:rPr lang="en-US" dirty="0" smtClean="0"/>
-              <a:t>We have </a:t>
-            </a:r>
-            <a:r>
-              <a:rPr lang="en-US" dirty="0" smtClean="0"/>
-              <a:t>three major </a:t>
-            </a:r>
-            <a:r>
-              <a:rPr lang="en-US" dirty="0" smtClean="0"/>
-              <a:t>divisions in the architecture.</a:t>
+              <a:t>We have three major divisions in the architecture.</a:t>
             </a:r>
           </a:p>
           <a:p>
@@ -15509,11 +15489,7 @@
             <a:pPr lvl="1"/>
             <a:r>
               <a:rPr lang="en-US" dirty="0" smtClean="0"/>
-              <a:t>Maintain </a:t>
-            </a:r>
-            <a:r>
-              <a:rPr lang="en-US" dirty="0" smtClean="0"/>
-              <a:t>their own user bases</a:t>
+              <a:t>Maintain their own user bases</a:t>
             </a:r>
           </a:p>
           <a:p>
@@ -15531,26 +15507,31 @@
             </a:r>
           </a:p>
           <a:p>
+            <a:pPr lvl="1"/>
+            <a:r>
+              <a:rPr lang="en-US" dirty="0"/>
+              <a:t>One middleware instance can support multiple science gateway tenants and multiple </a:t>
+            </a:r>
+            <a:r>
+              <a:rPr lang="en-US" dirty="0" smtClean="0"/>
+              <a:t>resources</a:t>
+            </a:r>
+            <a:endParaRPr lang="en-US" dirty="0" smtClean="0"/>
+          </a:p>
+          <a:p>
             <a:r>
               <a:rPr lang="en-US" b="1" dirty="0" smtClean="0"/>
               <a:t>Science gateway resources </a:t>
             </a:r>
             <a:r>
               <a:rPr lang="en-US" dirty="0" smtClean="0"/>
-              <a:t>are typically externally managed clusters, etc.</a:t>
+              <a:t>are typically externally managed clusters, etc</a:t>
+            </a:r>
+            <a:r>
+              <a:rPr lang="en-US" dirty="0" smtClean="0"/>
+              <a:t>.</a:t>
             </a:r>
             <a:endParaRPr lang="en-US" b="1" dirty="0" smtClean="0"/>
-          </a:p>
-          <a:p>
-            <a:r>
-              <a:rPr lang="en-US" dirty="0" smtClean="0"/>
-              <a:t>One middleware instance can support multiple science gateway </a:t>
-            </a:r>
-            <a:r>
-              <a:rPr lang="en-US" dirty="0" smtClean="0"/>
-              <a:t>tenants and multiple resources</a:t>
-            </a:r>
-            <a:endParaRPr lang="en-US" dirty="0" smtClean="0"/>
           </a:p>
         </p:txBody>
       </p:sp>
@@ -15591,6 +15572,186 @@
           <a:chExt cx="0" cy="0"/>
         </a:xfrm>
       </p:grpSpPr>
+      <p:sp>
+        <p:nvSpPr>
+          <p:cNvPr id="2" name="Title 1"/>
+          <p:cNvSpPr>
+            <a:spLocks noGrp="1"/>
+          </p:cNvSpPr>
+          <p:nvPr>
+            <p:ph type="title"/>
+          </p:nvPr>
+        </p:nvSpPr>
+        <p:spPr/>
+        <p:txBody>
+          <a:bodyPr/>
+          <a:lstStyle/>
+          <a:p>
+            <a:r>
+              <a:rPr lang="en-US" dirty="0" smtClean="0"/>
+              <a:t>OAuth2 In Brief...</a:t>
+            </a:r>
+            <a:endParaRPr lang="en-US" dirty="0"/>
+          </a:p>
+        </p:txBody>
+      </p:sp>
+      <p:sp>
+        <p:nvSpPr>
+          <p:cNvPr id="3" name="Content Placeholder 2"/>
+          <p:cNvSpPr>
+            <a:spLocks noGrp="1"/>
+          </p:cNvSpPr>
+          <p:nvPr>
+            <p:ph idx="1"/>
+          </p:nvPr>
+        </p:nvSpPr>
+        <p:spPr>
+          <a:xfrm>
+            <a:off x="838200" y="1825625"/>
+            <a:ext cx="10515600" cy="3241675"/>
+          </a:xfrm>
+        </p:spPr>
+        <p:txBody>
+          <a:bodyPr/>
+          <a:lstStyle/>
+          <a:p>
+            <a:r>
+              <a:rPr lang="en-US" dirty="0" smtClean="0"/>
+              <a:t>The Resource Owner issues a </a:t>
+            </a:r>
+            <a:r>
+              <a:rPr lang="en-US" b="1" dirty="0" smtClean="0"/>
+              <a:t>grant</a:t>
+            </a:r>
+            <a:r>
+              <a:rPr lang="en-US" dirty="0" smtClean="0"/>
+              <a:t> to the client.</a:t>
+            </a:r>
+          </a:p>
+          <a:p>
+            <a:pPr lvl="1"/>
+            <a:r>
+              <a:rPr lang="en-US" dirty="0" smtClean="0"/>
+              <a:t>The grant usually comes from the Authorization Service</a:t>
+            </a:r>
+          </a:p>
+          <a:p>
+            <a:r>
+              <a:rPr lang="en-US" dirty="0" smtClean="0"/>
+              <a:t>The Client uses the grant to get an </a:t>
+            </a:r>
+            <a:r>
+              <a:rPr lang="en-US" b="1" dirty="0" smtClean="0"/>
+              <a:t>access token </a:t>
+            </a:r>
+            <a:r>
+              <a:rPr lang="en-US" dirty="0" smtClean="0"/>
+              <a:t>from Authorization Service.</a:t>
+            </a:r>
+          </a:p>
+          <a:p>
+            <a:r>
+              <a:rPr lang="en-US" dirty="0" smtClean="0"/>
+              <a:t>The Client uses the access token to make requests from the Resource Service.</a:t>
+            </a:r>
+          </a:p>
+        </p:txBody>
+      </p:sp>
+      <p:sp>
+        <p:nvSpPr>
+          <p:cNvPr id="4" name="TextBox 3"/>
+          <p:cNvSpPr txBox="1"/>
+          <p:nvPr/>
+        </p:nvSpPr>
+        <p:spPr>
+          <a:xfrm>
+            <a:off x="838200" y="5257800"/>
+            <a:ext cx="10515600" cy="954107"/>
+          </a:xfrm>
+          <a:prstGeom prst="rect">
+            <a:avLst/>
+          </a:prstGeom>
+        </p:spPr>
+        <p:style>
+          <a:lnRef idx="2">
+            <a:schemeClr val="accent2">
+              <a:shade val="50000"/>
+            </a:schemeClr>
+          </a:lnRef>
+          <a:fillRef idx="1">
+            <a:schemeClr val="accent2"/>
+          </a:fillRef>
+          <a:effectRef idx="0">
+            <a:schemeClr val="accent2"/>
+          </a:effectRef>
+          <a:fontRef idx="minor">
+            <a:schemeClr val="lt1"/>
+          </a:fontRef>
+        </p:style>
+        <p:txBody>
+          <a:bodyPr wrap="square" rtlCol="0">
+            <a:spAutoFit/>
+          </a:bodyPr>
+          <a:lstStyle/>
+          <a:p>
+            <a:pPr algn="ctr"/>
+            <a:r>
+              <a:rPr lang="en-US" sz="2800" dirty="0"/>
+              <a:t>OAuth2 has several </a:t>
+            </a:r>
+            <a:r>
+              <a:rPr lang="en-US" sz="2800" b="1" dirty="0"/>
+              <a:t>grant types </a:t>
+            </a:r>
+            <a:r>
+              <a:rPr lang="en-US" sz="2800" dirty="0"/>
+              <a:t>that are appropriate for different scenarios</a:t>
+            </a:r>
+            <a:r>
+              <a:rPr lang="en-US" sz="2800" dirty="0" smtClean="0"/>
+              <a:t>. </a:t>
+            </a:r>
+            <a:endParaRPr lang="en-US" sz="2800" dirty="0"/>
+          </a:p>
+        </p:txBody>
+      </p:sp>
+    </p:spTree>
+    <p:extLst>
+      <p:ext uri="{BB962C8B-B14F-4D97-AF65-F5344CB8AC3E}">
+        <p14:creationId xmlns:p14="http://schemas.microsoft.com/office/powerpoint/2010/main" val="1817013870"/>
+      </p:ext>
+    </p:extLst>
+  </p:cSld>
+  <p:clrMapOvr>
+    <a:masterClrMapping/>
+  </p:clrMapOvr>
+  <p:timing>
+    <p:tnLst>
+      <p:par>
+        <p:cTn id="1" dur="indefinite" restart="never" nodeType="tmRoot"/>
+      </p:par>
+    </p:tnLst>
+  </p:timing>
+</p:sld>
+</file>
+
+<file path=ppt/slides/slide21.xml><?xml version="1.0" encoding="utf-8"?>
+<p:sld xmlns:a="http://schemas.openxmlformats.org/drawingml/2006/main" xmlns:r="http://schemas.openxmlformats.org/officeDocument/2006/relationships" xmlns:p="http://schemas.openxmlformats.org/presentationml/2006/main">
+  <p:cSld>
+    <p:spTree>
+      <p:nvGrpSpPr>
+        <p:cNvPr id="1" name=""/>
+        <p:cNvGrpSpPr/>
+        <p:nvPr/>
+      </p:nvGrpSpPr>
+      <p:grpSpPr>
+        <a:xfrm>
+          <a:off x="0" y="0"/>
+          <a:ext cx="0" cy="0"/>
+          <a:chOff x="0" y="0"/>
+          <a:chExt cx="0" cy="0"/>
+        </a:xfrm>
+      </p:grpSpPr>
       <p:graphicFrame>
         <p:nvGraphicFramePr>
           <p:cNvPr id="5" name="Table 4"/>
@@ -15600,7 +15761,7 @@
           <p:nvPr>
             <p:extLst>
               <p:ext uri="{D42A27DB-BD31-4B8C-83A1-F6EECF244321}">
-                <p14:modId xmlns:p14="http://schemas.microsoft.com/office/powerpoint/2010/main" val="1023771457"/>
+                <p14:modId xmlns:p14="http://schemas.microsoft.com/office/powerpoint/2010/main" val="1242320905"/>
               </p:ext>
             </p:extLst>
           </p:nvPr>
@@ -15813,7 +15974,27 @@
                       </a:r>
                       <a:r>
                         <a:rPr lang="en-US" sz="2200" baseline="0" dirty="0" smtClean="0"/>
-                        <a:t> Owner gives the Client its full credentials. Client uses these to obtain an access token. Owner must trust the Client, and Client can use the credentials only once. Included for backward compatibility. </a:t>
+                        <a:t> Owner gives the Client its full credentials. </a:t>
+                      </a:r>
+                      <a:r>
+                        <a:rPr lang="en-US" sz="2200" b="1" baseline="0" dirty="0" smtClean="0"/>
+                        <a:t>Client uses these to obtain an access </a:t>
+                      </a:r>
+                      <a:r>
+                        <a:rPr lang="en-US" sz="2200" b="1" baseline="0" dirty="0" smtClean="0"/>
+                        <a:t>token and possibly refresh tokens</a:t>
+                      </a:r>
+                      <a:r>
+                        <a:rPr lang="en-US" sz="2200" baseline="0" dirty="0" smtClean="0"/>
+                        <a:t>. </a:t>
+                      </a:r>
+                      <a:r>
+                        <a:rPr lang="en-US" sz="2200" baseline="0" dirty="0" smtClean="0"/>
+                        <a:t>Owner must trust the Client, and Client can use the credentials </a:t>
+                      </a:r>
+                      <a:r>
+                        <a:rPr lang="en-US" sz="2200" baseline="0" dirty="0" smtClean="0"/>
+                        <a:t>only once per access token. Best way to authorize desktop applications? </a:t>
                       </a:r>
                       <a:endParaRPr lang="en-US" sz="2200" dirty="0"/>
                     </a:p>
@@ -15879,7 +16060,7 @@
 </p:sld>
 </file>
 
-<file path=ppt/slides/slide21.xml><?xml version="1.0" encoding="utf-8"?>
+<file path=ppt/slides/slide22.xml><?xml version="1.0" encoding="utf-8"?>
 <p:sld xmlns:a="http://schemas.openxmlformats.org/drawingml/2006/main" xmlns:r="http://schemas.openxmlformats.org/officeDocument/2006/relationships" xmlns:p="http://schemas.openxmlformats.org/presentationml/2006/main">
   <p:cSld>
     <p:spTree>
@@ -15980,7 +16161,7 @@
 </p:sld>
 </file>
 
-<file path=ppt/slides/slide22.xml><?xml version="1.0" encoding="utf-8"?>
+<file path=ppt/slides/slide23.xml><?xml version="1.0" encoding="utf-8"?>
 <p:sld xmlns:a="http://schemas.openxmlformats.org/drawingml/2006/main" xmlns:r="http://schemas.openxmlformats.org/officeDocument/2006/relationships" xmlns:p="http://schemas.openxmlformats.org/presentationml/2006/main">
   <p:cSld>
     <p:spTree>
@@ -16397,7 +16578,7 @@
 </p:sld>
 </file>
 
-<file path=ppt/slides/slide23.xml><?xml version="1.0" encoding="utf-8"?>
+<file path=ppt/slides/slide24.xml><?xml version="1.0" encoding="utf-8"?>
 <p:sld xmlns:a="http://schemas.openxmlformats.org/drawingml/2006/main" xmlns:r="http://schemas.openxmlformats.org/officeDocument/2006/relationships" xmlns:p="http://schemas.openxmlformats.org/presentationml/2006/main">
   <p:cSld>
     <p:spTree>
@@ -16482,21 +16663,8 @@
           <a:p>
             <a:r>
               <a:rPr lang="en-US" dirty="0" smtClean="0"/>
-              <a:t>Authorization codes </a:t>
-            </a:r>
-            <a:r>
-              <a:rPr lang="en-US" dirty="0" smtClean="0"/>
-              <a:t>for obtaining tokens must </a:t>
-            </a:r>
-            <a:r>
-              <a:rPr lang="en-US" dirty="0" smtClean="0"/>
-              <a:t>be single use and short </a:t>
-            </a:r>
-            <a:r>
-              <a:rPr lang="en-US" dirty="0" smtClean="0"/>
-              <a:t>lived</a:t>
-            </a:r>
-            <a:endParaRPr lang="en-US" dirty="0" smtClean="0"/>
+              <a:t>Authorization codes for obtaining tokens must be single use and short lived</a:t>
+            </a:r>
           </a:p>
           <a:p>
             <a:r>
@@ -16522,11 +16690,7 @@
             </a:r>
             <a:r>
               <a:rPr lang="en-US" dirty="0" smtClean="0"/>
-              <a:t> also </a:t>
-            </a:r>
-            <a:r>
-              <a:rPr lang="en-US" dirty="0" smtClean="0"/>
-              <a:t>important.</a:t>
+              <a:t> also important.</a:t>
             </a:r>
           </a:p>
           <a:p>
@@ -16534,7 +16698,6 @@
               <a:rPr lang="en-US" dirty="0" smtClean="0"/>
               <a:t>Access tokens should be hard to guess</a:t>
             </a:r>
-            <a:endParaRPr lang="en-US" dirty="0" smtClean="0"/>
           </a:p>
           <a:p>
             <a:r>
@@ -16548,7 +16711,6 @@
               <a:rPr lang="en-US" dirty="0" smtClean="0"/>
               <a:t>Bearer and MAC access token types</a:t>
             </a:r>
-            <a:endParaRPr lang="en-US" dirty="0" smtClean="0"/>
           </a:p>
           <a:p>
             <a:endParaRPr lang="en-US" dirty="0"/>
@@ -16559,126 +16721,6 @@
     <p:extLst>
       <p:ext uri="{BB962C8B-B14F-4D97-AF65-F5344CB8AC3E}">
         <p14:creationId xmlns:p14="http://schemas.microsoft.com/office/powerpoint/2010/main" val="2077379921"/>
-      </p:ext>
-    </p:extLst>
-  </p:cSld>
-  <p:clrMapOvr>
-    <a:masterClrMapping/>
-  </p:clrMapOvr>
-  <p:timing>
-    <p:tnLst>
-      <p:par>
-        <p:cTn id="1" dur="indefinite" restart="never" nodeType="tmRoot"/>
-      </p:par>
-    </p:tnLst>
-  </p:timing>
-</p:sld>
-</file>
-
-<file path=ppt/slides/slide24.xml><?xml version="1.0" encoding="utf-8"?>
-<p:sld xmlns:a="http://schemas.openxmlformats.org/drawingml/2006/main" xmlns:r="http://schemas.openxmlformats.org/officeDocument/2006/relationships" xmlns:p="http://schemas.openxmlformats.org/presentationml/2006/main">
-  <p:cSld>
-    <p:spTree>
-      <p:nvGrpSpPr>
-        <p:cNvPr id="1" name=""/>
-        <p:cNvGrpSpPr/>
-        <p:nvPr/>
-      </p:nvGrpSpPr>
-      <p:grpSpPr>
-        <a:xfrm>
-          <a:off x="0" y="0"/>
-          <a:ext cx="0" cy="0"/>
-          <a:chOff x="0" y="0"/>
-          <a:chExt cx="0" cy="0"/>
-        </a:xfrm>
-      </p:grpSpPr>
-      <p:sp>
-        <p:nvSpPr>
-          <p:cNvPr id="4" name="Title 3"/>
-          <p:cNvSpPr>
-            <a:spLocks noGrp="1"/>
-          </p:cNvSpPr>
-          <p:nvPr>
-            <p:ph type="ctrTitle"/>
-          </p:nvPr>
-        </p:nvSpPr>
-        <p:spPr/>
-        <p:txBody>
-          <a:bodyPr/>
-          <a:lstStyle/>
-          <a:p>
-            <a:r>
-              <a:rPr lang="en-US" dirty="0" smtClean="0"/>
-              <a:t>OpenID Connect: A Summary</a:t>
-            </a:r>
-            <a:endParaRPr lang="en-US" dirty="0"/>
-          </a:p>
-        </p:txBody>
-      </p:sp>
-      <p:sp>
-        <p:nvSpPr>
-          <p:cNvPr id="5" name="Subtitle 4"/>
-          <p:cNvSpPr>
-            <a:spLocks noGrp="1"/>
-          </p:cNvSpPr>
-          <p:nvPr>
-            <p:ph type="subTitle" idx="1"/>
-          </p:nvPr>
-        </p:nvSpPr>
-        <p:spPr/>
-        <p:txBody>
-          <a:bodyPr/>
-          <a:lstStyle/>
-          <a:p>
-            <a:r>
-              <a:rPr lang="en-US" dirty="0" smtClean="0"/>
-              <a:t>An OAuth2-Based Authentication Protocol</a:t>
-            </a:r>
-            <a:endParaRPr lang="en-US" dirty="0"/>
-          </a:p>
-        </p:txBody>
-      </p:sp>
-      <p:sp>
-        <p:nvSpPr>
-          <p:cNvPr id="6" name="TextBox 5"/>
-          <p:cNvSpPr txBox="1"/>
-          <p:nvPr/>
-        </p:nvSpPr>
-        <p:spPr>
-          <a:xfrm>
-            <a:off x="4711806" y="5969000"/>
-            <a:ext cx="2768387" cy="369332"/>
-          </a:xfrm>
-          <a:prstGeom prst="rect">
-            <a:avLst/>
-          </a:prstGeom>
-          <a:noFill/>
-        </p:spPr>
-        <p:txBody>
-          <a:bodyPr wrap="none" rtlCol="0">
-            <a:spAutoFit/>
-          </a:bodyPr>
-          <a:lstStyle/>
-          <a:p>
-            <a:r>
-              <a:rPr lang="en-US" dirty="0"/>
-              <a:t>http://</a:t>
-            </a:r>
-            <a:r>
-              <a:rPr lang="en-US" dirty="0" err="1"/>
-              <a:t>openid.net</a:t>
-            </a:r>
-            <a:r>
-              <a:rPr lang="en-US" dirty="0"/>
-              <a:t>/connect/</a:t>
-            </a:r>
-          </a:p>
-        </p:txBody>
-      </p:sp>
-    </p:spTree>
-    <p:extLst>
-      <p:ext uri="{BB962C8B-B14F-4D97-AF65-F5344CB8AC3E}">
-        <p14:creationId xmlns:p14="http://schemas.microsoft.com/office/powerpoint/2010/main" val="835713781"/>
       </p:ext>
     </p:extLst>
   </p:cSld>
@@ -16714,12 +16756,12 @@
       </p:grpSpPr>
       <p:sp>
         <p:nvSpPr>
-          <p:cNvPr id="2" name="Title 1"/>
+          <p:cNvPr id="4" name="Title 3"/>
           <p:cNvSpPr>
             <a:spLocks noGrp="1"/>
           </p:cNvSpPr>
           <p:nvPr>
-            <p:ph type="title"/>
+            <p:ph type="ctrTitle"/>
           </p:nvPr>
         </p:nvSpPr>
         <p:spPr/>
@@ -16729,7 +16771,7 @@
           <a:p>
             <a:r>
               <a:rPr lang="en-US" dirty="0" smtClean="0"/>
-              <a:t>Why OpenID Connect?</a:t>
+              <a:t>OpenID Connect: A Summary</a:t>
             </a:r>
             <a:endParaRPr lang="en-US" dirty="0"/>
           </a:p>
@@ -16737,154 +16779,60 @@
       </p:sp>
       <p:sp>
         <p:nvSpPr>
-          <p:cNvPr id="3" name="Content Placeholder 2"/>
+          <p:cNvPr id="5" name="Subtitle 4"/>
           <p:cNvSpPr>
             <a:spLocks noGrp="1"/>
           </p:cNvSpPr>
           <p:nvPr>
-            <p:ph idx="1"/>
+            <p:ph type="subTitle" idx="1"/>
           </p:nvPr>
         </p:nvSpPr>
         <p:spPr/>
         <p:txBody>
-          <a:bodyPr>
-            <a:normAutofit fontScale="85000" lnSpcReduction="10000"/>
+          <a:bodyPr/>
+          <a:lstStyle/>
+          <a:p>
+            <a:r>
+              <a:rPr lang="en-US" dirty="0" smtClean="0"/>
+              <a:t>An OAuth2-Based Authentication Protocol</a:t>
+            </a:r>
+            <a:endParaRPr lang="en-US" dirty="0"/>
+          </a:p>
+        </p:txBody>
+      </p:sp>
+      <p:sp>
+        <p:nvSpPr>
+          <p:cNvPr id="6" name="TextBox 5"/>
+          <p:cNvSpPr txBox="1"/>
+          <p:nvPr/>
+        </p:nvSpPr>
+        <p:spPr>
+          <a:xfrm>
+            <a:off x="4711806" y="5969000"/>
+            <a:ext cx="2768387" cy="369332"/>
+          </a:xfrm>
+          <a:prstGeom prst="rect">
+            <a:avLst/>
+          </a:prstGeom>
+          <a:noFill/>
+        </p:spPr>
+        <p:txBody>
+          <a:bodyPr wrap="none" rtlCol="0">
+            <a:spAutoFit/>
           </a:bodyPr>
           <a:lstStyle/>
           <a:p>
             <a:r>
-              <a:rPr lang="en-US" dirty="0" smtClean="0"/>
-              <a:t>Authentication as a Service</a:t>
-            </a:r>
-          </a:p>
-          <a:p>
-            <a:pPr lvl="1"/>
-            <a:r>
-              <a:rPr lang="en-US" dirty="0" smtClean="0"/>
-              <a:t>Don</a:t>
-            </a:r>
-            <a:r>
-              <a:rPr lang="uk-UA" dirty="0" smtClean="0"/>
-              <a:t>’</a:t>
-            </a:r>
-            <a:r>
-              <a:rPr lang="en-US" dirty="0" smtClean="0"/>
-              <a:t>t run your own authentication service</a:t>
-            </a:r>
-          </a:p>
-          <a:p>
-            <a:pPr lvl="1"/>
-            <a:r>
-              <a:rPr lang="en-US" dirty="0" smtClean="0"/>
-              <a:t>Use a trusted service instead</a:t>
-            </a:r>
-          </a:p>
-          <a:p>
-            <a:pPr lvl="1"/>
-            <a:r>
-              <a:rPr lang="en-US" dirty="0" smtClean="0"/>
-              <a:t>Authentication mechanisms and details handled by the service.</a:t>
-            </a:r>
-          </a:p>
-          <a:p>
-            <a:r>
-              <a:rPr lang="en-US" dirty="0" smtClean="0"/>
-              <a:t>Why? The trusted Identity Provider (</a:t>
-            </a:r>
-            <a:r>
-              <a:rPr lang="en-US" dirty="0" err="1" smtClean="0"/>
-              <a:t>IdP</a:t>
-            </a:r>
-            <a:r>
-              <a:rPr lang="en-US" dirty="0" smtClean="0"/>
-              <a:t>) absorbs lots of headaches</a:t>
-            </a:r>
-          </a:p>
-          <a:p>
-            <a:pPr lvl="1"/>
-            <a:r>
-              <a:rPr lang="en-US" dirty="0" smtClean="0"/>
-              <a:t>Best practices and implementations for securing user accounts and information.</a:t>
-            </a:r>
-          </a:p>
-          <a:p>
-            <a:pPr lvl="1"/>
-            <a:r>
-              <a:rPr lang="en-US" dirty="0" smtClean="0"/>
-              <a:t>Avoids the need to provide separate identity management for every application</a:t>
-            </a:r>
-          </a:p>
-          <a:p>
-            <a:pPr lvl="1"/>
-            <a:r>
-              <a:rPr lang="en-US" dirty="0" smtClean="0"/>
-              <a:t>Handles federated identities.</a:t>
-            </a:r>
-          </a:p>
-          <a:p>
-            <a:pPr lvl="1"/>
-            <a:r>
-              <a:rPr lang="en-US" dirty="0" smtClean="0"/>
-              <a:t>Handles advanced authentication mechanisms such as two-factor authentication</a:t>
-            </a:r>
-          </a:p>
-          <a:p>
-            <a:r>
-              <a:rPr lang="en-US" dirty="0" smtClean="0"/>
-              <a:t>Examples</a:t>
-            </a:r>
-          </a:p>
-          <a:p>
-            <a:pPr lvl="1"/>
-            <a:r>
-              <a:rPr lang="en-US" dirty="0" smtClean="0"/>
-              <a:t>CAS: not OpenID Connect based, but similar</a:t>
-            </a:r>
-          </a:p>
-          <a:p>
-            <a:pPr lvl="1"/>
-            <a:r>
-              <a:rPr lang="en-US" dirty="0" err="1" smtClean="0"/>
-              <a:t>Keycloak</a:t>
-            </a:r>
-            <a:r>
-              <a:rPr lang="en-US" dirty="0" smtClean="0"/>
-              <a:t>: </a:t>
-            </a:r>
-            <a:r>
-              <a:rPr lang="en-US" dirty="0" smtClean="0"/>
-              <a:t>Open source software for running your own </a:t>
-            </a:r>
-            <a:r>
-              <a:rPr lang="en-US" dirty="0" err="1" smtClean="0"/>
-              <a:t>IdP</a:t>
-            </a:r>
-            <a:r>
-              <a:rPr lang="en-US" dirty="0" smtClean="0"/>
-              <a:t>. We use </a:t>
-            </a:r>
-            <a:r>
-              <a:rPr lang="en-US" dirty="0" smtClean="0"/>
-              <a:t>this for </a:t>
-            </a:r>
-            <a:r>
-              <a:rPr lang="en-US" dirty="0" smtClean="0"/>
-              <a:t>Apache Airavata.</a:t>
-            </a:r>
-          </a:p>
-          <a:p>
-            <a:pPr lvl="1"/>
-            <a:r>
-              <a:rPr lang="en-US" dirty="0" smtClean="0"/>
-              <a:t>Google, Microsoft, Salesforce, </a:t>
-            </a:r>
-            <a:r>
-              <a:rPr lang="en-US" dirty="0" err="1" smtClean="0"/>
-              <a:t>Paypal</a:t>
-            </a:r>
-            <a:r>
-              <a:rPr lang="en-US" dirty="0" smtClean="0"/>
-              <a:t>, Yahoo (whoops...)</a:t>
+              <a:rPr lang="en-US" dirty="0"/>
+              <a:t>http://</a:t>
+            </a:r>
+            <a:r>
+              <a:rPr lang="en-US" dirty="0" err="1"/>
+              <a:t>openid.net</a:t>
+            </a:r>
+            <a:r>
+              <a:rPr lang="en-US" dirty="0"/>
+              <a:t>/connect/</a:t>
             </a:r>
           </a:p>
         </p:txBody>
@@ -16892,7 +16840,7 @@
     </p:spTree>
     <p:extLst>
       <p:ext uri="{BB962C8B-B14F-4D97-AF65-F5344CB8AC3E}">
-        <p14:creationId xmlns:p14="http://schemas.microsoft.com/office/powerpoint/2010/main" val="1298465887"/>
+        <p14:creationId xmlns:p14="http://schemas.microsoft.com/office/powerpoint/2010/main" val="835713781"/>
       </p:ext>
     </p:extLst>
   </p:cSld>
@@ -16943,6 +16891,208 @@
           <a:p>
             <a:r>
               <a:rPr lang="en-US" dirty="0" smtClean="0"/>
+              <a:t>Why OpenID Connect?</a:t>
+            </a:r>
+            <a:endParaRPr lang="en-US" dirty="0"/>
+          </a:p>
+        </p:txBody>
+      </p:sp>
+      <p:sp>
+        <p:nvSpPr>
+          <p:cNvPr id="3" name="Content Placeholder 2"/>
+          <p:cNvSpPr>
+            <a:spLocks noGrp="1"/>
+          </p:cNvSpPr>
+          <p:nvPr>
+            <p:ph idx="1"/>
+          </p:nvPr>
+        </p:nvSpPr>
+        <p:spPr/>
+        <p:txBody>
+          <a:bodyPr>
+            <a:normAutofit fontScale="85000" lnSpcReduction="10000"/>
+          </a:bodyPr>
+          <a:lstStyle/>
+          <a:p>
+            <a:r>
+              <a:rPr lang="en-US" dirty="0" smtClean="0"/>
+              <a:t>Authentication as a Service</a:t>
+            </a:r>
+          </a:p>
+          <a:p>
+            <a:pPr lvl="1"/>
+            <a:r>
+              <a:rPr lang="en-US" dirty="0" smtClean="0"/>
+              <a:t>Don</a:t>
+            </a:r>
+            <a:r>
+              <a:rPr lang="uk-UA" dirty="0" smtClean="0"/>
+              <a:t>’</a:t>
+            </a:r>
+            <a:r>
+              <a:rPr lang="en-US" dirty="0" smtClean="0"/>
+              <a:t>t run your own authentication service</a:t>
+            </a:r>
+          </a:p>
+          <a:p>
+            <a:pPr lvl="1"/>
+            <a:r>
+              <a:rPr lang="en-US" dirty="0" smtClean="0"/>
+              <a:t>Use a trusted service instead</a:t>
+            </a:r>
+          </a:p>
+          <a:p>
+            <a:pPr lvl="1"/>
+            <a:r>
+              <a:rPr lang="en-US" dirty="0" smtClean="0"/>
+              <a:t>Authentication mechanisms and details handled by the service.</a:t>
+            </a:r>
+          </a:p>
+          <a:p>
+            <a:r>
+              <a:rPr lang="en-US" dirty="0" smtClean="0"/>
+              <a:t>Why? The trusted Identity Provider (</a:t>
+            </a:r>
+            <a:r>
+              <a:rPr lang="en-US" dirty="0" err="1" smtClean="0"/>
+              <a:t>IdP</a:t>
+            </a:r>
+            <a:r>
+              <a:rPr lang="en-US" dirty="0" smtClean="0"/>
+              <a:t>) absorbs lots of headaches</a:t>
+            </a:r>
+          </a:p>
+          <a:p>
+            <a:pPr lvl="1"/>
+            <a:r>
+              <a:rPr lang="en-US" dirty="0" smtClean="0"/>
+              <a:t>Best practices and implementations for securing user accounts and information.</a:t>
+            </a:r>
+          </a:p>
+          <a:p>
+            <a:pPr lvl="1"/>
+            <a:r>
+              <a:rPr lang="en-US" dirty="0" smtClean="0"/>
+              <a:t>Avoids the need to provide separate identity management for every application</a:t>
+            </a:r>
+          </a:p>
+          <a:p>
+            <a:pPr lvl="1"/>
+            <a:r>
+              <a:rPr lang="en-US" dirty="0" smtClean="0"/>
+              <a:t>Handles federated identities.</a:t>
+            </a:r>
+          </a:p>
+          <a:p>
+            <a:pPr lvl="1"/>
+            <a:r>
+              <a:rPr lang="en-US" dirty="0" smtClean="0"/>
+              <a:t>Handles advanced authentication mechanisms such as two-factor authentication</a:t>
+            </a:r>
+          </a:p>
+          <a:p>
+            <a:r>
+              <a:rPr lang="en-US" dirty="0" smtClean="0"/>
+              <a:t>Examples</a:t>
+            </a:r>
+          </a:p>
+          <a:p>
+            <a:pPr lvl="1"/>
+            <a:r>
+              <a:rPr lang="en-US" dirty="0" smtClean="0"/>
+              <a:t>CAS: not OpenID Connect based, but similar</a:t>
+            </a:r>
+          </a:p>
+          <a:p>
+            <a:pPr lvl="1"/>
+            <a:r>
+              <a:rPr lang="en-US" dirty="0" err="1" smtClean="0"/>
+              <a:t>Keycloak</a:t>
+            </a:r>
+            <a:r>
+              <a:rPr lang="en-US" dirty="0" smtClean="0"/>
+              <a:t>: Open source software for running your own </a:t>
+            </a:r>
+            <a:r>
+              <a:rPr lang="en-US" dirty="0" err="1" smtClean="0"/>
+              <a:t>IdP</a:t>
+            </a:r>
+            <a:r>
+              <a:rPr lang="en-US" dirty="0" smtClean="0"/>
+              <a:t>. We use this for Apache Airavata.</a:t>
+            </a:r>
+          </a:p>
+          <a:p>
+            <a:pPr lvl="1"/>
+            <a:r>
+              <a:rPr lang="en-US" dirty="0" smtClean="0"/>
+              <a:t>Google, Microsoft, Salesforce, </a:t>
+            </a:r>
+            <a:r>
+              <a:rPr lang="en-US" dirty="0" err="1" smtClean="0"/>
+              <a:t>Paypal</a:t>
+            </a:r>
+            <a:r>
+              <a:rPr lang="en-US" dirty="0" smtClean="0"/>
+              <a:t>, Yahoo (whoops...)</a:t>
+            </a:r>
+          </a:p>
+        </p:txBody>
+      </p:sp>
+    </p:spTree>
+    <p:extLst>
+      <p:ext uri="{BB962C8B-B14F-4D97-AF65-F5344CB8AC3E}">
+        <p14:creationId xmlns:p14="http://schemas.microsoft.com/office/powerpoint/2010/main" val="1298465887"/>
+      </p:ext>
+    </p:extLst>
+  </p:cSld>
+  <p:clrMapOvr>
+    <a:masterClrMapping/>
+  </p:clrMapOvr>
+  <p:timing>
+    <p:tnLst>
+      <p:par>
+        <p:cTn id="1" dur="indefinite" restart="never" nodeType="tmRoot"/>
+      </p:par>
+    </p:tnLst>
+  </p:timing>
+</p:sld>
+</file>
+
+<file path=ppt/slides/slide27.xml><?xml version="1.0" encoding="utf-8"?>
+<p:sld xmlns:a="http://schemas.openxmlformats.org/drawingml/2006/main" xmlns:r="http://schemas.openxmlformats.org/officeDocument/2006/relationships" xmlns:p="http://schemas.openxmlformats.org/presentationml/2006/main">
+  <p:cSld>
+    <p:spTree>
+      <p:nvGrpSpPr>
+        <p:cNvPr id="1" name=""/>
+        <p:cNvGrpSpPr/>
+        <p:nvPr/>
+      </p:nvGrpSpPr>
+      <p:grpSpPr>
+        <a:xfrm>
+          <a:off x="0" y="0"/>
+          <a:ext cx="0" cy="0"/>
+          <a:chOff x="0" y="0"/>
+          <a:chExt cx="0" cy="0"/>
+        </a:xfrm>
+      </p:grpSpPr>
+      <p:sp>
+        <p:nvSpPr>
+          <p:cNvPr id="2" name="Title 1"/>
+          <p:cNvSpPr>
+            <a:spLocks noGrp="1"/>
+          </p:cNvSpPr>
+          <p:nvPr>
+            <p:ph type="title"/>
+          </p:nvPr>
+        </p:nvSpPr>
+        <p:spPr/>
+        <p:txBody>
+          <a:bodyPr/>
+          <a:lstStyle/>
+          <a:p>
+            <a:r>
+              <a:rPr lang="en-US" dirty="0" smtClean="0"/>
               <a:t>OAuth2 and OpenID Connect</a:t>
             </a:r>
             <a:endParaRPr lang="en-US" dirty="0"/>
@@ -17041,7 +17191,7 @@
 </p:sld>
 </file>
 
-<file path=ppt/slides/slide27.xml><?xml version="1.0" encoding="utf-8"?>
+<file path=ppt/slides/slide28.xml><?xml version="1.0" encoding="utf-8"?>
 <p:sld xmlns:a="http://schemas.openxmlformats.org/drawingml/2006/main" xmlns:r="http://schemas.openxmlformats.org/officeDocument/2006/relationships" xmlns:p="http://schemas.openxmlformats.org/presentationml/2006/main">
   <p:cSld>
     <p:spTree>
@@ -17341,7 +17491,7 @@
 </p:sld>
 </file>
 
-<file path=ppt/slides/slide28.xml><?xml version="1.0" encoding="utf-8"?>
+<file path=ppt/slides/slide29.xml><?xml version="1.0" encoding="utf-8"?>
 <p:sld xmlns:a="http://schemas.openxmlformats.org/drawingml/2006/main" xmlns:r="http://schemas.openxmlformats.org/officeDocument/2006/relationships" xmlns:p="http://schemas.openxmlformats.org/presentationml/2006/main">
   <p:cSld>
     <p:spTree>
@@ -17746,7 +17896,327 @@
 </p:sld>
 </file>
 
-<file path=ppt/slides/slide29.xml><?xml version="1.0" encoding="utf-8"?>
+<file path=ppt/slides/slide3.xml><?xml version="1.0" encoding="utf-8"?>
+<p:sld xmlns:a="http://schemas.openxmlformats.org/drawingml/2006/main" xmlns:r="http://schemas.openxmlformats.org/officeDocument/2006/relationships" xmlns:p="http://schemas.openxmlformats.org/presentationml/2006/main">
+  <p:cSld>
+    <p:spTree>
+      <p:nvGrpSpPr>
+        <p:cNvPr id="1" name=""/>
+        <p:cNvGrpSpPr/>
+        <p:nvPr/>
+      </p:nvGrpSpPr>
+      <p:grpSpPr>
+        <a:xfrm>
+          <a:off x="0" y="0"/>
+          <a:ext cx="0" cy="0"/>
+          <a:chOff x="0" y="0"/>
+          <a:chExt cx="0" cy="0"/>
+        </a:xfrm>
+      </p:grpSpPr>
+      <p:sp>
+        <p:nvSpPr>
+          <p:cNvPr id="2" name="Title 1"/>
+          <p:cNvSpPr>
+            <a:spLocks noGrp="1"/>
+          </p:cNvSpPr>
+          <p:nvPr>
+            <p:ph type="title"/>
+          </p:nvPr>
+        </p:nvSpPr>
+        <p:spPr/>
+        <p:txBody>
+          <a:bodyPr/>
+          <a:lstStyle/>
+          <a:p>
+            <a:r>
+              <a:rPr lang="en-US" dirty="0" smtClean="0"/>
+              <a:t>Simplifying Assumptions</a:t>
+            </a:r>
+            <a:endParaRPr lang="en-US" dirty="0"/>
+          </a:p>
+        </p:txBody>
+      </p:sp>
+      <p:sp>
+        <p:nvSpPr>
+          <p:cNvPr id="3" name="Content Placeholder 2"/>
+          <p:cNvSpPr>
+            <a:spLocks noGrp="1"/>
+          </p:cNvSpPr>
+          <p:nvPr>
+            <p:ph idx="1"/>
+          </p:nvPr>
+        </p:nvSpPr>
+        <p:spPr>
+          <a:xfrm>
+            <a:off x="838200" y="1825625"/>
+            <a:ext cx="10515600" cy="2483328"/>
+          </a:xfrm>
+          <a:ln>
+            <a:noFill/>
+          </a:ln>
+        </p:spPr>
+        <p:txBody>
+          <a:bodyPr>
+            <a:normAutofit fontScale="85000" lnSpcReduction="10000"/>
+          </a:bodyPr>
+          <a:lstStyle/>
+          <a:p>
+            <a:r>
+              <a:rPr lang="en-US" dirty="0" smtClean="0"/>
+              <a:t>We don’t consider the problem of securing the </a:t>
+            </a:r>
+            <a:r>
+              <a:rPr lang="en-US" dirty="0" err="1" smtClean="0"/>
+              <a:t>microservices</a:t>
+            </a:r>
+            <a:r>
+              <a:rPr lang="en-US" dirty="0" smtClean="0"/>
+              <a:t> themselves.</a:t>
+            </a:r>
+          </a:p>
+          <a:p>
+            <a:pPr lvl="1"/>
+            <a:r>
+              <a:rPr lang="en-US" dirty="0" smtClean="0"/>
+              <a:t>This is an open problem</a:t>
+            </a:r>
+          </a:p>
+          <a:p>
+            <a:r>
+              <a:rPr lang="en-US" dirty="0" smtClean="0"/>
+              <a:t>Assume all the </a:t>
+            </a:r>
+            <a:r>
+              <a:rPr lang="en-US" dirty="0" err="1" smtClean="0"/>
+              <a:t>microservices</a:t>
+            </a:r>
+            <a:r>
+              <a:rPr lang="en-US" dirty="0" smtClean="0"/>
+              <a:t> run under a single administrative domain.</a:t>
+            </a:r>
+          </a:p>
+          <a:p>
+            <a:pPr lvl="1"/>
+            <a:r>
+              <a:rPr lang="en-US" dirty="0" smtClean="0"/>
+              <a:t>That is, you deploy to VM instances under your control.</a:t>
+            </a:r>
+          </a:p>
+          <a:p>
+            <a:r>
+              <a:rPr lang="en-US" dirty="0" smtClean="0"/>
+              <a:t>Use “operational security” rather than “architectural security” </a:t>
+            </a:r>
+          </a:p>
+          <a:p>
+            <a:pPr lvl="1"/>
+            <a:r>
+              <a:rPr lang="en-US" dirty="0" smtClean="0"/>
+              <a:t>Firewalls, closed networks and similar approaches to limit access to services to trusted VMs</a:t>
+            </a:r>
+            <a:r>
+              <a:rPr lang="en-US" dirty="0" smtClean="0"/>
+              <a:t>.</a:t>
+            </a:r>
+          </a:p>
+          <a:p>
+            <a:pPr lvl="1"/>
+            <a:r>
+              <a:rPr lang="en-US" dirty="0" smtClean="0"/>
+              <a:t>Logging and event detection</a:t>
+            </a:r>
+            <a:endParaRPr lang="en-US" dirty="0" smtClean="0"/>
+          </a:p>
+        </p:txBody>
+      </p:sp>
+      <p:sp>
+        <p:nvSpPr>
+          <p:cNvPr id="5" name="TextBox 4"/>
+          <p:cNvSpPr txBox="1"/>
+          <p:nvPr/>
+        </p:nvSpPr>
+        <p:spPr>
+          <a:xfrm>
+            <a:off x="283749" y="4286832"/>
+            <a:ext cx="4864100" cy="2462213"/>
+          </a:xfrm>
+          <a:prstGeom prst="rect">
+            <a:avLst/>
+          </a:prstGeom>
+        </p:spPr>
+        <p:style>
+          <a:lnRef idx="2">
+            <a:schemeClr val="dk1"/>
+          </a:lnRef>
+          <a:fillRef idx="1">
+            <a:schemeClr val="lt1"/>
+          </a:fillRef>
+          <a:effectRef idx="0">
+            <a:schemeClr val="dk1"/>
+          </a:effectRef>
+          <a:fontRef idx="minor">
+            <a:schemeClr val="dk1"/>
+          </a:fontRef>
+        </p:style>
+        <p:txBody>
+          <a:bodyPr wrap="square" rtlCol="0">
+            <a:spAutoFit/>
+          </a:bodyPr>
+          <a:lstStyle/>
+          <a:p>
+            <a:r>
+              <a:rPr lang="en-US" sz="2200" dirty="0" smtClean="0"/>
+              <a:t>Some interesting </a:t>
+            </a:r>
+            <a:r>
+              <a:rPr lang="en-US" sz="2200" dirty="0" err="1" smtClean="0"/>
+              <a:t>Microservice</a:t>
+            </a:r>
+            <a:r>
+              <a:rPr lang="en-US" sz="2200" dirty="0" smtClean="0"/>
+              <a:t> security </a:t>
+            </a:r>
+            <a:r>
+              <a:rPr lang="en-US" sz="2200" dirty="0" smtClean="0"/>
+              <a:t>considerations (some other time....)</a:t>
+            </a:r>
+            <a:endParaRPr lang="en-US" sz="2200" dirty="0"/>
+          </a:p>
+          <a:p>
+            <a:pPr marL="742950" lvl="1" indent="-285750">
+              <a:buFont typeface="Arial" charset="0"/>
+              <a:buChar char="•"/>
+            </a:pPr>
+            <a:r>
+              <a:rPr lang="en-US" sz="2200" dirty="0"/>
+              <a:t>Rogue </a:t>
+            </a:r>
+            <a:r>
+              <a:rPr lang="en-US" sz="2200" dirty="0" smtClean="0"/>
+              <a:t>services (Byzantine Fault Tolerance)</a:t>
+            </a:r>
+          </a:p>
+          <a:p>
+            <a:pPr marL="742950" lvl="1" indent="-285750">
+              <a:buFont typeface="Arial" charset="0"/>
+              <a:buChar char="•"/>
+            </a:pPr>
+            <a:r>
+              <a:rPr lang="en-US" sz="2200" dirty="0" smtClean="0"/>
+              <a:t>Scaling your operational perimeter</a:t>
+            </a:r>
+            <a:endParaRPr lang="en-US" sz="2200" dirty="0"/>
+          </a:p>
+          <a:p>
+            <a:pPr marL="742950" lvl="1" indent="-285750">
+              <a:buFont typeface="Arial" charset="0"/>
+              <a:buChar char="•"/>
+            </a:pPr>
+            <a:r>
+              <a:rPr lang="en-US" sz="2200" dirty="0"/>
+              <a:t>Integrating trusted third party </a:t>
+            </a:r>
+            <a:r>
+              <a:rPr lang="en-US" sz="2200" dirty="0" smtClean="0"/>
+              <a:t>services.</a:t>
+            </a:r>
+            <a:endParaRPr lang="en-US" sz="2200" dirty="0"/>
+          </a:p>
+        </p:txBody>
+      </p:sp>
+      <p:pic>
+        <p:nvPicPr>
+          <p:cNvPr id="7" name="Picture 6" descr="Airavata 1.0 Architecture.png"/>
+          <p:cNvPicPr>
+            <a:picLocks noChangeAspect="1"/>
+          </p:cNvPicPr>
+          <p:nvPr/>
+        </p:nvPicPr>
+        <p:blipFill rotWithShape="1">
+          <a:blip r:embed="rId2">
+            <a:extLst>
+              <a:ext uri="{28A0092B-C50C-407E-A947-70E740481C1C}">
+                <a14:useLocalDpi xmlns:a14="http://schemas.microsoft.com/office/drawing/2010/main"/>
+              </a:ext>
+            </a:extLst>
+          </a:blip>
+          <a:srcRect r="19690"/>
+          <a:stretch/>
+        </p:blipFill>
+        <p:spPr>
+          <a:xfrm>
+            <a:off x="5351049" y="3962259"/>
+            <a:ext cx="5926551" cy="2823605"/>
+          </a:xfrm>
+          <a:prstGeom prst="rect">
+            <a:avLst/>
+          </a:prstGeom>
+        </p:spPr>
+      </p:pic>
+      <p:sp>
+        <p:nvSpPr>
+          <p:cNvPr id="8" name="Rectangle 7"/>
+          <p:cNvSpPr/>
+          <p:nvPr/>
+        </p:nvSpPr>
+        <p:spPr>
+          <a:xfrm>
+            <a:off x="6527800" y="3936859"/>
+            <a:ext cx="4953000" cy="2823605"/>
+          </a:xfrm>
+          <a:prstGeom prst="rect">
+            <a:avLst/>
+          </a:prstGeom>
+          <a:solidFill>
+            <a:schemeClr val="lt1">
+              <a:alpha val="0"/>
+            </a:schemeClr>
+          </a:solidFill>
+        </p:spPr>
+        <p:style>
+          <a:lnRef idx="2">
+            <a:schemeClr val="dk1"/>
+          </a:lnRef>
+          <a:fillRef idx="1">
+            <a:schemeClr val="lt1"/>
+          </a:fillRef>
+          <a:effectRef idx="0">
+            <a:schemeClr val="dk1"/>
+          </a:effectRef>
+          <a:fontRef idx="minor">
+            <a:schemeClr val="dk1"/>
+          </a:fontRef>
+        </p:style>
+        <p:txBody>
+          <a:bodyPr rtlCol="0" anchor="ctr"/>
+          <a:lstStyle/>
+          <a:p>
+            <a:pPr algn="ctr"/>
+            <a:endParaRPr lang="en-US"/>
+          </a:p>
+        </p:txBody>
+      </p:sp>
+    </p:spTree>
+    <p:extLst>
+      <p:ext uri="{BB962C8B-B14F-4D97-AF65-F5344CB8AC3E}">
+        <p14:creationId xmlns:p14="http://schemas.microsoft.com/office/powerpoint/2010/main" val="166367199"/>
+      </p:ext>
+    </p:extLst>
+  </p:cSld>
+  <p:clrMapOvr>
+    <a:masterClrMapping/>
+  </p:clrMapOvr>
+  <p:timing>
+    <p:tnLst>
+      <p:par>
+        <p:cTn id="1" dur="indefinite" restart="never" nodeType="tmRoot"/>
+      </p:par>
+    </p:tnLst>
+  </p:timing>
+</p:sld>
+</file>
+
+<file path=ppt/slides/slide30.xml><?xml version="1.0" encoding="utf-8"?>
 <p:sld xmlns:a="http://schemas.openxmlformats.org/drawingml/2006/main" xmlns:r="http://schemas.openxmlformats.org/officeDocument/2006/relationships" xmlns:p="http://schemas.openxmlformats.org/presentationml/2006/main">
   <p:cSld>
     <p:spTree>
@@ -17934,147 +18404,7 @@
 </p:sld>
 </file>
 
-<file path=ppt/slides/slide3.xml><?xml version="1.0" encoding="utf-8"?>
-<p:sld xmlns:a="http://schemas.openxmlformats.org/drawingml/2006/main" xmlns:r="http://schemas.openxmlformats.org/officeDocument/2006/relationships" xmlns:p="http://schemas.openxmlformats.org/presentationml/2006/main">
-  <p:cSld>
-    <p:spTree>
-      <p:nvGrpSpPr>
-        <p:cNvPr id="1" name=""/>
-        <p:cNvGrpSpPr/>
-        <p:nvPr/>
-      </p:nvGrpSpPr>
-      <p:grpSpPr>
-        <a:xfrm>
-          <a:off x="0" y="0"/>
-          <a:ext cx="0" cy="0"/>
-          <a:chOff x="0" y="0"/>
-          <a:chExt cx="0" cy="0"/>
-        </a:xfrm>
-      </p:grpSpPr>
-      <p:sp>
-        <p:nvSpPr>
-          <p:cNvPr id="4" name="Title 3"/>
-          <p:cNvSpPr>
-            <a:spLocks noGrp="1"/>
-          </p:cNvSpPr>
-          <p:nvPr>
-            <p:ph type="title"/>
-          </p:nvPr>
-        </p:nvSpPr>
-        <p:spPr/>
-        <p:txBody>
-          <a:bodyPr/>
-          <a:lstStyle/>
-          <a:p>
-            <a:r>
-              <a:rPr lang="en-US" dirty="0" smtClean="0"/>
-              <a:t>Apache Airavata: High Level Architecture</a:t>
-            </a:r>
-            <a:endParaRPr lang="en-US" dirty="0"/>
-          </a:p>
-        </p:txBody>
-      </p:sp>
-      <p:pic>
-        <p:nvPicPr>
-          <p:cNvPr id="5" name="Picture 4" descr="Airavata 1.0 Architecture.png"/>
-          <p:cNvPicPr>
-            <a:picLocks noChangeAspect="1"/>
-          </p:cNvPicPr>
-          <p:nvPr/>
-        </p:nvPicPr>
-        <p:blipFill rotWithShape="1">
-          <a:blip r:embed="rId2">
-            <a:extLst>
-              <a:ext uri="{28A0092B-C50C-407E-A947-70E740481C1C}">
-                <a14:useLocalDpi xmlns:a14="http://schemas.microsoft.com/office/drawing/2010/main"/>
-              </a:ext>
-            </a:extLst>
-          </a:blip>
-          <a:srcRect r="19690"/>
-          <a:stretch/>
-        </p:blipFill>
-        <p:spPr>
-          <a:xfrm>
-            <a:off x="1172692" y="1340286"/>
-            <a:ext cx="10595376" cy="5047988"/>
-          </a:xfrm>
-          <a:prstGeom prst="rect">
-            <a:avLst/>
-          </a:prstGeom>
-        </p:spPr>
-      </p:pic>
-      <p:sp>
-        <p:nvSpPr>
-          <p:cNvPr id="6" name="Rectangle 5"/>
-          <p:cNvSpPr/>
-          <p:nvPr/>
-        </p:nvSpPr>
-        <p:spPr>
-          <a:xfrm>
-            <a:off x="940370" y="1453018"/>
-            <a:ext cx="4145197" cy="4759891"/>
-          </a:xfrm>
-          <a:prstGeom prst="rect">
-            <a:avLst/>
-          </a:prstGeom>
-          <a:noFill/>
-          <a:ln cap="flat" cmpd="sng">
-            <a:solidFill>
-              <a:schemeClr val="dk1"/>
-            </a:solidFill>
-            <a:round/>
-          </a:ln>
-          <a:effectLst/>
-        </p:spPr>
-        <p:style>
-          <a:lnRef idx="2">
-            <a:schemeClr val="dk1"/>
-          </a:lnRef>
-          <a:fillRef idx="1">
-            <a:schemeClr val="lt1"/>
-          </a:fillRef>
-          <a:effectRef idx="0">
-            <a:schemeClr val="dk1"/>
-          </a:effectRef>
-          <a:fontRef idx="minor">
-            <a:schemeClr val="dk1"/>
-          </a:fontRef>
-        </p:style>
-        <p:txBody>
-          <a:bodyPr rtlCol="0" anchor="ctr"/>
-          <a:lstStyle/>
-          <a:p>
-            <a:pPr algn="ctr"/>
-            <a:endParaRPr lang="en-US" sz="1400" kern="0">
-              <a:solidFill>
-                <a:srgbClr val="000000"/>
-              </a:solidFill>
-              <a:sym typeface="Arial"/>
-            </a:endParaRPr>
-          </a:p>
-        </p:txBody>
-      </p:sp>
-    </p:spTree>
-    <p:extLst>
-      <p:ext uri="{BB962C8B-B14F-4D97-AF65-F5344CB8AC3E}">
-        <p14:creationId xmlns:p14="http://schemas.microsoft.com/office/powerpoint/2010/main" val="806422887"/>
-      </p:ext>
-    </p:extLst>
-  </p:cSld>
-  <p:clrMapOvr>
-    <a:masterClrMapping/>
-  </p:clrMapOvr>
-  <p:timing>
-    <p:tnLst>
-      <p:par>
-        <p:cTn id="1" dur="indefinite" restart="never" nodeType="tmRoot"/>
-      </p:par>
-    </p:tnLst>
-  </p:timing>
-</p:sld>
-</file>
-
-<file path=ppt/slides/slide30.xml><?xml version="1.0" encoding="utf-8"?>
+<file path=ppt/slides/slide31.xml><?xml version="1.0" encoding="utf-8"?>
 <p:sld xmlns:a="http://schemas.openxmlformats.org/drawingml/2006/main" xmlns:r="http://schemas.openxmlformats.org/officeDocument/2006/relationships" xmlns:p="http://schemas.openxmlformats.org/presentationml/2006/main">
   <p:cSld>
     <p:spTree>
@@ -18181,11 +18511,7 @@
             <a:pPr lvl="1"/>
             <a:r>
               <a:rPr lang="en-US" dirty="0" smtClean="0"/>
-              <a:t>Verifies to the client that the user authenticated correctly</a:t>
-            </a:r>
-            <a:r>
-              <a:rPr lang="en-US" dirty="0" smtClean="0"/>
-              <a:t>.</a:t>
+              <a:t>Verifies to the client that the user authenticated correctly.</a:t>
             </a:r>
           </a:p>
           <a:p>
@@ -18292,7 +18618,7 @@
 </p:sld>
 </file>
 
-<file path=ppt/slides/slide31.xml><?xml version="1.0" encoding="utf-8"?>
+<file path=ppt/slides/slide32.xml><?xml version="1.0" encoding="utf-8"?>
 <p:sld xmlns:a="http://schemas.openxmlformats.org/drawingml/2006/main" xmlns:r="http://schemas.openxmlformats.org/officeDocument/2006/relationships" xmlns:p="http://schemas.openxmlformats.org/presentationml/2006/main">
   <p:cSld>
     <p:spTree>
@@ -18488,7 +18814,7 @@
 </p:sld>
 </file>
 
-<file path=ppt/slides/slide32.xml><?xml version="1.0" encoding="utf-8"?>
+<file path=ppt/slides/slide33.xml><?xml version="1.0" encoding="utf-8"?>
 <p:sld xmlns:a="http://schemas.openxmlformats.org/drawingml/2006/main" xmlns:r="http://schemas.openxmlformats.org/officeDocument/2006/relationships" xmlns:p="http://schemas.openxmlformats.org/presentationml/2006/main">
   <p:cSld>
     <p:spTree>
@@ -18562,13 +18888,8 @@
             <a:pPr lvl="1"/>
             <a:r>
               <a:rPr lang="en-US" dirty="0" smtClean="0"/>
-              <a:t>Execute jobs, manage data and </a:t>
-            </a:r>
-            <a:r>
-              <a:rPr lang="en-US" dirty="0" smtClean="0"/>
-              <a:t>metadata</a:t>
-            </a:r>
-            <a:endParaRPr lang="en-US" dirty="0" smtClean="0"/>
+              <a:t>Execute jobs, manage data and metadata</a:t>
+            </a:r>
           </a:p>
           <a:p>
             <a:r>
@@ -18949,7 +19270,7 @@
 </p:sld>
 </file>
 
-<file path=ppt/slides/slide33.xml><?xml version="1.0" encoding="utf-8"?>
+<file path=ppt/slides/slide34.xml><?xml version="1.0" encoding="utf-8"?>
 <p:sld xmlns:a="http://schemas.openxmlformats.org/drawingml/2006/main" xmlns:r="http://schemas.openxmlformats.org/officeDocument/2006/relationships" xmlns:p="http://schemas.openxmlformats.org/presentationml/2006/main">
   <p:cSld>
     <p:spTree>
@@ -19002,12 +19323,12 @@
         <p:spPr>
           <a:xfrm>
             <a:off x="838200" y="1825625"/>
-            <a:ext cx="4483100" cy="4351338"/>
+            <a:ext cx="4483100" cy="4505324"/>
           </a:xfrm>
         </p:spPr>
         <p:txBody>
           <a:bodyPr>
-            <a:normAutofit fontScale="85000" lnSpcReduction="20000"/>
+            <a:normAutofit fontScale="85000" lnSpcReduction="10000"/>
           </a:bodyPr>
           <a:lstStyle/>
           <a:p>
@@ -19411,7 +19732,7 @@
 </p:sld>
 </file>
 
-<file path=ppt/slides/slide34.xml><?xml version="1.0" encoding="utf-8"?>
+<file path=ppt/slides/slide35.xml><?xml version="1.0" encoding="utf-8"?>
 <p:sld xmlns:a="http://schemas.openxmlformats.org/drawingml/2006/main" xmlns:r="http://schemas.openxmlformats.org/officeDocument/2006/relationships" xmlns:p="http://schemas.openxmlformats.org/presentationml/2006/main">
   <p:cSld>
     <p:spTree>
@@ -19470,19 +19791,30 @@
           <a:p>
             <a:r>
               <a:rPr lang="en-US" dirty="0" smtClean="0"/>
-              <a:t>SEAGrid needs to authenticate </a:t>
-            </a:r>
-            <a:r>
-              <a:rPr lang="en-US" dirty="0" smtClean="0"/>
-              <a:t>users.</a:t>
-            </a:r>
-          </a:p>
-          <a:p>
-            <a:r>
-              <a:rPr lang="en-US" dirty="0" smtClean="0"/>
-              <a:t>Not all users can access every API method.</a:t>
-            </a:r>
-            <a:endParaRPr lang="en-US" dirty="0" smtClean="0"/>
+              <a:t>SEAGrid needs to authenticate users.</a:t>
+            </a:r>
+          </a:p>
+          <a:p>
+            <a:r>
+              <a:rPr lang="en-US" dirty="0" smtClean="0"/>
+              <a:t>Not all users can access every </a:t>
+            </a:r>
+            <a:r>
+              <a:rPr lang="en-US" dirty="0" smtClean="0"/>
+              <a:t>Apache Airavat</a:t>
+            </a:r>
+            <a:r>
+              <a:rPr lang="en-US" dirty="0" smtClean="0"/>
+              <a:t>a </a:t>
+            </a:r>
+            <a:r>
+              <a:rPr lang="en-US" dirty="0" smtClean="0"/>
+              <a:t>API </a:t>
+            </a:r>
+            <a:r>
+              <a:rPr lang="en-US" dirty="0" smtClean="0"/>
+              <a:t>method.</a:t>
+            </a:r>
           </a:p>
           <a:p>
             <a:r>
@@ -19513,13 +19845,8 @@
             <a:pPr lvl="1"/>
             <a:r>
               <a:rPr lang="en-US" dirty="0" smtClean="0"/>
-              <a:t>User could lose </a:t>
-            </a:r>
-            <a:r>
-              <a:rPr lang="en-US" dirty="0" smtClean="0"/>
-              <a:t>credentials.</a:t>
-            </a:r>
-            <a:endParaRPr lang="en-US" dirty="0" smtClean="0"/>
+              <a:t>User could lose credentials.</a:t>
+            </a:r>
           </a:p>
           <a:p>
             <a:r>
@@ -19552,7 +19879,7 @@
 </p:sld>
 </file>
 
-<file path=ppt/slides/slide35.xml><?xml version="1.0" encoding="utf-8"?>
+<file path=ppt/slides/slide36.xml><?xml version="1.0" encoding="utf-8"?>
 <p:sld xmlns:a="http://schemas.openxmlformats.org/drawingml/2006/main" xmlns:r="http://schemas.openxmlformats.org/officeDocument/2006/relationships" xmlns:p="http://schemas.openxmlformats.org/presentationml/2006/main">
   <p:cSld>
     <p:spTree>
@@ -19755,11 +20082,7 @@
                       </a:r>
                       <a:r>
                         <a:rPr lang="en-US" sz="2400" baseline="0" dirty="0" smtClean="0"/>
-                        <a:t>-machine </a:t>
-                      </a:r>
-                      <a:r>
-                        <a:rPr lang="en-US" sz="2400" baseline="0" dirty="0" smtClean="0"/>
-                        <a:t>authentication for confidential clients</a:t>
+                        <a:t>-machine authentication for confidential clients</a:t>
                       </a:r>
                       <a:endParaRPr lang="en-US" sz="2400" dirty="0"/>
                     </a:p>
@@ -19814,7 +20137,7 @@
 </p:sld>
 </file>
 
-<file path=ppt/slides/slide36.xml><?xml version="1.0" encoding="utf-8"?>
+<file path=ppt/slides/slide37.xml><?xml version="1.0" encoding="utf-8"?>
 <p:sld xmlns:a="http://schemas.openxmlformats.org/drawingml/2006/main" xmlns:r="http://schemas.openxmlformats.org/officeDocument/2006/relationships" xmlns:p="http://schemas.openxmlformats.org/presentationml/2006/main">
   <p:cSld>
     <p:spTree>
@@ -19887,7 +20210,6 @@
               <a:rPr lang="en-US" dirty="0" smtClean="0"/>
               <a:t> services.</a:t>
             </a:r>
-            <a:endParaRPr lang="en-US" dirty="0" smtClean="0"/>
           </a:p>
         </p:txBody>
       </p:sp>
@@ -19911,7 +20233,155 @@
 </p:sld>
 </file>
 
-<file path=ppt/slides/slide37.xml><?xml version="1.0" encoding="utf-8"?>
+<file path=ppt/slides/slide38.xml><?xml version="1.0" encoding="utf-8"?>
+<p:sld xmlns:a="http://schemas.openxmlformats.org/drawingml/2006/main" xmlns:r="http://schemas.openxmlformats.org/officeDocument/2006/relationships" xmlns:p="http://schemas.openxmlformats.org/presentationml/2006/main">
+  <p:cSld>
+    <p:spTree>
+      <p:nvGrpSpPr>
+        <p:cNvPr id="1" name=""/>
+        <p:cNvGrpSpPr/>
+        <p:nvPr/>
+      </p:nvGrpSpPr>
+      <p:grpSpPr>
+        <a:xfrm>
+          <a:off x="0" y="0"/>
+          <a:ext cx="0" cy="0"/>
+          <a:chOff x="0" y="0"/>
+          <a:chExt cx="0" cy="0"/>
+        </a:xfrm>
+      </p:grpSpPr>
+      <p:sp>
+        <p:nvSpPr>
+          <p:cNvPr id="4" name="Title 3"/>
+          <p:cNvSpPr>
+            <a:spLocks noGrp="1"/>
+          </p:cNvSpPr>
+          <p:nvPr>
+            <p:ph type="title"/>
+          </p:nvPr>
+        </p:nvSpPr>
+        <p:spPr/>
+        <p:txBody>
+          <a:bodyPr/>
+          <a:lstStyle/>
+          <a:p>
+            <a:r>
+              <a:rPr lang="en-US" dirty="0" smtClean="0"/>
+              <a:t>First, Some Acknowledgements</a:t>
+            </a:r>
+            <a:endParaRPr lang="en-US" dirty="0"/>
+          </a:p>
+        </p:txBody>
+      </p:sp>
+      <p:sp>
+        <p:nvSpPr>
+          <p:cNvPr id="5" name="Content Placeholder 4"/>
+          <p:cNvSpPr>
+            <a:spLocks noGrp="1"/>
+          </p:cNvSpPr>
+          <p:nvPr>
+            <p:ph idx="1"/>
+          </p:nvPr>
+        </p:nvSpPr>
+        <p:spPr/>
+        <p:txBody>
+          <a:bodyPr/>
+          <a:lstStyle/>
+          <a:p>
+            <a:r>
+              <a:rPr lang="en-US" dirty="0" err="1" smtClean="0"/>
+              <a:t>Supun</a:t>
+            </a:r>
+            <a:r>
+              <a:rPr lang="en-US" dirty="0" smtClean="0"/>
+              <a:t> </a:t>
+            </a:r>
+            <a:r>
+              <a:rPr lang="en-US" dirty="0" err="1" smtClean="0"/>
+              <a:t>Nakandala</a:t>
+            </a:r>
+            <a:r>
+              <a:rPr lang="en-US" dirty="0" smtClean="0"/>
+              <a:t> and </a:t>
+            </a:r>
+            <a:r>
+              <a:rPr lang="en-US" dirty="0" err="1"/>
+              <a:t>Hasini</a:t>
+            </a:r>
+            <a:r>
+              <a:rPr lang="en-US" dirty="0"/>
+              <a:t> </a:t>
+            </a:r>
+            <a:r>
+              <a:rPr lang="en-US" dirty="0" err="1"/>
+              <a:t>Gunasinghe</a:t>
+            </a:r>
+            <a:r>
+              <a:rPr lang="en-US" dirty="0"/>
+              <a:t> </a:t>
+            </a:r>
+            <a:r>
+              <a:rPr lang="en-US" dirty="0" smtClean="0"/>
+              <a:t>prototyped much of what we do in production today while  Google Summer of Code students</a:t>
+            </a:r>
+          </a:p>
+          <a:p>
+            <a:pPr lvl="1"/>
+            <a:r>
+              <a:rPr lang="en-US" dirty="0" smtClean="0"/>
+              <a:t>We put it into production</a:t>
+            </a:r>
+          </a:p>
+          <a:p>
+            <a:pPr lvl="1"/>
+            <a:r>
+              <a:rPr lang="en-US" dirty="0" smtClean="0"/>
+              <a:t>We hired </a:t>
+            </a:r>
+            <a:r>
+              <a:rPr lang="en-US" dirty="0" err="1" smtClean="0"/>
+              <a:t>Supun</a:t>
+            </a:r>
+            <a:endParaRPr lang="en-US" dirty="0" smtClean="0"/>
+          </a:p>
+          <a:p>
+            <a:r>
+              <a:rPr lang="en-US" dirty="0" smtClean="0"/>
+              <a:t>Anuj </a:t>
+            </a:r>
+            <a:r>
+              <a:rPr lang="en-US" dirty="0" err="1" smtClean="0"/>
+              <a:t>Bhandar</a:t>
+            </a:r>
+            <a:r>
+              <a:rPr lang="en-US" dirty="0" smtClean="0"/>
+              <a:t> did a lot of the work evaluating and providing early integration work for </a:t>
+            </a:r>
+            <a:r>
+              <a:rPr lang="en-US" dirty="0" err="1" smtClean="0"/>
+              <a:t>Keycloak</a:t>
+            </a:r>
+            <a:r>
+              <a:rPr lang="en-US" dirty="0" smtClean="0"/>
+              <a:t>, which replaced WSO2 IS, during the Spring 2017 semester.</a:t>
+            </a:r>
+          </a:p>
+        </p:txBody>
+      </p:sp>
+    </p:spTree>
+    <p:extLst>
+      <p:ext uri="{BB962C8B-B14F-4D97-AF65-F5344CB8AC3E}">
+        <p14:creationId xmlns:p14="http://schemas.microsoft.com/office/powerpoint/2010/main" val="1202711718"/>
+      </p:ext>
+    </p:extLst>
+  </p:cSld>
+  <p:clrMapOvr>
+    <a:masterClrMapping/>
+  </p:clrMapOvr>
+</p:sld>
+</file>
+
+<file path=ppt/slides/slide39.xml><?xml version="1.0" encoding="utf-8"?>
 <p:sld xmlns:a="http://schemas.openxmlformats.org/drawingml/2006/main" xmlns:r="http://schemas.openxmlformats.org/officeDocument/2006/relationships" xmlns:p="http://schemas.openxmlformats.org/presentationml/2006/main">
   <p:cSld>
     <p:spTree>
@@ -19997,17 +20467,8 @@
           <a:p>
             <a:r>
               <a:rPr lang="en-US" sz="2400" dirty="0" smtClean="0"/>
-              <a:t>Case 1: Gateway uses Airavata </a:t>
-            </a:r>
-            <a:r>
-              <a:rPr lang="en-US" sz="2400" dirty="0" smtClean="0"/>
-              <a:t>middleware to </a:t>
-            </a:r>
-            <a:r>
-              <a:rPr lang="en-US" sz="2400" dirty="0" smtClean="0"/>
-              <a:t>manage users. </a:t>
-            </a:r>
-            <a:endParaRPr lang="en-US" sz="2400" dirty="0" smtClean="0"/>
+              <a:t>Case 1: Gateway uses Airavata middleware to manage users. </a:t>
+            </a:r>
           </a:p>
           <a:p>
             <a:pPr marL="342900" indent="-342900">
@@ -20016,15 +20477,7 @@
             </a:pPr>
             <a:r>
               <a:rPr lang="en-US" sz="2400" dirty="0" smtClean="0"/>
-              <a:t>The </a:t>
-            </a:r>
-            <a:r>
-              <a:rPr lang="en-US" sz="2400" dirty="0" smtClean="0"/>
-              <a:t>gateway can use OpenID Connect to authenticate users</a:t>
-            </a:r>
-            <a:r>
-              <a:rPr lang="en-US" sz="2400" dirty="0" smtClean="0"/>
-              <a:t>. </a:t>
+              <a:t>The gateway can use OpenID Connect to authenticate users. </a:t>
             </a:r>
           </a:p>
           <a:p>
@@ -20060,7 +20513,147 @@
 </p:sld>
 </file>
 
-<file path=ppt/slides/slide38.xml><?xml version="1.0" encoding="utf-8"?>
+<file path=ppt/slides/slide4.xml><?xml version="1.0" encoding="utf-8"?>
+<p:sld xmlns:a="http://schemas.openxmlformats.org/drawingml/2006/main" xmlns:r="http://schemas.openxmlformats.org/officeDocument/2006/relationships" xmlns:p="http://schemas.openxmlformats.org/presentationml/2006/main">
+  <p:cSld>
+    <p:spTree>
+      <p:nvGrpSpPr>
+        <p:cNvPr id="1" name=""/>
+        <p:cNvGrpSpPr/>
+        <p:nvPr/>
+      </p:nvGrpSpPr>
+      <p:grpSpPr>
+        <a:xfrm>
+          <a:off x="0" y="0"/>
+          <a:ext cx="0" cy="0"/>
+          <a:chOff x="0" y="0"/>
+          <a:chExt cx="0" cy="0"/>
+        </a:xfrm>
+      </p:grpSpPr>
+      <p:sp>
+        <p:nvSpPr>
+          <p:cNvPr id="4" name="Title 3"/>
+          <p:cNvSpPr>
+            <a:spLocks noGrp="1"/>
+          </p:cNvSpPr>
+          <p:nvPr>
+            <p:ph type="title"/>
+          </p:nvPr>
+        </p:nvSpPr>
+        <p:spPr/>
+        <p:txBody>
+          <a:bodyPr/>
+          <a:lstStyle/>
+          <a:p>
+            <a:r>
+              <a:rPr lang="en-US" dirty="0" smtClean="0"/>
+              <a:t>Apache Airavata: High Level Architecture</a:t>
+            </a:r>
+            <a:endParaRPr lang="en-US" dirty="0"/>
+          </a:p>
+        </p:txBody>
+      </p:sp>
+      <p:pic>
+        <p:nvPicPr>
+          <p:cNvPr id="5" name="Picture 4" descr="Airavata 1.0 Architecture.png"/>
+          <p:cNvPicPr>
+            <a:picLocks noChangeAspect="1"/>
+          </p:cNvPicPr>
+          <p:nvPr/>
+        </p:nvPicPr>
+        <p:blipFill rotWithShape="1">
+          <a:blip r:embed="rId2">
+            <a:extLst>
+              <a:ext uri="{28A0092B-C50C-407E-A947-70E740481C1C}">
+                <a14:useLocalDpi xmlns:a14="http://schemas.microsoft.com/office/drawing/2010/main"/>
+              </a:ext>
+            </a:extLst>
+          </a:blip>
+          <a:srcRect r="19690"/>
+          <a:stretch/>
+        </p:blipFill>
+        <p:spPr>
+          <a:xfrm>
+            <a:off x="1172692" y="1340286"/>
+            <a:ext cx="10595376" cy="5047988"/>
+          </a:xfrm>
+          <a:prstGeom prst="rect">
+            <a:avLst/>
+          </a:prstGeom>
+        </p:spPr>
+      </p:pic>
+      <p:sp>
+        <p:nvSpPr>
+          <p:cNvPr id="6" name="Rectangle 5"/>
+          <p:cNvSpPr/>
+          <p:nvPr/>
+        </p:nvSpPr>
+        <p:spPr>
+          <a:xfrm>
+            <a:off x="940370" y="1453018"/>
+            <a:ext cx="4145197" cy="4759891"/>
+          </a:xfrm>
+          <a:prstGeom prst="rect">
+            <a:avLst/>
+          </a:prstGeom>
+          <a:noFill/>
+          <a:ln cap="flat" cmpd="sng">
+            <a:solidFill>
+              <a:schemeClr val="dk1"/>
+            </a:solidFill>
+            <a:round/>
+          </a:ln>
+          <a:effectLst/>
+        </p:spPr>
+        <p:style>
+          <a:lnRef idx="2">
+            <a:schemeClr val="dk1"/>
+          </a:lnRef>
+          <a:fillRef idx="1">
+            <a:schemeClr val="lt1"/>
+          </a:fillRef>
+          <a:effectRef idx="0">
+            <a:schemeClr val="dk1"/>
+          </a:effectRef>
+          <a:fontRef idx="minor">
+            <a:schemeClr val="dk1"/>
+          </a:fontRef>
+        </p:style>
+        <p:txBody>
+          <a:bodyPr rtlCol="0" anchor="ctr"/>
+          <a:lstStyle/>
+          <a:p>
+            <a:pPr algn="ctr"/>
+            <a:endParaRPr lang="en-US" sz="1400" kern="0">
+              <a:solidFill>
+                <a:srgbClr val="000000"/>
+              </a:solidFill>
+              <a:sym typeface="Arial"/>
+            </a:endParaRPr>
+          </a:p>
+        </p:txBody>
+      </p:sp>
+    </p:spTree>
+    <p:extLst>
+      <p:ext uri="{BB962C8B-B14F-4D97-AF65-F5344CB8AC3E}">
+        <p14:creationId xmlns:p14="http://schemas.microsoft.com/office/powerpoint/2010/main" val="806422887"/>
+      </p:ext>
+    </p:extLst>
+  </p:cSld>
+  <p:clrMapOvr>
+    <a:masterClrMapping/>
+  </p:clrMapOvr>
+  <p:timing>
+    <p:tnLst>
+      <p:par>
+        <p:cTn id="1" dur="indefinite" restart="never" nodeType="tmRoot"/>
+      </p:par>
+    </p:tnLst>
+  </p:timing>
+</p:sld>
+</file>
+
+<file path=ppt/slides/slide40.xml><?xml version="1.0" encoding="utf-8"?>
 <p:sld xmlns:a="http://schemas.openxmlformats.org/drawingml/2006/main" xmlns:r="http://schemas.openxmlformats.org/officeDocument/2006/relationships" xmlns:p="http://schemas.openxmlformats.org/presentationml/2006/main">
   <p:cSld>
     <p:spTree>
@@ -20154,17 +20747,8 @@
             </a:r>
             <a:r>
               <a:rPr lang="en-US" sz="2400" dirty="0" smtClean="0"/>
-              <a:t>ses </a:t>
-            </a:r>
-            <a:r>
-              <a:rPr lang="en-US" sz="2400" dirty="0" smtClean="0"/>
-              <a:t>a third </a:t>
-            </a:r>
-            <a:r>
-              <a:rPr lang="en-US" sz="2400" dirty="0" smtClean="0"/>
-              <a:t>party identity service to manage users.  </a:t>
-            </a:r>
-            <a:endParaRPr lang="en-US" sz="2400" dirty="0" smtClean="0"/>
+              <a:t>ses a third party identity service to manage users.  </a:t>
+            </a:r>
           </a:p>
           <a:p>
             <a:pPr marL="342900" indent="-342900">
@@ -20173,11 +20757,7 @@
             </a:pPr>
             <a:r>
               <a:rPr lang="en-US" sz="2400" dirty="0" smtClean="0"/>
-              <a:t>This </a:t>
-            </a:r>
-            <a:r>
-              <a:rPr lang="en-US" sz="2400" dirty="0" smtClean="0"/>
-              <a:t>must be Web based, so Authorization Code grant types are the only supported type.</a:t>
+              <a:t>This must be Web based, so Authorization Code grant types are the only supported type.</a:t>
             </a:r>
             <a:endParaRPr lang="en-US" sz="2400" dirty="0"/>
           </a:p>
@@ -20203,7 +20783,7 @@
 </p:sld>
 </file>
 
-<file path=ppt/slides/slide39.xml><?xml version="1.0" encoding="utf-8"?>
+<file path=ppt/slides/slide41.xml><?xml version="1.0" encoding="utf-8"?>
 <p:sld xmlns:a="http://schemas.openxmlformats.org/drawingml/2006/main" xmlns:r="http://schemas.openxmlformats.org/officeDocument/2006/relationships" xmlns:p="http://schemas.openxmlformats.org/presentationml/2006/main">
   <p:cSld>
     <p:spTree>
@@ -20258,7 +20838,7 @@
         </p:nvSpPr>
         <p:spPr>
           <a:xfrm>
-            <a:off x="7454900" y="368301"/>
+            <a:off x="7696200" y="241301"/>
             <a:ext cx="4064000" cy="3785652"/>
           </a:xfrm>
           <a:prstGeom prst="rect">
@@ -20301,7 +20881,6 @@
               <a:rPr lang="en-US" sz="2400" dirty="0" smtClean="0"/>
               <a:t>User authentication happens externally.</a:t>
             </a:r>
-            <a:endParaRPr lang="en-US" sz="2400" dirty="0" smtClean="0"/>
           </a:p>
           <a:p>
             <a:pPr marL="342900" indent="-342900">
@@ -20310,11 +20889,7 @@
             </a:pPr>
             <a:r>
               <a:rPr lang="en-US" sz="2400" dirty="0" smtClean="0"/>
-              <a:t>This </a:t>
-            </a:r>
-            <a:r>
-              <a:rPr lang="en-US" sz="2400" dirty="0" smtClean="0"/>
-              <a:t>requires a Client Credential grant type between the gateway and Airavata. </a:t>
+              <a:t>This requires a Client Credential grant type between the gateway and Airavata. </a:t>
             </a:r>
             <a:endParaRPr lang="en-US" sz="2400" dirty="0"/>
           </a:p>
@@ -20340,7 +20915,976 @@
 </p:sld>
 </file>
 
-<file path=ppt/slides/slide4.xml><?xml version="1.0" encoding="utf-8"?>
+<file path=ppt/slides/slide42.xml><?xml version="1.0" encoding="utf-8"?>
+<p:sld xmlns:a="http://schemas.openxmlformats.org/drawingml/2006/main" xmlns:r="http://schemas.openxmlformats.org/officeDocument/2006/relationships" xmlns:p="http://schemas.openxmlformats.org/presentationml/2006/main">
+  <p:cSld>
+    <p:spTree>
+      <p:nvGrpSpPr>
+        <p:cNvPr id="1" name=""/>
+        <p:cNvGrpSpPr/>
+        <p:nvPr/>
+      </p:nvGrpSpPr>
+      <p:grpSpPr>
+        <a:xfrm>
+          <a:off x="0" y="0"/>
+          <a:ext cx="0" cy="0"/>
+          <a:chOff x="0" y="0"/>
+          <a:chExt cx="0" cy="0"/>
+        </a:xfrm>
+      </p:grpSpPr>
+      <p:pic>
+        <p:nvPicPr>
+          <p:cNvPr id="2" name="Picture 1"/>
+          <p:cNvPicPr>
+            <a:picLocks noChangeAspect="1"/>
+          </p:cNvPicPr>
+          <p:nvPr/>
+        </p:nvPicPr>
+        <p:blipFill>
+          <a:blip r:embed="rId2">
+            <a:extLst>
+              <a:ext uri="{28A0092B-C50C-407E-A947-70E740481C1C}">
+                <a14:useLocalDpi xmlns:a14="http://schemas.microsoft.com/office/drawing/2010/main" val="0"/>
+              </a:ext>
+            </a:extLst>
+          </a:blip>
+          <a:stretch>
+            <a:fillRect/>
+          </a:stretch>
+        </p:blipFill>
+        <p:spPr>
+          <a:xfrm>
+            <a:off x="300475" y="368301"/>
+            <a:ext cx="9355476" cy="6299199"/>
+          </a:xfrm>
+          <a:prstGeom prst="rect">
+            <a:avLst/>
+          </a:prstGeom>
+        </p:spPr>
+      </p:pic>
+      <p:sp>
+        <p:nvSpPr>
+          <p:cNvPr id="3" name="TextBox 2"/>
+          <p:cNvSpPr txBox="1"/>
+          <p:nvPr/>
+        </p:nvSpPr>
+        <p:spPr>
+          <a:xfrm>
+            <a:off x="7454900" y="368301"/>
+            <a:ext cx="4064000" cy="3046988"/>
+          </a:xfrm>
+          <a:prstGeom prst="rect">
+            <a:avLst/>
+          </a:prstGeom>
+        </p:spPr>
+        <p:style>
+          <a:lnRef idx="2">
+            <a:schemeClr val="accent2">
+              <a:shade val="50000"/>
+            </a:schemeClr>
+          </a:lnRef>
+          <a:fillRef idx="1">
+            <a:schemeClr val="accent2"/>
+          </a:fillRef>
+          <a:effectRef idx="0">
+            <a:schemeClr val="accent2"/>
+          </a:effectRef>
+          <a:fontRef idx="minor">
+            <a:schemeClr val="lt1"/>
+          </a:fontRef>
+        </p:style>
+        <p:txBody>
+          <a:bodyPr wrap="square" rtlCol="0">
+            <a:spAutoFit/>
+          </a:bodyPr>
+          <a:lstStyle/>
+          <a:p>
+            <a:r>
+              <a:rPr lang="en-US" sz="2400" dirty="0" smtClean="0"/>
+              <a:t>Case 3(b): Gateway shares read access to its User Store with Airavata. </a:t>
+            </a:r>
+          </a:p>
+          <a:p>
+            <a:pPr marL="342900" indent="-342900">
+              <a:buFont typeface="Arial" charset="0"/>
+              <a:buChar char="•"/>
+            </a:pPr>
+            <a:r>
+              <a:rPr lang="en-US" sz="2400" dirty="0" smtClean="0"/>
+              <a:t>The gateway uses OIDC to authenticate to the authorization server</a:t>
+            </a:r>
+            <a:endParaRPr lang="en-US" sz="2400" dirty="0"/>
+          </a:p>
+          <a:p>
+            <a:pPr marL="342900" indent="-342900">
+              <a:buFont typeface="Arial" charset="0"/>
+              <a:buChar char="•"/>
+            </a:pPr>
+            <a:r>
+              <a:rPr lang="en-US" sz="2400" dirty="0" smtClean="0"/>
+              <a:t>This uses the Authorization Code grant type. </a:t>
+            </a:r>
+          </a:p>
+        </p:txBody>
+      </p:sp>
+    </p:spTree>
+    <p:extLst>
+      <p:ext uri="{BB962C8B-B14F-4D97-AF65-F5344CB8AC3E}">
+        <p14:creationId xmlns:p14="http://schemas.microsoft.com/office/powerpoint/2010/main" val="263611680"/>
+      </p:ext>
+    </p:extLst>
+  </p:cSld>
+  <p:clrMapOvr>
+    <a:masterClrMapping/>
+  </p:clrMapOvr>
+  <p:timing>
+    <p:tnLst>
+      <p:par>
+        <p:cTn id="1" dur="indefinite" restart="never" nodeType="tmRoot"/>
+      </p:par>
+    </p:tnLst>
+  </p:timing>
+</p:sld>
+</file>
+
+<file path=ppt/slides/slide43.xml><?xml version="1.0" encoding="utf-8"?>
+<p:sld xmlns:a="http://schemas.openxmlformats.org/drawingml/2006/main" xmlns:r="http://schemas.openxmlformats.org/officeDocument/2006/relationships" xmlns:p="http://schemas.openxmlformats.org/presentationml/2006/main">
+  <p:cSld>
+    <p:spTree>
+      <p:nvGrpSpPr>
+        <p:cNvPr id="1" name=""/>
+        <p:cNvGrpSpPr/>
+        <p:nvPr/>
+      </p:nvGrpSpPr>
+      <p:grpSpPr>
+        <a:xfrm>
+          <a:off x="0" y="0"/>
+          <a:ext cx="0" cy="0"/>
+          <a:chOff x="0" y="0"/>
+          <a:chExt cx="0" cy="0"/>
+        </a:xfrm>
+      </p:grpSpPr>
+      <p:pic>
+        <p:nvPicPr>
+          <p:cNvPr id="2" name="Picture 1"/>
+          <p:cNvPicPr>
+            <a:picLocks noChangeAspect="1"/>
+          </p:cNvPicPr>
+          <p:nvPr/>
+        </p:nvPicPr>
+        <p:blipFill>
+          <a:blip r:embed="rId2">
+            <a:extLst>
+              <a:ext uri="{28A0092B-C50C-407E-A947-70E740481C1C}">
+                <a14:useLocalDpi xmlns:a14="http://schemas.microsoft.com/office/drawing/2010/main" val="0"/>
+              </a:ext>
+            </a:extLst>
+          </a:blip>
+          <a:stretch>
+            <a:fillRect/>
+          </a:stretch>
+        </p:blipFill>
+        <p:spPr>
+          <a:xfrm>
+            <a:off x="266700" y="558800"/>
+            <a:ext cx="8548982" cy="6074276"/>
+          </a:xfrm>
+          <a:prstGeom prst="rect">
+            <a:avLst/>
+          </a:prstGeom>
+        </p:spPr>
+      </p:pic>
+      <p:sp>
+        <p:nvSpPr>
+          <p:cNvPr id="3" name="TextBox 2"/>
+          <p:cNvSpPr txBox="1"/>
+          <p:nvPr/>
+        </p:nvSpPr>
+        <p:spPr>
+          <a:xfrm>
+            <a:off x="7454900" y="368301"/>
+            <a:ext cx="4445000" cy="3785652"/>
+          </a:xfrm>
+          <a:prstGeom prst="rect">
+            <a:avLst/>
+          </a:prstGeom>
+        </p:spPr>
+        <p:style>
+          <a:lnRef idx="2">
+            <a:schemeClr val="accent2">
+              <a:shade val="50000"/>
+            </a:schemeClr>
+          </a:lnRef>
+          <a:fillRef idx="1">
+            <a:schemeClr val="accent2"/>
+          </a:fillRef>
+          <a:effectRef idx="0">
+            <a:schemeClr val="accent2"/>
+          </a:effectRef>
+          <a:fontRef idx="minor">
+            <a:schemeClr val="lt1"/>
+          </a:fontRef>
+        </p:style>
+        <p:txBody>
+          <a:bodyPr wrap="square" rtlCol="0">
+            <a:spAutoFit/>
+          </a:bodyPr>
+          <a:lstStyle/>
+          <a:p>
+            <a:r>
+              <a:rPr lang="en-US" sz="2400" dirty="0" smtClean="0"/>
+              <a:t>Case 3(c): Gateway </a:t>
+            </a:r>
+            <a:r>
+              <a:rPr lang="en-US" sz="2400" dirty="0" smtClean="0"/>
+              <a:t>duplicates </a:t>
+            </a:r>
+            <a:r>
+              <a:rPr lang="en-US" sz="2400" dirty="0" smtClean="0"/>
+              <a:t>its user store </a:t>
+            </a:r>
+            <a:r>
+              <a:rPr lang="en-US" sz="2400" dirty="0" smtClean="0"/>
+              <a:t>for Airavata</a:t>
+            </a:r>
+            <a:r>
+              <a:rPr lang="en-US" sz="2400" dirty="0" smtClean="0"/>
+              <a:t>. </a:t>
+            </a:r>
+            <a:endParaRPr lang="en-US" sz="2400" dirty="0" smtClean="0"/>
+          </a:p>
+          <a:p>
+            <a:pPr marL="342900" indent="-342900">
+              <a:buFont typeface="Arial" charset="0"/>
+              <a:buChar char="•"/>
+            </a:pPr>
+            <a:r>
+              <a:rPr lang="en-US" sz="2400" dirty="0" smtClean="0"/>
+              <a:t>The gateway uses Airavata’s Authorization Server to provide OIDC-based authentication. </a:t>
+            </a:r>
+          </a:p>
+          <a:p>
+            <a:pPr marL="342900" indent="-342900">
+              <a:buFont typeface="Arial" charset="0"/>
+              <a:buChar char="•"/>
+            </a:pPr>
+            <a:r>
+              <a:rPr lang="en-US" sz="2400" dirty="0" smtClean="0"/>
+              <a:t>This uses the Authorization Code grant type. </a:t>
+            </a:r>
+          </a:p>
+          <a:p>
+            <a:pPr marL="342900" indent="-342900">
+              <a:buFont typeface="Arial" charset="0"/>
+              <a:buChar char="•"/>
+            </a:pPr>
+            <a:r>
+              <a:rPr lang="en-US" sz="2400" dirty="0" smtClean="0"/>
+              <a:t>SCIM is the protocol for duplicating user information across multiple user stores.</a:t>
+            </a:r>
+          </a:p>
+        </p:txBody>
+      </p:sp>
+    </p:spTree>
+    <p:extLst>
+      <p:ext uri="{BB962C8B-B14F-4D97-AF65-F5344CB8AC3E}">
+        <p14:creationId xmlns:p14="http://schemas.microsoft.com/office/powerpoint/2010/main" val="1858157614"/>
+      </p:ext>
+    </p:extLst>
+  </p:cSld>
+  <p:clrMapOvr>
+    <a:masterClrMapping/>
+  </p:clrMapOvr>
+  <p:timing>
+    <p:tnLst>
+      <p:par>
+        <p:cTn id="1" dur="indefinite" restart="never" nodeType="tmRoot"/>
+      </p:par>
+    </p:tnLst>
+  </p:timing>
+</p:sld>
+</file>
+
+<file path=ppt/slides/slide44.xml><?xml version="1.0" encoding="utf-8"?>
+<p:sld xmlns:a="http://schemas.openxmlformats.org/drawingml/2006/main" xmlns:r="http://schemas.openxmlformats.org/officeDocument/2006/relationships" xmlns:p="http://schemas.openxmlformats.org/presentationml/2006/main">
+  <p:cSld>
+    <p:spTree>
+      <p:nvGrpSpPr>
+        <p:cNvPr id="1" name=""/>
+        <p:cNvGrpSpPr/>
+        <p:nvPr/>
+      </p:nvGrpSpPr>
+      <p:grpSpPr>
+        <a:xfrm>
+          <a:off x="0" y="0"/>
+          <a:ext cx="0" cy="0"/>
+          <a:chOff x="0" y="0"/>
+          <a:chExt cx="0" cy="0"/>
+        </a:xfrm>
+      </p:grpSpPr>
+      <p:sp>
+        <p:nvSpPr>
+          <p:cNvPr id="2" name="Title 1"/>
+          <p:cNvSpPr>
+            <a:spLocks noGrp="1"/>
+          </p:cNvSpPr>
+          <p:nvPr>
+            <p:ph type="title"/>
+          </p:nvPr>
+        </p:nvSpPr>
+        <p:spPr/>
+        <p:txBody>
+          <a:bodyPr/>
+          <a:lstStyle/>
+          <a:p>
+            <a:r>
+              <a:rPr lang="en-US" dirty="0" smtClean="0"/>
+              <a:t>Some Open Issues for Spring 2018</a:t>
+            </a:r>
+            <a:endParaRPr lang="en-US" dirty="0"/>
+          </a:p>
+        </p:txBody>
+      </p:sp>
+      <p:sp>
+        <p:nvSpPr>
+          <p:cNvPr id="3" name="Content Placeholder 2"/>
+          <p:cNvSpPr>
+            <a:spLocks noGrp="1"/>
+          </p:cNvSpPr>
+          <p:nvPr>
+            <p:ph idx="1"/>
+          </p:nvPr>
+        </p:nvSpPr>
+        <p:spPr>
+          <a:xfrm>
+            <a:off x="838200" y="1825624"/>
+            <a:ext cx="10515600" cy="4727575"/>
+          </a:xfrm>
+        </p:spPr>
+        <p:txBody>
+          <a:bodyPr>
+            <a:normAutofit fontScale="92500" lnSpcReduction="20000"/>
+          </a:bodyPr>
+          <a:lstStyle/>
+          <a:p>
+            <a:r>
+              <a:rPr lang="en-US" dirty="0" smtClean="0"/>
+              <a:t>What is the best way to distribute </a:t>
+            </a:r>
+            <a:r>
+              <a:rPr lang="en-US" dirty="0" smtClean="0"/>
+              <a:t>OAuth2 public </a:t>
+            </a:r>
+            <a:r>
+              <a:rPr lang="en-US" dirty="0" smtClean="0"/>
+              <a:t>clients</a:t>
+            </a:r>
+            <a:r>
+              <a:rPr lang="en-US" dirty="0"/>
+              <a:t> </a:t>
+            </a:r>
+            <a:r>
+              <a:rPr lang="en-US" dirty="0" smtClean="0"/>
+              <a:t>that will directly access the API </a:t>
+            </a:r>
+          </a:p>
+          <a:p>
+            <a:pPr lvl="1"/>
+            <a:r>
+              <a:rPr lang="en-US" dirty="0" smtClean="0"/>
+              <a:t>Desktop applications </a:t>
+            </a:r>
+          </a:p>
+          <a:p>
+            <a:pPr lvl="1"/>
+            <a:r>
+              <a:rPr lang="en-US" dirty="0" err="1" smtClean="0"/>
+              <a:t>Jupyter</a:t>
+            </a:r>
+            <a:r>
+              <a:rPr lang="en-US" dirty="0" smtClean="0"/>
+              <a:t> </a:t>
+            </a:r>
+          </a:p>
+          <a:p>
+            <a:pPr lvl="1"/>
+            <a:r>
+              <a:rPr lang="en-US" dirty="0" smtClean="0"/>
+              <a:t>Other </a:t>
+            </a:r>
+            <a:r>
+              <a:rPr lang="en-US" dirty="0" smtClean="0"/>
+              <a:t>scripts, developer keys, </a:t>
+            </a:r>
+            <a:r>
+              <a:rPr lang="en-US" dirty="0" err="1" smtClean="0"/>
+              <a:t>etc</a:t>
+            </a:r>
+            <a:endParaRPr lang="en-US" dirty="0" smtClean="0"/>
+          </a:p>
+          <a:p>
+            <a:r>
+              <a:rPr lang="en-US" dirty="0" smtClean="0"/>
+              <a:t>Issues with public clients</a:t>
+            </a:r>
+          </a:p>
+          <a:p>
+            <a:pPr lvl="1"/>
+            <a:r>
+              <a:rPr lang="en-US" dirty="0" smtClean="0"/>
+              <a:t>The clients themselves need client IDs and client secrets</a:t>
+            </a:r>
+          </a:p>
+          <a:p>
+            <a:pPr lvl="1"/>
+            <a:r>
+              <a:rPr lang="en-US" dirty="0" smtClean="0"/>
+              <a:t>Users of the clients must further authenticate themselves</a:t>
+            </a:r>
+          </a:p>
+          <a:p>
+            <a:pPr lvl="1"/>
+            <a:r>
+              <a:rPr lang="en-US" dirty="0" smtClean="0"/>
+              <a:t>This should work with non-browser </a:t>
+            </a:r>
+            <a:r>
+              <a:rPr lang="en-US" dirty="0" smtClean="0"/>
+              <a:t>clients</a:t>
+            </a:r>
+          </a:p>
+          <a:p>
+            <a:r>
+              <a:rPr lang="en-US" dirty="0" smtClean="0"/>
+              <a:t>What are the best approaches for internal (</a:t>
+            </a:r>
+            <a:r>
+              <a:rPr lang="en-US" dirty="0" err="1" smtClean="0"/>
+              <a:t>microservice</a:t>
+            </a:r>
+            <a:r>
+              <a:rPr lang="en-US" dirty="0" smtClean="0"/>
+              <a:t>-to-</a:t>
+            </a:r>
+            <a:r>
+              <a:rPr lang="en-US" dirty="0" err="1" smtClean="0"/>
+              <a:t>microserivce</a:t>
+            </a:r>
+            <a:r>
+              <a:rPr lang="en-US" dirty="0" smtClean="0"/>
+              <a:t>) security in Airavata?</a:t>
+            </a:r>
+          </a:p>
+          <a:p>
+            <a:pPr lvl="1"/>
+            <a:r>
+              <a:rPr lang="en-US" dirty="0" smtClean="0"/>
+              <a:t>Byzantine Fault Tolerance</a:t>
+            </a:r>
+          </a:p>
+          <a:p>
+            <a:pPr lvl="1"/>
+            <a:r>
+              <a:rPr lang="en-US" dirty="0" err="1" smtClean="0"/>
+              <a:t>DevSecOps</a:t>
+            </a:r>
+            <a:endParaRPr lang="en-US" dirty="0" smtClean="0"/>
+          </a:p>
+          <a:p>
+            <a:pPr lvl="1"/>
+            <a:r>
+              <a:rPr lang="en-US" dirty="0" smtClean="0"/>
+              <a:t>Black hat hacking</a:t>
+            </a:r>
+            <a:endParaRPr lang="en-US" dirty="0"/>
+          </a:p>
+        </p:txBody>
+      </p:sp>
+    </p:spTree>
+    <p:extLst>
+      <p:ext uri="{BB962C8B-B14F-4D97-AF65-F5344CB8AC3E}">
+        <p14:creationId xmlns:p14="http://schemas.microsoft.com/office/powerpoint/2010/main" val="8433336"/>
+      </p:ext>
+    </p:extLst>
+  </p:cSld>
+  <p:clrMapOvr>
+    <a:masterClrMapping/>
+  </p:clrMapOvr>
+</p:sld>
+</file>
+
+<file path=ppt/slides/slide45.xml><?xml version="1.0" encoding="utf-8"?>
+<p:sld xmlns:a="http://schemas.openxmlformats.org/drawingml/2006/main" xmlns:r="http://schemas.openxmlformats.org/officeDocument/2006/relationships" xmlns:p="http://schemas.openxmlformats.org/presentationml/2006/main">
+  <p:cSld>
+    <p:spTree>
+      <p:nvGrpSpPr>
+        <p:cNvPr id="1" name=""/>
+        <p:cNvGrpSpPr/>
+        <p:nvPr/>
+      </p:nvGrpSpPr>
+      <p:grpSpPr>
+        <a:xfrm>
+          <a:off x="0" y="0"/>
+          <a:ext cx="0" cy="0"/>
+          <a:chOff x="0" y="0"/>
+          <a:chExt cx="0" cy="0"/>
+        </a:xfrm>
+      </p:grpSpPr>
+    </p:spTree>
+    <p:extLst>
+      <p:ext uri="{BB962C8B-B14F-4D97-AF65-F5344CB8AC3E}">
+        <p14:creationId xmlns:p14="http://schemas.microsoft.com/office/powerpoint/2010/main" val="1117703063"/>
+      </p:ext>
+    </p:extLst>
+  </p:cSld>
+  <p:clrMapOvr>
+    <a:masterClrMapping/>
+  </p:clrMapOvr>
+  <p:timing>
+    <p:tnLst>
+      <p:par>
+        <p:cTn id="1" dur="indefinite" restart="never" nodeType="tmRoot"/>
+      </p:par>
+    </p:tnLst>
+  </p:timing>
+</p:sld>
+</file>
+
+<file path=ppt/slides/slide46.xml><?xml version="1.0" encoding="utf-8"?>
+<p:sld xmlns:a="http://schemas.openxmlformats.org/drawingml/2006/main" xmlns:r="http://schemas.openxmlformats.org/officeDocument/2006/relationships" xmlns:p="http://schemas.openxmlformats.org/presentationml/2006/main">
+  <p:cSld>
+    <p:spTree>
+      <p:nvGrpSpPr>
+        <p:cNvPr id="1" name=""/>
+        <p:cNvGrpSpPr/>
+        <p:nvPr/>
+      </p:nvGrpSpPr>
+      <p:grpSpPr>
+        <a:xfrm>
+          <a:off x="0" y="0"/>
+          <a:ext cx="0" cy="0"/>
+          <a:chOff x="0" y="0"/>
+          <a:chExt cx="0" cy="0"/>
+        </a:xfrm>
+      </p:grpSpPr>
+      <p:sp>
+        <p:nvSpPr>
+          <p:cNvPr id="2" name="Title 1"/>
+          <p:cNvSpPr>
+            <a:spLocks noGrp="1"/>
+          </p:cNvSpPr>
+          <p:nvPr>
+            <p:ph type="title"/>
+          </p:nvPr>
+        </p:nvSpPr>
+        <p:spPr/>
+        <p:txBody>
+          <a:bodyPr/>
+          <a:lstStyle/>
+          <a:p>
+            <a:r>
+              <a:rPr lang="en-US" dirty="0" smtClean="0"/>
+              <a:t>OIDC Mappings to OAuth2</a:t>
+            </a:r>
+            <a:endParaRPr lang="en-US" dirty="0"/>
+          </a:p>
+        </p:txBody>
+      </p:sp>
+      <p:sp>
+        <p:nvSpPr>
+          <p:cNvPr id="3" name="Content Placeholder 2"/>
+          <p:cNvSpPr>
+            <a:spLocks noGrp="1"/>
+          </p:cNvSpPr>
+          <p:nvPr>
+            <p:ph idx="1"/>
+          </p:nvPr>
+        </p:nvSpPr>
+        <p:spPr/>
+        <p:txBody>
+          <a:bodyPr/>
+          <a:lstStyle/>
+          <a:p>
+            <a:r>
+              <a:rPr lang="en-US" dirty="0" smtClean="0"/>
+              <a:t>The OIDC server is the Authorization Server. </a:t>
+            </a:r>
+          </a:p>
+          <a:p>
+            <a:r>
+              <a:rPr lang="en-US" dirty="0" smtClean="0"/>
+              <a:t>The Science Gateway is the Client</a:t>
+            </a:r>
+          </a:p>
+          <a:p>
+            <a:r>
+              <a:rPr lang="en-US" dirty="0" smtClean="0"/>
+              <a:t>Grant Types used by OIDC</a:t>
+            </a:r>
+          </a:p>
+          <a:p>
+            <a:pPr lvl="1"/>
+            <a:r>
+              <a:rPr lang="en-US" dirty="0" smtClean="0"/>
+              <a:t>Authorization Code: most common code, useful for server-side Web applications</a:t>
+            </a:r>
+          </a:p>
+          <a:p>
+            <a:pPr lvl="1"/>
+            <a:r>
+              <a:rPr lang="en-US" dirty="0" smtClean="0"/>
+              <a:t>Implicit: Use this with browser-side JavaScript applications that need to interact with the OIDC Server directly.</a:t>
+            </a:r>
+            <a:endParaRPr lang="en-US" dirty="0"/>
+          </a:p>
+        </p:txBody>
+      </p:sp>
+    </p:spTree>
+    <p:extLst>
+      <p:ext uri="{BB962C8B-B14F-4D97-AF65-F5344CB8AC3E}">
+        <p14:creationId xmlns:p14="http://schemas.microsoft.com/office/powerpoint/2010/main" val="1886918773"/>
+      </p:ext>
+    </p:extLst>
+  </p:cSld>
+  <p:clrMapOvr>
+    <a:masterClrMapping/>
+  </p:clrMapOvr>
+  <p:timing>
+    <p:tnLst>
+      <p:par>
+        <p:cTn id="1" dur="indefinite" restart="never" nodeType="tmRoot"/>
+      </p:par>
+    </p:tnLst>
+  </p:timing>
+</p:sld>
+</file>
+
+<file path=ppt/slides/slide47.xml><?xml version="1.0" encoding="utf-8"?>
+<p:sld xmlns:a="http://schemas.openxmlformats.org/drawingml/2006/main" xmlns:r="http://schemas.openxmlformats.org/officeDocument/2006/relationships" xmlns:p="http://schemas.openxmlformats.org/presentationml/2006/main">
+  <p:cSld>
+    <p:spTree>
+      <p:nvGrpSpPr>
+        <p:cNvPr id="1" name=""/>
+        <p:cNvGrpSpPr/>
+        <p:nvPr/>
+      </p:nvGrpSpPr>
+      <p:grpSpPr>
+        <a:xfrm>
+          <a:off x="0" y="0"/>
+          <a:ext cx="0" cy="0"/>
+          <a:chOff x="0" y="0"/>
+          <a:chExt cx="0" cy="0"/>
+        </a:xfrm>
+      </p:grpSpPr>
+      <p:sp>
+        <p:nvSpPr>
+          <p:cNvPr id="2" name="Title 1"/>
+          <p:cNvSpPr>
+            <a:spLocks noGrp="1"/>
+          </p:cNvSpPr>
+          <p:nvPr>
+            <p:ph type="title"/>
+          </p:nvPr>
+        </p:nvSpPr>
+        <p:spPr/>
+        <p:txBody>
+          <a:bodyPr/>
+          <a:lstStyle/>
+          <a:p>
+            <a:r>
+              <a:rPr lang="en-US" dirty="0" smtClean="0"/>
+              <a:t>The OIDC ID Token (1/2)</a:t>
+            </a:r>
+            <a:endParaRPr lang="en-US" dirty="0"/>
+          </a:p>
+        </p:txBody>
+      </p:sp>
+      <p:sp>
+        <p:nvSpPr>
+          <p:cNvPr id="3" name="Content Placeholder 2"/>
+          <p:cNvSpPr>
+            <a:spLocks noGrp="1"/>
+          </p:cNvSpPr>
+          <p:nvPr>
+            <p:ph idx="1"/>
+          </p:nvPr>
+        </p:nvSpPr>
+        <p:spPr/>
+        <p:txBody>
+          <a:bodyPr/>
+          <a:lstStyle/>
+          <a:p>
+            <a:r>
+              <a:rPr lang="en-US" dirty="0"/>
+              <a:t>ID Token data </a:t>
+            </a:r>
+            <a:r>
+              <a:rPr lang="en-US" dirty="0" smtClean="0"/>
+              <a:t>structure is the </a:t>
+            </a:r>
+            <a:r>
+              <a:rPr lang="en-US" dirty="0"/>
+              <a:t>primary extension that OpenID Connect makes to OAuth 2.0 to enable End-Users to be a</a:t>
+            </a:r>
+            <a:r>
+              <a:rPr lang="en-US" dirty="0" smtClean="0"/>
+              <a:t>uthenticated. </a:t>
+            </a:r>
+            <a:r>
+              <a:rPr lang="en-US" dirty="0"/>
+              <a:t> </a:t>
+            </a:r>
+            <a:endParaRPr lang="en-US" dirty="0" smtClean="0"/>
+          </a:p>
+          <a:p>
+            <a:r>
+              <a:rPr lang="en-US" dirty="0" smtClean="0"/>
+              <a:t>The </a:t>
+            </a:r>
+            <a:r>
+              <a:rPr lang="en-US" dirty="0"/>
+              <a:t>ID Token is a security token that contains </a:t>
+            </a:r>
+            <a:r>
+              <a:rPr lang="en-US" b="1" dirty="0"/>
+              <a:t>Claims</a:t>
+            </a:r>
+            <a:r>
+              <a:rPr lang="en-US" dirty="0"/>
+              <a:t> about the </a:t>
+            </a:r>
+            <a:r>
+              <a:rPr lang="en-US" dirty="0" smtClean="0"/>
+              <a:t>authentication </a:t>
+            </a:r>
+            <a:r>
+              <a:rPr lang="en-US" dirty="0"/>
+              <a:t>of an End-User by an Authorization Server when using a Client, and potentially other requested Claims. </a:t>
+            </a:r>
+            <a:endParaRPr lang="en-US" dirty="0" smtClean="0"/>
+          </a:p>
+        </p:txBody>
+      </p:sp>
+    </p:spTree>
+    <p:extLst>
+      <p:ext uri="{BB962C8B-B14F-4D97-AF65-F5344CB8AC3E}">
+        <p14:creationId xmlns:p14="http://schemas.microsoft.com/office/powerpoint/2010/main" val="1552802562"/>
+      </p:ext>
+    </p:extLst>
+  </p:cSld>
+  <p:clrMapOvr>
+    <a:masterClrMapping/>
+  </p:clrMapOvr>
+  <p:timing>
+    <p:tnLst>
+      <p:par>
+        <p:cTn id="1" dur="indefinite" restart="never" nodeType="tmRoot"/>
+      </p:par>
+    </p:tnLst>
+  </p:timing>
+</p:sld>
+</file>
+
+<file path=ppt/slides/slide48.xml><?xml version="1.0" encoding="utf-8"?>
+<p:sld xmlns:a="http://schemas.openxmlformats.org/drawingml/2006/main" xmlns:r="http://schemas.openxmlformats.org/officeDocument/2006/relationships" xmlns:p="http://schemas.openxmlformats.org/presentationml/2006/main">
+  <p:cSld>
+    <p:spTree>
+      <p:nvGrpSpPr>
+        <p:cNvPr id="1" name=""/>
+        <p:cNvGrpSpPr/>
+        <p:nvPr/>
+      </p:nvGrpSpPr>
+      <p:grpSpPr>
+        <a:xfrm>
+          <a:off x="0" y="0"/>
+          <a:ext cx="0" cy="0"/>
+          <a:chOff x="0" y="0"/>
+          <a:chExt cx="0" cy="0"/>
+        </a:xfrm>
+      </p:grpSpPr>
+      <p:sp>
+        <p:nvSpPr>
+          <p:cNvPr id="2" name="Title 1"/>
+          <p:cNvSpPr>
+            <a:spLocks noGrp="1"/>
+          </p:cNvSpPr>
+          <p:nvPr>
+            <p:ph type="title"/>
+          </p:nvPr>
+        </p:nvSpPr>
+        <p:spPr/>
+        <p:txBody>
+          <a:bodyPr/>
+          <a:lstStyle/>
+          <a:p>
+            <a:r>
+              <a:rPr lang="en-US" dirty="0"/>
+              <a:t>The OIDC ID </a:t>
+            </a:r>
+            <a:r>
+              <a:rPr lang="en-US" dirty="0" smtClean="0"/>
+              <a:t>Token (2/2)</a:t>
+            </a:r>
+            <a:endParaRPr lang="en-US" dirty="0"/>
+          </a:p>
+        </p:txBody>
+      </p:sp>
+      <p:sp>
+        <p:nvSpPr>
+          <p:cNvPr id="3" name="Content Placeholder 2"/>
+          <p:cNvSpPr>
+            <a:spLocks noGrp="1"/>
+          </p:cNvSpPr>
+          <p:nvPr>
+            <p:ph idx="1"/>
+          </p:nvPr>
+        </p:nvSpPr>
+        <p:spPr/>
+        <p:txBody>
+          <a:bodyPr/>
+          <a:lstStyle/>
+          <a:p>
+            <a:r>
+              <a:rPr lang="en-US" dirty="0"/>
+              <a:t>The ID Token is represented as a JSON Web Token (JWT)</a:t>
+            </a:r>
+          </a:p>
+          <a:p>
+            <a:r>
+              <a:rPr lang="en-US" dirty="0"/>
+              <a:t>JWT: compact claims representation format intended for space constrained environments such as HTTP Authorization headers and URI query parameters. </a:t>
+            </a:r>
+          </a:p>
+          <a:p>
+            <a:pPr lvl="1"/>
+            <a:r>
+              <a:rPr lang="en-US" dirty="0"/>
+              <a:t>https://</a:t>
+            </a:r>
+            <a:r>
+              <a:rPr lang="en-US" dirty="0" err="1"/>
+              <a:t>tools.ietf.org</a:t>
+            </a:r>
+            <a:r>
+              <a:rPr lang="en-US" dirty="0"/>
+              <a:t>/html/draft-ietf-oauth-json-web-token-32</a:t>
+            </a:r>
+          </a:p>
+          <a:p>
+            <a:endParaRPr lang="en-US" dirty="0"/>
+          </a:p>
+        </p:txBody>
+      </p:sp>
+    </p:spTree>
+    <p:extLst>
+      <p:ext uri="{BB962C8B-B14F-4D97-AF65-F5344CB8AC3E}">
+        <p14:creationId xmlns:p14="http://schemas.microsoft.com/office/powerpoint/2010/main" val="1731381190"/>
+      </p:ext>
+    </p:extLst>
+  </p:cSld>
+  <p:clrMapOvr>
+    <a:masterClrMapping/>
+  </p:clrMapOvr>
+  <p:timing>
+    <p:tnLst>
+      <p:par>
+        <p:cTn id="1" dur="indefinite" restart="never" nodeType="tmRoot"/>
+      </p:par>
+    </p:tnLst>
+  </p:timing>
+</p:sld>
+</file>
+
+<file path=ppt/slides/slide49.xml><?xml version="1.0" encoding="utf-8"?>
+<p:sld xmlns:a="http://schemas.openxmlformats.org/drawingml/2006/main" xmlns:r="http://schemas.openxmlformats.org/officeDocument/2006/relationships" xmlns:p="http://schemas.openxmlformats.org/presentationml/2006/main">
+  <p:cSld>
+    <p:spTree>
+      <p:nvGrpSpPr>
+        <p:cNvPr id="1" name=""/>
+        <p:cNvGrpSpPr/>
+        <p:nvPr/>
+      </p:nvGrpSpPr>
+      <p:grpSpPr>
+        <a:xfrm>
+          <a:off x="0" y="0"/>
+          <a:ext cx="0" cy="0"/>
+          <a:chOff x="0" y="0"/>
+          <a:chExt cx="0" cy="0"/>
+        </a:xfrm>
+      </p:grpSpPr>
+      <p:pic>
+        <p:nvPicPr>
+          <p:cNvPr id="4" name="Picture 3"/>
+          <p:cNvPicPr>
+            <a:picLocks noChangeAspect="1"/>
+          </p:cNvPicPr>
+          <p:nvPr/>
+        </p:nvPicPr>
+        <p:blipFill rotWithShape="1">
+          <a:blip r:embed="rId2">
+            <a:extLst>
+              <a:ext uri="{28A0092B-C50C-407E-A947-70E740481C1C}">
+                <a14:useLocalDpi xmlns:a14="http://schemas.microsoft.com/office/drawing/2010/main" val="0"/>
+              </a:ext>
+            </a:extLst>
+          </a:blip>
+          <a:srcRect l="2923" t="2241" r="14737" b="6723"/>
+          <a:stretch/>
+        </p:blipFill>
+        <p:spPr>
+          <a:xfrm>
+            <a:off x="1981200" y="2057400"/>
+            <a:ext cx="8229600" cy="4127500"/>
+          </a:xfrm>
+          <a:prstGeom prst="rect">
+            <a:avLst/>
+          </a:prstGeom>
+        </p:spPr>
+      </p:pic>
+      <p:sp>
+        <p:nvSpPr>
+          <p:cNvPr id="7" name="Title 6"/>
+          <p:cNvSpPr>
+            <a:spLocks noGrp="1"/>
+          </p:cNvSpPr>
+          <p:nvPr>
+            <p:ph type="title"/>
+          </p:nvPr>
+        </p:nvSpPr>
+        <p:spPr/>
+        <p:txBody>
+          <a:bodyPr/>
+          <a:lstStyle/>
+          <a:p>
+            <a:r>
+              <a:rPr lang="en-US" dirty="0" smtClean="0"/>
+              <a:t>Sample OIDC ID Token</a:t>
+            </a:r>
+            <a:endParaRPr lang="en-US" dirty="0"/>
+          </a:p>
+        </p:txBody>
+      </p:sp>
+    </p:spTree>
+    <p:extLst>
+      <p:ext uri="{BB962C8B-B14F-4D97-AF65-F5344CB8AC3E}">
+        <p14:creationId xmlns:p14="http://schemas.microsoft.com/office/powerpoint/2010/main" val="920243480"/>
+      </p:ext>
+    </p:extLst>
+  </p:cSld>
+  <p:clrMapOvr>
+    <a:masterClrMapping/>
+  </p:clrMapOvr>
+  <p:timing>
+    <p:tnLst>
+      <p:par>
+        <p:cTn id="1" dur="indefinite" restart="never" nodeType="tmRoot"/>
+      </p:par>
+    </p:tnLst>
+  </p:timing>
+</p:sld>
+</file>
+
+<file path=ppt/slides/slide5.xml><?xml version="1.0" encoding="utf-8"?>
 <p:sld xmlns:a="http://schemas.openxmlformats.org/drawingml/2006/main" xmlns:r="http://schemas.openxmlformats.org/officeDocument/2006/relationships" xmlns:p="http://schemas.openxmlformats.org/presentationml/2006/main">
   <p:cSld>
     <p:spTree>
@@ -20772,2561 +22316,7 @@
 </p:sld>
 </file>
 
-<file path=ppt/slides/slide40.xml><?xml version="1.0" encoding="utf-8"?>
-<p:sld xmlns:a="http://schemas.openxmlformats.org/drawingml/2006/main" xmlns:r="http://schemas.openxmlformats.org/officeDocument/2006/relationships" xmlns:p="http://schemas.openxmlformats.org/presentationml/2006/main">
-  <p:cSld>
-    <p:spTree>
-      <p:nvGrpSpPr>
-        <p:cNvPr id="1" name=""/>
-        <p:cNvGrpSpPr/>
-        <p:nvPr/>
-      </p:nvGrpSpPr>
-      <p:grpSpPr>
-        <a:xfrm>
-          <a:off x="0" y="0"/>
-          <a:ext cx="0" cy="0"/>
-          <a:chOff x="0" y="0"/>
-          <a:chExt cx="0" cy="0"/>
-        </a:xfrm>
-      </p:grpSpPr>
-      <p:pic>
-        <p:nvPicPr>
-          <p:cNvPr id="2" name="Picture 1"/>
-          <p:cNvPicPr>
-            <a:picLocks noChangeAspect="1"/>
-          </p:cNvPicPr>
-          <p:nvPr/>
-        </p:nvPicPr>
-        <p:blipFill>
-          <a:blip r:embed="rId2">
-            <a:extLst>
-              <a:ext uri="{28A0092B-C50C-407E-A947-70E740481C1C}">
-                <a14:useLocalDpi xmlns:a14="http://schemas.microsoft.com/office/drawing/2010/main" val="0"/>
-              </a:ext>
-            </a:extLst>
-          </a:blip>
-          <a:stretch>
-            <a:fillRect/>
-          </a:stretch>
-        </p:blipFill>
-        <p:spPr>
-          <a:xfrm>
-            <a:off x="300475" y="368301"/>
-            <a:ext cx="9355476" cy="6299199"/>
-          </a:xfrm>
-          <a:prstGeom prst="rect">
-            <a:avLst/>
-          </a:prstGeom>
-        </p:spPr>
-      </p:pic>
-      <p:sp>
-        <p:nvSpPr>
-          <p:cNvPr id="3" name="TextBox 2"/>
-          <p:cNvSpPr txBox="1"/>
-          <p:nvPr/>
-        </p:nvSpPr>
-        <p:spPr>
-          <a:xfrm>
-            <a:off x="7454900" y="368301"/>
-            <a:ext cx="4064000" cy="3046988"/>
-          </a:xfrm>
-          <a:prstGeom prst="rect">
-            <a:avLst/>
-          </a:prstGeom>
-        </p:spPr>
-        <p:style>
-          <a:lnRef idx="2">
-            <a:schemeClr val="accent2">
-              <a:shade val="50000"/>
-            </a:schemeClr>
-          </a:lnRef>
-          <a:fillRef idx="1">
-            <a:schemeClr val="accent2"/>
-          </a:fillRef>
-          <a:effectRef idx="0">
-            <a:schemeClr val="accent2"/>
-          </a:effectRef>
-          <a:fontRef idx="minor">
-            <a:schemeClr val="lt1"/>
-          </a:fontRef>
-        </p:style>
-        <p:txBody>
-          <a:bodyPr wrap="square" rtlCol="0">
-            <a:spAutoFit/>
-          </a:bodyPr>
-          <a:lstStyle/>
-          <a:p>
-            <a:r>
-              <a:rPr lang="en-US" sz="2400" dirty="0" smtClean="0"/>
-              <a:t>Case 3(b): Gateway shares read access to its User Store with </a:t>
-            </a:r>
-            <a:r>
-              <a:rPr lang="en-US" sz="2400" dirty="0" smtClean="0"/>
-              <a:t>Airavata. </a:t>
-            </a:r>
-          </a:p>
-          <a:p>
-            <a:pPr marL="342900" indent="-342900">
-              <a:buFont typeface="Arial" charset="0"/>
-              <a:buChar char="•"/>
-            </a:pPr>
-            <a:r>
-              <a:rPr lang="en-US" sz="2400" dirty="0" smtClean="0"/>
-              <a:t>The gateway uses OIDC to authenticate to the authorization server</a:t>
-            </a:r>
-            <a:endParaRPr lang="en-US" sz="2400" dirty="0"/>
-          </a:p>
-          <a:p>
-            <a:pPr marL="342900" indent="-342900">
-              <a:buFont typeface="Arial" charset="0"/>
-              <a:buChar char="•"/>
-            </a:pPr>
-            <a:r>
-              <a:rPr lang="en-US" sz="2400" dirty="0" smtClean="0"/>
-              <a:t>This </a:t>
-            </a:r>
-            <a:r>
-              <a:rPr lang="en-US" sz="2400" dirty="0" smtClean="0"/>
-              <a:t>uses the Authorization Code grant type. </a:t>
-            </a:r>
-          </a:p>
-        </p:txBody>
-      </p:sp>
-    </p:spTree>
-    <p:extLst>
-      <p:ext uri="{BB962C8B-B14F-4D97-AF65-F5344CB8AC3E}">
-        <p14:creationId xmlns:p14="http://schemas.microsoft.com/office/powerpoint/2010/main" val="263611680"/>
-      </p:ext>
-    </p:extLst>
-  </p:cSld>
-  <p:clrMapOvr>
-    <a:masterClrMapping/>
-  </p:clrMapOvr>
-  <p:timing>
-    <p:tnLst>
-      <p:par>
-        <p:cTn id="1" dur="indefinite" restart="never" nodeType="tmRoot"/>
-      </p:par>
-    </p:tnLst>
-  </p:timing>
-</p:sld>
-</file>
-
-<file path=ppt/slides/slide41.xml><?xml version="1.0" encoding="utf-8"?>
-<p:sld xmlns:a="http://schemas.openxmlformats.org/drawingml/2006/main" xmlns:r="http://schemas.openxmlformats.org/officeDocument/2006/relationships" xmlns:p="http://schemas.openxmlformats.org/presentationml/2006/main">
-  <p:cSld>
-    <p:spTree>
-      <p:nvGrpSpPr>
-        <p:cNvPr id="1" name=""/>
-        <p:cNvGrpSpPr/>
-        <p:nvPr/>
-      </p:nvGrpSpPr>
-      <p:grpSpPr>
-        <a:xfrm>
-          <a:off x="0" y="0"/>
-          <a:ext cx="0" cy="0"/>
-          <a:chOff x="0" y="0"/>
-          <a:chExt cx="0" cy="0"/>
-        </a:xfrm>
-      </p:grpSpPr>
-      <p:pic>
-        <p:nvPicPr>
-          <p:cNvPr id="2" name="Picture 1"/>
-          <p:cNvPicPr>
-            <a:picLocks noChangeAspect="1"/>
-          </p:cNvPicPr>
-          <p:nvPr/>
-        </p:nvPicPr>
-        <p:blipFill>
-          <a:blip r:embed="rId2">
-            <a:extLst>
-              <a:ext uri="{28A0092B-C50C-407E-A947-70E740481C1C}">
-                <a14:useLocalDpi xmlns:a14="http://schemas.microsoft.com/office/drawing/2010/main" val="0"/>
-              </a:ext>
-            </a:extLst>
-          </a:blip>
-          <a:stretch>
-            <a:fillRect/>
-          </a:stretch>
-        </p:blipFill>
-        <p:spPr>
-          <a:xfrm>
-            <a:off x="266700" y="558800"/>
-            <a:ext cx="8548982" cy="6074276"/>
-          </a:xfrm>
-          <a:prstGeom prst="rect">
-            <a:avLst/>
-          </a:prstGeom>
-        </p:spPr>
-      </p:pic>
-      <p:sp>
-        <p:nvSpPr>
-          <p:cNvPr id="3" name="TextBox 2"/>
-          <p:cNvSpPr txBox="1"/>
-          <p:nvPr/>
-        </p:nvSpPr>
-        <p:spPr>
-          <a:xfrm>
-            <a:off x="7454900" y="368301"/>
-            <a:ext cx="4445000" cy="3785652"/>
-          </a:xfrm>
-          <a:prstGeom prst="rect">
-            <a:avLst/>
-          </a:prstGeom>
-        </p:spPr>
-        <p:style>
-          <a:lnRef idx="2">
-            <a:schemeClr val="accent2">
-              <a:shade val="50000"/>
-            </a:schemeClr>
-          </a:lnRef>
-          <a:fillRef idx="1">
-            <a:schemeClr val="accent2"/>
-          </a:fillRef>
-          <a:effectRef idx="0">
-            <a:schemeClr val="accent2"/>
-          </a:effectRef>
-          <a:fontRef idx="minor">
-            <a:schemeClr val="lt1"/>
-          </a:fontRef>
-        </p:style>
-        <p:txBody>
-          <a:bodyPr wrap="square" rtlCol="0">
-            <a:spAutoFit/>
-          </a:bodyPr>
-          <a:lstStyle/>
-          <a:p>
-            <a:r>
-              <a:rPr lang="en-US" sz="2400" dirty="0" smtClean="0"/>
-              <a:t>Case 3(c): Gateway shares duplicates its user store to </a:t>
-            </a:r>
-            <a:r>
-              <a:rPr lang="en-US" sz="2400" dirty="0" smtClean="0"/>
-              <a:t>IS. </a:t>
-            </a:r>
-          </a:p>
-          <a:p>
-            <a:pPr marL="342900" indent="-342900">
-              <a:buFont typeface="Arial" charset="0"/>
-              <a:buChar char="•"/>
-            </a:pPr>
-            <a:r>
-              <a:rPr lang="en-US" sz="2400" dirty="0" smtClean="0"/>
-              <a:t>The gateway uses Airavata’s Authorization Server to provide OIDC-based authentication. </a:t>
-            </a:r>
-          </a:p>
-          <a:p>
-            <a:pPr marL="342900" indent="-342900">
-              <a:buFont typeface="Arial" charset="0"/>
-              <a:buChar char="•"/>
-            </a:pPr>
-            <a:r>
-              <a:rPr lang="en-US" sz="2400" dirty="0" smtClean="0"/>
-              <a:t>This </a:t>
-            </a:r>
-            <a:r>
-              <a:rPr lang="en-US" sz="2400" dirty="0" smtClean="0"/>
-              <a:t>uses the Authorization Code grant type. </a:t>
-            </a:r>
-            <a:endParaRPr lang="en-US" sz="2400" dirty="0" smtClean="0"/>
-          </a:p>
-          <a:p>
-            <a:pPr marL="342900" indent="-342900">
-              <a:buFont typeface="Arial" charset="0"/>
-              <a:buChar char="•"/>
-            </a:pPr>
-            <a:r>
-              <a:rPr lang="en-US" sz="2400" dirty="0" smtClean="0"/>
-              <a:t>SCIM </a:t>
-            </a:r>
-            <a:r>
-              <a:rPr lang="en-US" sz="2400" dirty="0" smtClean="0"/>
-              <a:t>is the protocol for duplicating user information across multiple user stores.</a:t>
-            </a:r>
-          </a:p>
-        </p:txBody>
-      </p:sp>
-    </p:spTree>
-    <p:extLst>
-      <p:ext uri="{BB962C8B-B14F-4D97-AF65-F5344CB8AC3E}">
-        <p14:creationId xmlns:p14="http://schemas.microsoft.com/office/powerpoint/2010/main" val="1858157614"/>
-      </p:ext>
-    </p:extLst>
-  </p:cSld>
-  <p:clrMapOvr>
-    <a:masterClrMapping/>
-  </p:clrMapOvr>
-  <p:timing>
-    <p:tnLst>
-      <p:par>
-        <p:cTn id="1" dur="indefinite" restart="never" nodeType="tmRoot"/>
-      </p:par>
-    </p:tnLst>
-  </p:timing>
-</p:sld>
-</file>
-
-<file path=ppt/slides/slide42.xml><?xml version="1.0" encoding="utf-8"?>
-<p:sld xmlns:a="http://schemas.openxmlformats.org/drawingml/2006/main" xmlns:r="http://schemas.openxmlformats.org/officeDocument/2006/relationships" xmlns:p="http://schemas.openxmlformats.org/presentationml/2006/main">
-  <p:cSld>
-    <p:spTree>
-      <p:nvGrpSpPr>
-        <p:cNvPr id="1" name=""/>
-        <p:cNvGrpSpPr/>
-        <p:nvPr/>
-      </p:nvGrpSpPr>
-      <p:grpSpPr>
-        <a:xfrm>
-          <a:off x="0" y="0"/>
-          <a:ext cx="0" cy="0"/>
-          <a:chOff x="0" y="0"/>
-          <a:chExt cx="0" cy="0"/>
-        </a:xfrm>
-      </p:grpSpPr>
-      <p:sp>
-        <p:nvSpPr>
-          <p:cNvPr id="2" name="Title 1"/>
-          <p:cNvSpPr>
-            <a:spLocks noGrp="1"/>
-          </p:cNvSpPr>
-          <p:nvPr>
-            <p:ph type="title"/>
-          </p:nvPr>
-        </p:nvSpPr>
-        <p:spPr/>
-        <p:txBody>
-          <a:bodyPr/>
-          <a:lstStyle/>
-          <a:p>
-            <a:r>
-              <a:rPr lang="en-US" dirty="0" smtClean="0"/>
-              <a:t>Some Open Issues for Spring 2018</a:t>
-            </a:r>
-            <a:endParaRPr lang="en-US" dirty="0"/>
-          </a:p>
-        </p:txBody>
-      </p:sp>
-      <p:sp>
-        <p:nvSpPr>
-          <p:cNvPr id="3" name="Content Placeholder 2"/>
-          <p:cNvSpPr>
-            <a:spLocks noGrp="1"/>
-          </p:cNvSpPr>
-          <p:nvPr>
-            <p:ph idx="1"/>
-          </p:nvPr>
-        </p:nvSpPr>
-        <p:spPr/>
-        <p:txBody>
-          <a:bodyPr/>
-          <a:lstStyle/>
-          <a:p>
-            <a:r>
-              <a:rPr lang="en-US" dirty="0" smtClean="0"/>
-              <a:t>What is the best way to distribute public clients</a:t>
-            </a:r>
-            <a:r>
-              <a:rPr lang="en-US" dirty="0"/>
-              <a:t> </a:t>
-            </a:r>
-            <a:r>
-              <a:rPr lang="en-US" dirty="0" smtClean="0"/>
-              <a:t>that will directly access the API </a:t>
-            </a:r>
-          </a:p>
-          <a:p>
-            <a:pPr lvl="1"/>
-            <a:r>
-              <a:rPr lang="en-US" dirty="0" smtClean="0"/>
-              <a:t>Desktop applications </a:t>
-            </a:r>
-          </a:p>
-          <a:p>
-            <a:pPr lvl="1"/>
-            <a:r>
-              <a:rPr lang="en-US" dirty="0" err="1" smtClean="0"/>
-              <a:t>Jupyter</a:t>
-            </a:r>
-            <a:r>
-              <a:rPr lang="en-US" dirty="0" smtClean="0"/>
-              <a:t> </a:t>
-            </a:r>
-          </a:p>
-          <a:p>
-            <a:pPr lvl="1"/>
-            <a:r>
-              <a:rPr lang="en-US" dirty="0" smtClean="0"/>
-              <a:t>Other scripts</a:t>
-            </a:r>
-          </a:p>
-          <a:p>
-            <a:r>
-              <a:rPr lang="en-US" dirty="0" smtClean="0"/>
-              <a:t>Issues with public clients</a:t>
-            </a:r>
-          </a:p>
-          <a:p>
-            <a:pPr lvl="1"/>
-            <a:r>
-              <a:rPr lang="en-US" dirty="0" smtClean="0"/>
-              <a:t>The clients themselves need client IDs and client secrets</a:t>
-            </a:r>
-          </a:p>
-          <a:p>
-            <a:pPr lvl="1"/>
-            <a:r>
-              <a:rPr lang="en-US" dirty="0" smtClean="0"/>
-              <a:t>Users of the clients must further authenticate themselves</a:t>
-            </a:r>
-          </a:p>
-          <a:p>
-            <a:pPr lvl="1"/>
-            <a:r>
-              <a:rPr lang="en-US" dirty="0" smtClean="0"/>
-              <a:t>This should work with non-browser clients</a:t>
-            </a:r>
-            <a:endParaRPr lang="en-US" dirty="0"/>
-          </a:p>
-        </p:txBody>
-      </p:sp>
-    </p:spTree>
-    <p:extLst>
-      <p:ext uri="{BB962C8B-B14F-4D97-AF65-F5344CB8AC3E}">
-        <p14:creationId xmlns:p14="http://schemas.microsoft.com/office/powerpoint/2010/main" val="8433336"/>
-      </p:ext>
-    </p:extLst>
-  </p:cSld>
-  <p:clrMapOvr>
-    <a:masterClrMapping/>
-  </p:clrMapOvr>
-</p:sld>
-</file>
-
-<file path=ppt/slides/slide43.xml><?xml version="1.0" encoding="utf-8"?>
-<p:sld xmlns:a="http://schemas.openxmlformats.org/drawingml/2006/main" xmlns:r="http://schemas.openxmlformats.org/officeDocument/2006/relationships" xmlns:p="http://schemas.openxmlformats.org/presentationml/2006/main">
-  <p:cSld>
-    <p:spTree>
-      <p:nvGrpSpPr>
-        <p:cNvPr id="1" name=""/>
-        <p:cNvGrpSpPr/>
-        <p:nvPr/>
-      </p:nvGrpSpPr>
-      <p:grpSpPr>
-        <a:xfrm>
-          <a:off x="0" y="0"/>
-          <a:ext cx="0" cy="0"/>
-          <a:chOff x="0" y="0"/>
-          <a:chExt cx="0" cy="0"/>
-        </a:xfrm>
-      </p:grpSpPr>
-    </p:spTree>
-    <p:extLst>
-      <p:ext uri="{BB962C8B-B14F-4D97-AF65-F5344CB8AC3E}">
-        <p14:creationId xmlns:p14="http://schemas.microsoft.com/office/powerpoint/2010/main" val="1117703063"/>
-      </p:ext>
-    </p:extLst>
-  </p:cSld>
-  <p:clrMapOvr>
-    <a:masterClrMapping/>
-  </p:clrMapOvr>
-  <p:timing>
-    <p:tnLst>
-      <p:par>
-        <p:cTn id="1" dur="indefinite" restart="never" nodeType="tmRoot"/>
-      </p:par>
-    </p:tnLst>
-  </p:timing>
-</p:sld>
-</file>
-
-<file path=ppt/slides/slide44.xml><?xml version="1.0" encoding="utf-8"?>
-<p:sld xmlns:a="http://schemas.openxmlformats.org/drawingml/2006/main" xmlns:r="http://schemas.openxmlformats.org/officeDocument/2006/relationships" xmlns:p="http://schemas.openxmlformats.org/presentationml/2006/main">
-  <p:cSld>
-    <p:spTree>
-      <p:nvGrpSpPr>
-        <p:cNvPr id="1" name=""/>
-        <p:cNvGrpSpPr/>
-        <p:nvPr/>
-      </p:nvGrpSpPr>
-      <p:grpSpPr>
-        <a:xfrm>
-          <a:off x="0" y="0"/>
-          <a:ext cx="0" cy="0"/>
-          <a:chOff x="0" y="0"/>
-          <a:chExt cx="0" cy="0"/>
-        </a:xfrm>
-      </p:grpSpPr>
-      <p:sp>
-        <p:nvSpPr>
-          <p:cNvPr id="4" name="Title 3"/>
-          <p:cNvSpPr>
-            <a:spLocks noGrp="1"/>
-          </p:cNvSpPr>
-          <p:nvPr>
-            <p:ph type="ctrTitle"/>
-          </p:nvPr>
-        </p:nvSpPr>
-        <p:spPr/>
-        <p:txBody>
-          <a:bodyPr/>
-          <a:lstStyle/>
-          <a:p>
-            <a:r>
-              <a:rPr lang="en-US" dirty="0" smtClean="0"/>
-              <a:t>OpenID Connect: A Summary</a:t>
-            </a:r>
-            <a:endParaRPr lang="en-US" dirty="0"/>
-          </a:p>
-        </p:txBody>
-      </p:sp>
-      <p:sp>
-        <p:nvSpPr>
-          <p:cNvPr id="5" name="Subtitle 4"/>
-          <p:cNvSpPr>
-            <a:spLocks noGrp="1"/>
-          </p:cNvSpPr>
-          <p:nvPr>
-            <p:ph type="subTitle" idx="1"/>
-          </p:nvPr>
-        </p:nvSpPr>
-        <p:spPr/>
-        <p:txBody>
-          <a:bodyPr/>
-          <a:lstStyle/>
-          <a:p>
-            <a:r>
-              <a:rPr lang="en-US" dirty="0" smtClean="0"/>
-              <a:t>An OAuth2-Based Authentication Protocol</a:t>
-            </a:r>
-            <a:endParaRPr lang="en-US" dirty="0"/>
-          </a:p>
-        </p:txBody>
-      </p:sp>
-      <p:sp>
-        <p:nvSpPr>
-          <p:cNvPr id="6" name="TextBox 5"/>
-          <p:cNvSpPr txBox="1"/>
-          <p:nvPr/>
-        </p:nvSpPr>
-        <p:spPr>
-          <a:xfrm>
-            <a:off x="4711806" y="5969000"/>
-            <a:ext cx="2768387" cy="369332"/>
-          </a:xfrm>
-          <a:prstGeom prst="rect">
-            <a:avLst/>
-          </a:prstGeom>
-          <a:noFill/>
-        </p:spPr>
-        <p:txBody>
-          <a:bodyPr wrap="none" rtlCol="0">
-            <a:spAutoFit/>
-          </a:bodyPr>
-          <a:lstStyle/>
-          <a:p>
-            <a:r>
-              <a:rPr lang="en-US" dirty="0"/>
-              <a:t>http://</a:t>
-            </a:r>
-            <a:r>
-              <a:rPr lang="en-US" dirty="0" err="1"/>
-              <a:t>openid.net</a:t>
-            </a:r>
-            <a:r>
-              <a:rPr lang="en-US" dirty="0"/>
-              <a:t>/connect/</a:t>
-            </a:r>
-          </a:p>
-        </p:txBody>
-      </p:sp>
-    </p:spTree>
-    <p:extLst>
-      <p:ext uri="{BB962C8B-B14F-4D97-AF65-F5344CB8AC3E}">
-        <p14:creationId xmlns:p14="http://schemas.microsoft.com/office/powerpoint/2010/main" val="770059250"/>
-      </p:ext>
-    </p:extLst>
-  </p:cSld>
-  <p:clrMapOvr>
-    <a:masterClrMapping/>
-  </p:clrMapOvr>
-  <p:timing>
-    <p:tnLst>
-      <p:par>
-        <p:cTn id="1" dur="indefinite" restart="never" nodeType="tmRoot"/>
-      </p:par>
-    </p:tnLst>
-  </p:timing>
-</p:sld>
-</file>
-
-<file path=ppt/slides/slide45.xml><?xml version="1.0" encoding="utf-8"?>
-<p:sld xmlns:a="http://schemas.openxmlformats.org/drawingml/2006/main" xmlns:r="http://schemas.openxmlformats.org/officeDocument/2006/relationships" xmlns:p="http://schemas.openxmlformats.org/presentationml/2006/main">
-  <p:cSld>
-    <p:spTree>
-      <p:nvGrpSpPr>
-        <p:cNvPr id="1" name=""/>
-        <p:cNvGrpSpPr/>
-        <p:nvPr/>
-      </p:nvGrpSpPr>
-      <p:grpSpPr>
-        <a:xfrm>
-          <a:off x="0" y="0"/>
-          <a:ext cx="0" cy="0"/>
-          <a:chOff x="0" y="0"/>
-          <a:chExt cx="0" cy="0"/>
-        </a:xfrm>
-      </p:grpSpPr>
-      <p:sp>
-        <p:nvSpPr>
-          <p:cNvPr id="2" name="Title 1"/>
-          <p:cNvSpPr>
-            <a:spLocks noGrp="1"/>
-          </p:cNvSpPr>
-          <p:nvPr>
-            <p:ph type="title"/>
-          </p:nvPr>
-        </p:nvSpPr>
-        <p:spPr/>
-        <p:txBody>
-          <a:bodyPr/>
-          <a:lstStyle/>
-          <a:p>
-            <a:r>
-              <a:rPr lang="en-US" dirty="0" smtClean="0"/>
-              <a:t>Why OpenID Connect?</a:t>
-            </a:r>
-            <a:endParaRPr lang="en-US" dirty="0"/>
-          </a:p>
-        </p:txBody>
-      </p:sp>
-      <p:sp>
-        <p:nvSpPr>
-          <p:cNvPr id="3" name="Content Placeholder 2"/>
-          <p:cNvSpPr>
-            <a:spLocks noGrp="1"/>
-          </p:cNvSpPr>
-          <p:nvPr>
-            <p:ph idx="1"/>
-          </p:nvPr>
-        </p:nvSpPr>
-        <p:spPr/>
-        <p:txBody>
-          <a:bodyPr>
-            <a:normAutofit fontScale="85000" lnSpcReduction="10000"/>
-          </a:bodyPr>
-          <a:lstStyle/>
-          <a:p>
-            <a:r>
-              <a:rPr lang="en-US" dirty="0" smtClean="0"/>
-              <a:t>Authentication as a Service</a:t>
-            </a:r>
-          </a:p>
-          <a:p>
-            <a:pPr lvl="1"/>
-            <a:r>
-              <a:rPr lang="en-US" dirty="0" smtClean="0"/>
-              <a:t>Don</a:t>
-            </a:r>
-            <a:r>
-              <a:rPr lang="uk-UA" dirty="0" smtClean="0"/>
-              <a:t>’</a:t>
-            </a:r>
-            <a:r>
-              <a:rPr lang="en-US" dirty="0" smtClean="0"/>
-              <a:t>t run your own authentication service</a:t>
-            </a:r>
-          </a:p>
-          <a:p>
-            <a:pPr lvl="1"/>
-            <a:r>
-              <a:rPr lang="en-US" dirty="0" smtClean="0"/>
-              <a:t>Use a trusted service instead</a:t>
-            </a:r>
-          </a:p>
-          <a:p>
-            <a:pPr lvl="1"/>
-            <a:r>
-              <a:rPr lang="en-US" dirty="0" smtClean="0"/>
-              <a:t>Authentication mechanisms and details handled by the service.</a:t>
-            </a:r>
-          </a:p>
-          <a:p>
-            <a:r>
-              <a:rPr lang="en-US" dirty="0" smtClean="0"/>
-              <a:t>Why? The trusted Identity Provider (</a:t>
-            </a:r>
-            <a:r>
-              <a:rPr lang="en-US" dirty="0" err="1" smtClean="0"/>
-              <a:t>IdP</a:t>
-            </a:r>
-            <a:r>
-              <a:rPr lang="en-US" dirty="0" smtClean="0"/>
-              <a:t>) absorbs lots of headaches</a:t>
-            </a:r>
-          </a:p>
-          <a:p>
-            <a:pPr lvl="1"/>
-            <a:r>
-              <a:rPr lang="en-US" dirty="0" smtClean="0"/>
-              <a:t>Best practices and implementations for securing user accounts and information.</a:t>
-            </a:r>
-          </a:p>
-          <a:p>
-            <a:pPr lvl="1"/>
-            <a:r>
-              <a:rPr lang="en-US" dirty="0" smtClean="0"/>
-              <a:t>Avoids the need to provide separate identity management for every application</a:t>
-            </a:r>
-          </a:p>
-          <a:p>
-            <a:pPr lvl="1"/>
-            <a:r>
-              <a:rPr lang="en-US" dirty="0" smtClean="0"/>
-              <a:t>Handles federated identities.</a:t>
-            </a:r>
-          </a:p>
-          <a:p>
-            <a:pPr lvl="1"/>
-            <a:r>
-              <a:rPr lang="en-US" dirty="0" smtClean="0"/>
-              <a:t>Handles advanced authentication mechanisms such as two-factor authentication</a:t>
-            </a:r>
-          </a:p>
-          <a:p>
-            <a:r>
-              <a:rPr lang="en-US" dirty="0" smtClean="0"/>
-              <a:t>Examples</a:t>
-            </a:r>
-          </a:p>
-          <a:p>
-            <a:pPr lvl="1"/>
-            <a:r>
-              <a:rPr lang="en-US" dirty="0" smtClean="0"/>
-              <a:t>CAS: not OpenID Connect based, but similar</a:t>
-            </a:r>
-          </a:p>
-          <a:p>
-            <a:pPr lvl="1"/>
-            <a:r>
-              <a:rPr lang="en-US" dirty="0" err="1" smtClean="0"/>
-              <a:t>Keycloak</a:t>
-            </a:r>
-            <a:r>
-              <a:rPr lang="en-US" dirty="0" smtClean="0"/>
-              <a:t>: </a:t>
-            </a:r>
-            <a:r>
-              <a:rPr lang="en-US" dirty="0" smtClean="0"/>
-              <a:t>Open source software for running your own </a:t>
-            </a:r>
-            <a:r>
-              <a:rPr lang="en-US" dirty="0" err="1" smtClean="0"/>
-              <a:t>IdP</a:t>
-            </a:r>
-            <a:r>
-              <a:rPr lang="en-US" dirty="0" smtClean="0"/>
-              <a:t>. We use </a:t>
-            </a:r>
-            <a:r>
-              <a:rPr lang="en-US" dirty="0" smtClean="0"/>
-              <a:t>this for </a:t>
-            </a:r>
-            <a:r>
-              <a:rPr lang="en-US" dirty="0" smtClean="0"/>
-              <a:t>Apache Airavata.</a:t>
-            </a:r>
-          </a:p>
-          <a:p>
-            <a:pPr lvl="1"/>
-            <a:r>
-              <a:rPr lang="en-US" dirty="0" smtClean="0"/>
-              <a:t>Google, Microsoft, Salesforce, </a:t>
-            </a:r>
-            <a:r>
-              <a:rPr lang="en-US" dirty="0" err="1" smtClean="0"/>
-              <a:t>Paypal</a:t>
-            </a:r>
-            <a:r>
-              <a:rPr lang="en-US" dirty="0" smtClean="0"/>
-              <a:t>, Yahoo (whoops...)</a:t>
-            </a:r>
-          </a:p>
-        </p:txBody>
-      </p:sp>
-    </p:spTree>
-    <p:extLst>
-      <p:ext uri="{BB962C8B-B14F-4D97-AF65-F5344CB8AC3E}">
-        <p14:creationId xmlns:p14="http://schemas.microsoft.com/office/powerpoint/2010/main" val="1649357928"/>
-      </p:ext>
-    </p:extLst>
-  </p:cSld>
-  <p:clrMapOvr>
-    <a:masterClrMapping/>
-  </p:clrMapOvr>
-  <p:timing>
-    <p:tnLst>
-      <p:par>
-        <p:cTn id="1" dur="indefinite" restart="never" nodeType="tmRoot"/>
-      </p:par>
-    </p:tnLst>
-  </p:timing>
-</p:sld>
-</file>
-
-<file path=ppt/slides/slide46.xml><?xml version="1.0" encoding="utf-8"?>
-<p:sld xmlns:a="http://schemas.openxmlformats.org/drawingml/2006/main" xmlns:r="http://schemas.openxmlformats.org/officeDocument/2006/relationships" xmlns:p="http://schemas.openxmlformats.org/presentationml/2006/main">
-  <p:cSld>
-    <p:spTree>
-      <p:nvGrpSpPr>
-        <p:cNvPr id="1" name=""/>
-        <p:cNvGrpSpPr/>
-        <p:nvPr/>
-      </p:nvGrpSpPr>
-      <p:grpSpPr>
-        <a:xfrm>
-          <a:off x="0" y="0"/>
-          <a:ext cx="0" cy="0"/>
-          <a:chOff x="0" y="0"/>
-          <a:chExt cx="0" cy="0"/>
-        </a:xfrm>
-      </p:grpSpPr>
-      <p:sp>
-        <p:nvSpPr>
-          <p:cNvPr id="2" name="Title 1"/>
-          <p:cNvSpPr>
-            <a:spLocks noGrp="1"/>
-          </p:cNvSpPr>
-          <p:nvPr>
-            <p:ph type="title"/>
-          </p:nvPr>
-        </p:nvSpPr>
-        <p:spPr/>
-        <p:txBody>
-          <a:bodyPr/>
-          <a:lstStyle/>
-          <a:p>
-            <a:r>
-              <a:rPr lang="en-US" dirty="0" smtClean="0"/>
-              <a:t>OAuth2 and OpenID Connect</a:t>
-            </a:r>
-            <a:endParaRPr lang="en-US" dirty="0"/>
-          </a:p>
-        </p:txBody>
-      </p:sp>
-      <p:sp>
-        <p:nvSpPr>
-          <p:cNvPr id="3" name="Content Placeholder 2"/>
-          <p:cNvSpPr>
-            <a:spLocks noGrp="1"/>
-          </p:cNvSpPr>
-          <p:nvPr>
-            <p:ph idx="1"/>
-          </p:nvPr>
-        </p:nvSpPr>
-        <p:spPr/>
-        <p:txBody>
-          <a:bodyPr/>
-          <a:lstStyle/>
-          <a:p>
-            <a:r>
-              <a:rPr lang="en-US" dirty="0" smtClean="0"/>
-              <a:t>OAuth2 is used to authorize clients to access resources using access tokens.</a:t>
-            </a:r>
-          </a:p>
-          <a:p>
-            <a:pPr lvl="1"/>
-            <a:r>
-              <a:rPr lang="en-US" dirty="0" smtClean="0"/>
-              <a:t>Establishing client identity is a one-time operation</a:t>
-            </a:r>
-          </a:p>
-          <a:p>
-            <a:pPr lvl="1"/>
-            <a:r>
-              <a:rPr lang="en-US" dirty="0" smtClean="0"/>
-              <a:t>Access tokens are used to access services.</a:t>
-            </a:r>
-          </a:p>
-          <a:p>
-            <a:r>
-              <a:rPr lang="en-US" dirty="0" smtClean="0"/>
-              <a:t>OpenID Connect uses the same ideas to authenticate users before they can access services.</a:t>
-            </a:r>
-          </a:p>
-          <a:p>
-            <a:r>
-              <a:rPr lang="en-US" dirty="0" smtClean="0"/>
-              <a:t>Clients can also obtain </a:t>
-            </a:r>
-            <a:r>
-              <a:rPr lang="en-US" dirty="0"/>
-              <a:t>basic profile information about the </a:t>
-            </a:r>
-            <a:r>
-              <a:rPr lang="en-US" dirty="0" smtClean="0"/>
-              <a:t>user </a:t>
-            </a:r>
-            <a:r>
-              <a:rPr lang="en-US" dirty="0"/>
-              <a:t>in an interoperable and REST-like manner</a:t>
-            </a:r>
-            <a:r>
-              <a:rPr lang="en-US" dirty="0" smtClean="0"/>
-              <a:t>.</a:t>
-            </a:r>
-          </a:p>
-          <a:p>
-            <a:pPr lvl="1"/>
-            <a:r>
-              <a:rPr lang="en-US" dirty="0" smtClean="0"/>
-              <a:t>Suitable for APIs, not just browser clients</a:t>
-            </a:r>
-            <a:endParaRPr lang="en-US" dirty="0"/>
-          </a:p>
-        </p:txBody>
-      </p:sp>
-    </p:spTree>
-    <p:extLst>
-      <p:ext uri="{BB962C8B-B14F-4D97-AF65-F5344CB8AC3E}">
-        <p14:creationId xmlns:p14="http://schemas.microsoft.com/office/powerpoint/2010/main" val="1039780420"/>
-      </p:ext>
-    </p:extLst>
-  </p:cSld>
-  <p:clrMapOvr>
-    <a:masterClrMapping/>
-  </p:clrMapOvr>
-  <p:timing>
-    <p:tnLst>
-      <p:par>
-        <p:cTn id="1" dur="indefinite" restart="never" nodeType="tmRoot"/>
-      </p:par>
-    </p:tnLst>
-  </p:timing>
-</p:sld>
-</file>
-
-<file path=ppt/slides/slide47.xml><?xml version="1.0" encoding="utf-8"?>
-<p:sld xmlns:a="http://schemas.openxmlformats.org/drawingml/2006/main" xmlns:r="http://schemas.openxmlformats.org/officeDocument/2006/relationships" xmlns:p="http://schemas.openxmlformats.org/presentationml/2006/main">
-  <p:cSld>
-    <p:spTree>
-      <p:nvGrpSpPr>
-        <p:cNvPr id="1" name=""/>
-        <p:cNvGrpSpPr/>
-        <p:nvPr/>
-      </p:nvGrpSpPr>
-      <p:grpSpPr>
-        <a:xfrm>
-          <a:off x="0" y="0"/>
-          <a:ext cx="0" cy="0"/>
-          <a:chOff x="0" y="0"/>
-          <a:chExt cx="0" cy="0"/>
-        </a:xfrm>
-      </p:grpSpPr>
-      <p:sp>
-        <p:nvSpPr>
-          <p:cNvPr id="4" name="Rectangle 3"/>
-          <p:cNvSpPr/>
-          <p:nvPr/>
-        </p:nvSpPr>
-        <p:spPr>
-          <a:xfrm>
-            <a:off x="1562100" y="3225800"/>
-            <a:ext cx="2501900" cy="1397000"/>
-          </a:xfrm>
-          <a:prstGeom prst="rect">
-            <a:avLst/>
-          </a:prstGeom>
-        </p:spPr>
-        <p:style>
-          <a:lnRef idx="2">
-            <a:schemeClr val="accent2">
-              <a:shade val="50000"/>
-            </a:schemeClr>
-          </a:lnRef>
-          <a:fillRef idx="1">
-            <a:schemeClr val="accent2"/>
-          </a:fillRef>
-          <a:effectRef idx="0">
-            <a:schemeClr val="accent2"/>
-          </a:effectRef>
-          <a:fontRef idx="minor">
-            <a:schemeClr val="lt1"/>
-          </a:fontRef>
-        </p:style>
-        <p:txBody>
-          <a:bodyPr rtlCol="0" anchor="ctr"/>
-          <a:lstStyle/>
-          <a:p>
-            <a:pPr algn="ctr"/>
-            <a:r>
-              <a:rPr lang="en-US" sz="2400" dirty="0" smtClean="0"/>
-              <a:t>User + Browser</a:t>
-            </a:r>
-            <a:endParaRPr lang="en-US" sz="2400" dirty="0"/>
-          </a:p>
-        </p:txBody>
-      </p:sp>
-      <p:sp>
-        <p:nvSpPr>
-          <p:cNvPr id="5" name="Rectangle 4"/>
-          <p:cNvSpPr/>
-          <p:nvPr/>
-        </p:nvSpPr>
-        <p:spPr>
-          <a:xfrm>
-            <a:off x="6578600" y="3225800"/>
-            <a:ext cx="2501900" cy="1397000"/>
-          </a:xfrm>
-          <a:prstGeom prst="rect">
-            <a:avLst/>
-          </a:prstGeom>
-        </p:spPr>
-        <p:style>
-          <a:lnRef idx="2">
-            <a:schemeClr val="accent6">
-              <a:shade val="50000"/>
-            </a:schemeClr>
-          </a:lnRef>
-          <a:fillRef idx="1">
-            <a:schemeClr val="accent6"/>
-          </a:fillRef>
-          <a:effectRef idx="0">
-            <a:schemeClr val="accent6"/>
-          </a:effectRef>
-          <a:fontRef idx="minor">
-            <a:schemeClr val="lt1"/>
-          </a:fontRef>
-        </p:style>
-        <p:txBody>
-          <a:bodyPr rtlCol="0" anchor="ctr"/>
-          <a:lstStyle/>
-          <a:p>
-            <a:pPr algn="ctr"/>
-            <a:r>
-              <a:rPr lang="en-US" sz="2400" dirty="0" smtClean="0"/>
-              <a:t>Web Application in Server</a:t>
-            </a:r>
-            <a:endParaRPr lang="en-US" sz="2400" dirty="0"/>
-          </a:p>
-        </p:txBody>
-      </p:sp>
-      <p:sp>
-        <p:nvSpPr>
-          <p:cNvPr id="6" name="Title 5"/>
-          <p:cNvSpPr>
-            <a:spLocks noGrp="1"/>
-          </p:cNvSpPr>
-          <p:nvPr>
-            <p:ph type="title"/>
-          </p:nvPr>
-        </p:nvSpPr>
-        <p:spPr/>
-        <p:txBody>
-          <a:bodyPr/>
-          <a:lstStyle/>
-          <a:p>
-            <a:r>
-              <a:rPr lang="en-US" dirty="0" smtClean="0"/>
-              <a:t>Direct Authentication</a:t>
-            </a:r>
-            <a:endParaRPr lang="en-US" dirty="0"/>
-          </a:p>
-        </p:txBody>
-      </p:sp>
-      <p:cxnSp>
-        <p:nvCxnSpPr>
-          <p:cNvPr id="8" name="Straight Arrow Connector 7"/>
-          <p:cNvCxnSpPr>
-            <a:stCxn id="4" idx="3"/>
-            <a:endCxn id="5" idx="1"/>
-          </p:cNvCxnSpPr>
-          <p:nvPr/>
-        </p:nvCxnSpPr>
-        <p:spPr>
-          <a:xfrm>
-            <a:off x="4064000" y="3924300"/>
-            <a:ext cx="2514600" cy="0"/>
-          </a:xfrm>
-          <a:prstGeom prst="straightConnector1">
-            <a:avLst/>
-          </a:prstGeom>
-          <a:ln>
-            <a:headEnd type="triangle"/>
-            <a:tailEnd type="triangle"/>
-          </a:ln>
-        </p:spPr>
-        <p:style>
-          <a:lnRef idx="1">
-            <a:schemeClr val="accent1"/>
-          </a:lnRef>
-          <a:fillRef idx="0">
-            <a:schemeClr val="accent1"/>
-          </a:fillRef>
-          <a:effectRef idx="0">
-            <a:schemeClr val="accent1"/>
-          </a:effectRef>
-          <a:fontRef idx="minor">
-            <a:schemeClr val="tx1"/>
-          </a:fontRef>
-        </p:style>
-      </p:cxnSp>
-      <p:sp>
-        <p:nvSpPr>
-          <p:cNvPr id="12" name="Can 11"/>
-          <p:cNvSpPr/>
-          <p:nvPr/>
-        </p:nvSpPr>
-        <p:spPr>
-          <a:xfrm>
-            <a:off x="7137400" y="5180012"/>
-            <a:ext cx="1377950" cy="1131888"/>
-          </a:xfrm>
-          <a:prstGeom prst="can">
-            <a:avLst/>
-          </a:prstGeom>
-        </p:spPr>
-        <p:style>
-          <a:lnRef idx="2">
-            <a:schemeClr val="accent4">
-              <a:shade val="50000"/>
-            </a:schemeClr>
-          </a:lnRef>
-          <a:fillRef idx="1">
-            <a:schemeClr val="accent4"/>
-          </a:fillRef>
-          <a:effectRef idx="0">
-            <a:schemeClr val="accent4"/>
-          </a:effectRef>
-          <a:fontRef idx="minor">
-            <a:schemeClr val="lt1"/>
-          </a:fontRef>
-        </p:style>
-        <p:txBody>
-          <a:bodyPr rtlCol="0" anchor="ctr"/>
-          <a:lstStyle/>
-          <a:p>
-            <a:pPr algn="ctr"/>
-            <a:r>
-              <a:rPr lang="en-US" sz="2400" dirty="0" smtClean="0"/>
-              <a:t>User DB</a:t>
-            </a:r>
-            <a:endParaRPr lang="en-US" sz="2400" dirty="0"/>
-          </a:p>
-        </p:txBody>
-      </p:sp>
-      <p:cxnSp>
-        <p:nvCxnSpPr>
-          <p:cNvPr id="14" name="Straight Arrow Connector 13"/>
-          <p:cNvCxnSpPr>
-            <a:stCxn id="5" idx="2"/>
-            <a:endCxn id="12" idx="1"/>
-          </p:cNvCxnSpPr>
-          <p:nvPr/>
-        </p:nvCxnSpPr>
-        <p:spPr>
-          <a:xfrm flipH="1">
-            <a:off x="7826375" y="4622800"/>
-            <a:ext cx="3175" cy="557212"/>
-          </a:xfrm>
-          <a:prstGeom prst="straightConnector1">
-            <a:avLst/>
-          </a:prstGeom>
-          <a:ln>
-            <a:headEnd type="triangle"/>
-            <a:tailEnd type="triangle"/>
-          </a:ln>
-        </p:spPr>
-        <p:style>
-          <a:lnRef idx="1">
-            <a:schemeClr val="accent1"/>
-          </a:lnRef>
-          <a:fillRef idx="0">
-            <a:schemeClr val="accent1"/>
-          </a:fillRef>
-          <a:effectRef idx="0">
-            <a:schemeClr val="accent1"/>
-          </a:effectRef>
-          <a:fontRef idx="minor">
-            <a:schemeClr val="tx1"/>
-          </a:fontRef>
-        </p:style>
-      </p:cxnSp>
-      <p:sp>
-        <p:nvSpPr>
-          <p:cNvPr id="17" name="TextBox 16"/>
-          <p:cNvSpPr txBox="1"/>
-          <p:nvPr/>
-        </p:nvSpPr>
-        <p:spPr>
-          <a:xfrm>
-            <a:off x="4328977" y="4088368"/>
-            <a:ext cx="1984646" cy="369332"/>
-          </a:xfrm>
-          <a:prstGeom prst="rect">
-            <a:avLst/>
-          </a:prstGeom>
-          <a:noFill/>
-        </p:spPr>
-        <p:txBody>
-          <a:bodyPr wrap="none" rtlCol="0">
-            <a:spAutoFit/>
-          </a:bodyPr>
-          <a:lstStyle/>
-          <a:p>
-            <a:r>
-              <a:rPr lang="en-US" dirty="0" smtClean="0"/>
-              <a:t>HTTPS + Basic </a:t>
-            </a:r>
-            <a:r>
-              <a:rPr lang="en-US" dirty="0" err="1" smtClean="0"/>
-              <a:t>Auth</a:t>
-            </a:r>
-            <a:endParaRPr lang="en-US" dirty="0"/>
-          </a:p>
-        </p:txBody>
-      </p:sp>
-    </p:spTree>
-    <p:extLst>
-      <p:ext uri="{BB962C8B-B14F-4D97-AF65-F5344CB8AC3E}">
-        <p14:creationId xmlns:p14="http://schemas.microsoft.com/office/powerpoint/2010/main" val="1515083301"/>
-      </p:ext>
-    </p:extLst>
-  </p:cSld>
-  <p:clrMapOvr>
-    <a:masterClrMapping/>
-  </p:clrMapOvr>
-  <p:timing>
-    <p:tnLst>
-      <p:par>
-        <p:cTn id="1" dur="indefinite" restart="never" nodeType="tmRoot"/>
-      </p:par>
-    </p:tnLst>
-  </p:timing>
-</p:sld>
-</file>
-
-<file path=ppt/slides/slide48.xml><?xml version="1.0" encoding="utf-8"?>
-<p:sld xmlns:a="http://schemas.openxmlformats.org/drawingml/2006/main" xmlns:r="http://schemas.openxmlformats.org/officeDocument/2006/relationships" xmlns:p="http://schemas.openxmlformats.org/presentationml/2006/main">
-  <p:cSld>
-    <p:spTree>
-      <p:nvGrpSpPr>
-        <p:cNvPr id="1" name=""/>
-        <p:cNvGrpSpPr/>
-        <p:nvPr/>
-      </p:nvGrpSpPr>
-      <p:grpSpPr>
-        <a:xfrm>
-          <a:off x="0" y="0"/>
-          <a:ext cx="0" cy="0"/>
-          <a:chOff x="0" y="0"/>
-          <a:chExt cx="0" cy="0"/>
-        </a:xfrm>
-      </p:grpSpPr>
-      <p:sp>
-        <p:nvSpPr>
-          <p:cNvPr id="2" name="Title 1"/>
-          <p:cNvSpPr>
-            <a:spLocks noGrp="1"/>
-          </p:cNvSpPr>
-          <p:nvPr>
-            <p:ph type="title"/>
-          </p:nvPr>
-        </p:nvSpPr>
-        <p:spPr/>
-        <p:txBody>
-          <a:bodyPr/>
-          <a:lstStyle/>
-          <a:p>
-            <a:r>
-              <a:rPr lang="en-US" dirty="0" smtClean="0"/>
-              <a:t>Authentication as a Service</a:t>
-            </a:r>
-            <a:endParaRPr lang="en-US" dirty="0"/>
-          </a:p>
-        </p:txBody>
-      </p:sp>
-      <p:sp>
-        <p:nvSpPr>
-          <p:cNvPr id="3" name="Rectangle 2"/>
-          <p:cNvSpPr/>
-          <p:nvPr/>
-        </p:nvSpPr>
-        <p:spPr>
-          <a:xfrm>
-            <a:off x="2413000" y="3378200"/>
-            <a:ext cx="2501900" cy="1397000"/>
-          </a:xfrm>
-          <a:prstGeom prst="rect">
-            <a:avLst/>
-          </a:prstGeom>
-        </p:spPr>
-        <p:style>
-          <a:lnRef idx="2">
-            <a:schemeClr val="accent2">
-              <a:shade val="50000"/>
-            </a:schemeClr>
-          </a:lnRef>
-          <a:fillRef idx="1">
-            <a:schemeClr val="accent2"/>
-          </a:fillRef>
-          <a:effectRef idx="0">
-            <a:schemeClr val="accent2"/>
-          </a:effectRef>
-          <a:fontRef idx="minor">
-            <a:schemeClr val="lt1"/>
-          </a:fontRef>
-        </p:style>
-        <p:txBody>
-          <a:bodyPr rtlCol="0" anchor="ctr"/>
-          <a:lstStyle/>
-          <a:p>
-            <a:pPr algn="ctr"/>
-            <a:r>
-              <a:rPr lang="en-US" sz="2400" dirty="0" smtClean="0"/>
-              <a:t>User + Browser</a:t>
-            </a:r>
-            <a:endParaRPr lang="en-US" sz="2400" dirty="0"/>
-          </a:p>
-        </p:txBody>
-      </p:sp>
-      <p:sp>
-        <p:nvSpPr>
-          <p:cNvPr id="4" name="Rectangle 3"/>
-          <p:cNvSpPr/>
-          <p:nvPr/>
-        </p:nvSpPr>
-        <p:spPr>
-          <a:xfrm>
-            <a:off x="7226300" y="4724400"/>
-            <a:ext cx="2501900" cy="1397000"/>
-          </a:xfrm>
-          <a:prstGeom prst="rect">
-            <a:avLst/>
-          </a:prstGeom>
-        </p:spPr>
-        <p:style>
-          <a:lnRef idx="2">
-            <a:schemeClr val="accent4">
-              <a:shade val="50000"/>
-            </a:schemeClr>
-          </a:lnRef>
-          <a:fillRef idx="1">
-            <a:schemeClr val="accent4"/>
-          </a:fillRef>
-          <a:effectRef idx="0">
-            <a:schemeClr val="accent4"/>
-          </a:effectRef>
-          <a:fontRef idx="minor">
-            <a:schemeClr val="lt1"/>
-          </a:fontRef>
-        </p:style>
-        <p:txBody>
-          <a:bodyPr rtlCol="0" anchor="ctr"/>
-          <a:lstStyle/>
-          <a:p>
-            <a:pPr algn="ctr"/>
-            <a:r>
-              <a:rPr lang="en-US" sz="2400" dirty="0" smtClean="0"/>
-              <a:t>Web Application in Server</a:t>
-            </a:r>
-            <a:endParaRPr lang="en-US" sz="2400" dirty="0"/>
-          </a:p>
-        </p:txBody>
-      </p:sp>
-      <p:sp>
-        <p:nvSpPr>
-          <p:cNvPr id="15" name="Rectangle 14"/>
-          <p:cNvSpPr/>
-          <p:nvPr/>
-        </p:nvSpPr>
-        <p:spPr>
-          <a:xfrm>
-            <a:off x="7226300" y="1981200"/>
-            <a:ext cx="2501900" cy="1397000"/>
-          </a:xfrm>
-          <a:prstGeom prst="rect">
-            <a:avLst/>
-          </a:prstGeom>
-        </p:spPr>
-        <p:style>
-          <a:lnRef idx="2">
-            <a:schemeClr val="accent6">
-              <a:shade val="50000"/>
-            </a:schemeClr>
-          </a:lnRef>
-          <a:fillRef idx="1">
-            <a:schemeClr val="accent6"/>
-          </a:fillRef>
-          <a:effectRef idx="0">
-            <a:schemeClr val="accent6"/>
-          </a:effectRef>
-          <a:fontRef idx="minor">
-            <a:schemeClr val="lt1"/>
-          </a:fontRef>
-        </p:style>
-        <p:txBody>
-          <a:bodyPr rtlCol="0" anchor="ctr"/>
-          <a:lstStyle/>
-          <a:p>
-            <a:pPr algn="ctr"/>
-            <a:r>
-              <a:rPr lang="en-US" sz="2400" smtClean="0"/>
-              <a:t>IdP</a:t>
-            </a:r>
-            <a:endParaRPr lang="en-US" sz="2400" dirty="0"/>
-          </a:p>
-        </p:txBody>
-      </p:sp>
-      <p:cxnSp>
-        <p:nvCxnSpPr>
-          <p:cNvPr id="17" name="Straight Arrow Connector 16"/>
-          <p:cNvCxnSpPr>
-            <a:stCxn id="3" idx="3"/>
-            <a:endCxn id="4" idx="1"/>
-          </p:cNvCxnSpPr>
-          <p:nvPr/>
-        </p:nvCxnSpPr>
-        <p:spPr>
-          <a:xfrm>
-            <a:off x="4914900" y="4076700"/>
-            <a:ext cx="2311400" cy="1346200"/>
-          </a:xfrm>
-          <a:prstGeom prst="straightConnector1">
-            <a:avLst/>
-          </a:prstGeom>
-          <a:ln>
-            <a:headEnd type="triangle"/>
-            <a:tailEnd type="triangle"/>
-          </a:ln>
-        </p:spPr>
-        <p:style>
-          <a:lnRef idx="1">
-            <a:schemeClr val="accent1"/>
-          </a:lnRef>
-          <a:fillRef idx="0">
-            <a:schemeClr val="accent1"/>
-          </a:fillRef>
-          <a:effectRef idx="0">
-            <a:schemeClr val="accent1"/>
-          </a:effectRef>
-          <a:fontRef idx="minor">
-            <a:schemeClr val="tx1"/>
-          </a:fontRef>
-        </p:style>
-      </p:cxnSp>
-      <p:cxnSp>
-        <p:nvCxnSpPr>
-          <p:cNvPr id="18" name="Straight Arrow Connector 17"/>
-          <p:cNvCxnSpPr>
-            <a:stCxn id="3" idx="3"/>
-            <a:endCxn id="15" idx="1"/>
-          </p:cNvCxnSpPr>
-          <p:nvPr/>
-        </p:nvCxnSpPr>
-        <p:spPr>
-          <a:xfrm flipV="1">
-            <a:off x="4914900" y="2679700"/>
-            <a:ext cx="2311400" cy="1397000"/>
-          </a:xfrm>
-          <a:prstGeom prst="straightConnector1">
-            <a:avLst/>
-          </a:prstGeom>
-          <a:ln>
-            <a:headEnd type="triangle"/>
-            <a:tailEnd type="triangle"/>
-          </a:ln>
-        </p:spPr>
-        <p:style>
-          <a:lnRef idx="1">
-            <a:schemeClr val="accent1"/>
-          </a:lnRef>
-          <a:fillRef idx="0">
-            <a:schemeClr val="accent1"/>
-          </a:fillRef>
-          <a:effectRef idx="0">
-            <a:schemeClr val="accent1"/>
-          </a:effectRef>
-          <a:fontRef idx="minor">
-            <a:schemeClr val="tx1"/>
-          </a:fontRef>
-        </p:style>
-      </p:cxnSp>
-      <p:cxnSp>
-        <p:nvCxnSpPr>
-          <p:cNvPr id="21" name="Straight Arrow Connector 20"/>
-          <p:cNvCxnSpPr>
-            <a:stCxn id="4" idx="0"/>
-            <a:endCxn id="15" idx="2"/>
-          </p:cNvCxnSpPr>
-          <p:nvPr/>
-        </p:nvCxnSpPr>
-        <p:spPr>
-          <a:xfrm flipV="1">
-            <a:off x="8477250" y="3378200"/>
-            <a:ext cx="0" cy="1346200"/>
-          </a:xfrm>
-          <a:prstGeom prst="straightConnector1">
-            <a:avLst/>
-          </a:prstGeom>
-          <a:ln>
-            <a:headEnd type="triangle"/>
-            <a:tailEnd type="triangle"/>
-          </a:ln>
-        </p:spPr>
-        <p:style>
-          <a:lnRef idx="1">
-            <a:schemeClr val="accent1"/>
-          </a:lnRef>
-          <a:fillRef idx="0">
-            <a:schemeClr val="accent1"/>
-          </a:fillRef>
-          <a:effectRef idx="0">
-            <a:schemeClr val="accent1"/>
-          </a:effectRef>
-          <a:fontRef idx="minor">
-            <a:schemeClr val="tx1"/>
-          </a:fontRef>
-        </p:style>
-      </p:cxnSp>
-      <p:sp>
-        <p:nvSpPr>
-          <p:cNvPr id="26" name="TextBox 25"/>
-          <p:cNvSpPr txBox="1"/>
-          <p:nvPr/>
-        </p:nvSpPr>
-        <p:spPr>
-          <a:xfrm>
-            <a:off x="8826500" y="3892034"/>
-            <a:ext cx="3089948" cy="369332"/>
-          </a:xfrm>
-          <a:prstGeom prst="rect">
-            <a:avLst/>
-          </a:prstGeom>
-          <a:noFill/>
-        </p:spPr>
-        <p:txBody>
-          <a:bodyPr wrap="none" rtlCol="0">
-            <a:spAutoFit/>
-          </a:bodyPr>
-          <a:lstStyle/>
-          <a:p>
-            <a:r>
-              <a:rPr lang="en-US" dirty="0" smtClean="0"/>
-              <a:t>(3) </a:t>
-            </a:r>
-            <a:r>
-              <a:rPr lang="en-US" dirty="0" err="1" smtClean="0"/>
-              <a:t>IdP</a:t>
-            </a:r>
-            <a:r>
-              <a:rPr lang="en-US" dirty="0" smtClean="0"/>
-              <a:t> confirms authentication</a:t>
-            </a:r>
-            <a:endParaRPr lang="en-US" dirty="0"/>
-          </a:p>
-        </p:txBody>
-      </p:sp>
-      <p:sp>
-        <p:nvSpPr>
-          <p:cNvPr id="27" name="TextBox 26"/>
-          <p:cNvSpPr txBox="1"/>
-          <p:nvPr/>
-        </p:nvSpPr>
-        <p:spPr>
-          <a:xfrm>
-            <a:off x="4724867" y="2561729"/>
-            <a:ext cx="2337243" cy="369332"/>
-          </a:xfrm>
-          <a:prstGeom prst="rect">
-            <a:avLst/>
-          </a:prstGeom>
-          <a:noFill/>
-        </p:spPr>
-        <p:txBody>
-          <a:bodyPr wrap="none" rtlCol="0">
-            <a:spAutoFit/>
-          </a:bodyPr>
-          <a:lstStyle/>
-          <a:p>
-            <a:r>
-              <a:rPr lang="en-US" dirty="0" smtClean="0"/>
-              <a:t>(2) User Authenticates </a:t>
-            </a:r>
-            <a:endParaRPr lang="en-US" dirty="0"/>
-          </a:p>
-        </p:txBody>
-      </p:sp>
-      <p:sp>
-        <p:nvSpPr>
-          <p:cNvPr id="28" name="TextBox 27"/>
-          <p:cNvSpPr txBox="1"/>
-          <p:nvPr/>
-        </p:nvSpPr>
-        <p:spPr>
-          <a:xfrm>
-            <a:off x="4724867" y="5289034"/>
-            <a:ext cx="1980733" cy="923330"/>
-          </a:xfrm>
-          <a:prstGeom prst="rect">
-            <a:avLst/>
-          </a:prstGeom>
-          <a:noFill/>
-        </p:spPr>
-        <p:txBody>
-          <a:bodyPr wrap="square" rtlCol="0">
-            <a:spAutoFit/>
-          </a:bodyPr>
-          <a:lstStyle/>
-          <a:p>
-            <a:r>
-              <a:rPr lang="en-US" dirty="0" smtClean="0"/>
-              <a:t>(1)  Web App Redirects User to the </a:t>
-            </a:r>
-            <a:r>
-              <a:rPr lang="en-US" dirty="0" err="1" smtClean="0"/>
-              <a:t>IdP</a:t>
-            </a:r>
-            <a:endParaRPr lang="en-US" dirty="0" smtClean="0"/>
-          </a:p>
-        </p:txBody>
-      </p:sp>
-    </p:spTree>
-    <p:extLst>
-      <p:ext uri="{BB962C8B-B14F-4D97-AF65-F5344CB8AC3E}">
-        <p14:creationId xmlns:p14="http://schemas.microsoft.com/office/powerpoint/2010/main" val="1291437428"/>
-      </p:ext>
-    </p:extLst>
-  </p:cSld>
-  <p:clrMapOvr>
-    <a:masterClrMapping/>
-  </p:clrMapOvr>
-  <p:timing>
-    <p:tnLst>
-      <p:par>
-        <p:cTn id="1" dur="indefinite" restart="never" nodeType="tmRoot"/>
-      </p:par>
-    </p:tnLst>
-  </p:timing>
-</p:sld>
-</file>
-
-<file path=ppt/slides/slide49.xml><?xml version="1.0" encoding="utf-8"?>
-<p:sld xmlns:a="http://schemas.openxmlformats.org/drawingml/2006/main" xmlns:r="http://schemas.openxmlformats.org/officeDocument/2006/relationships" xmlns:p="http://schemas.openxmlformats.org/presentationml/2006/main">
-  <p:cSld>
-    <p:spTree>
-      <p:nvGrpSpPr>
-        <p:cNvPr id="1" name=""/>
-        <p:cNvGrpSpPr/>
-        <p:nvPr/>
-      </p:nvGrpSpPr>
-      <p:grpSpPr>
-        <a:xfrm>
-          <a:off x="0" y="0"/>
-          <a:ext cx="0" cy="0"/>
-          <a:chOff x="0" y="0"/>
-          <a:chExt cx="0" cy="0"/>
-        </a:xfrm>
-      </p:grpSpPr>
-      <p:pic>
-        <p:nvPicPr>
-          <p:cNvPr id="6" name="Picture 5"/>
-          <p:cNvPicPr>
-            <a:picLocks noChangeAspect="1"/>
-          </p:cNvPicPr>
-          <p:nvPr/>
-        </p:nvPicPr>
-        <p:blipFill>
-          <a:blip r:embed="rId2">
-            <a:extLst>
-              <a:ext uri="{28A0092B-C50C-407E-A947-70E740481C1C}">
-                <a14:useLocalDpi xmlns:a14="http://schemas.microsoft.com/office/drawing/2010/main" val="0"/>
-              </a:ext>
-            </a:extLst>
-          </a:blip>
-          <a:stretch>
-            <a:fillRect/>
-          </a:stretch>
-        </p:blipFill>
-        <p:spPr>
-          <a:xfrm>
-            <a:off x="1282700" y="101599"/>
-            <a:ext cx="9652000" cy="6087569"/>
-          </a:xfrm>
-          <a:prstGeom prst="rect">
-            <a:avLst/>
-          </a:prstGeom>
-        </p:spPr>
-      </p:pic>
-      <p:sp>
-        <p:nvSpPr>
-          <p:cNvPr id="4" name="Title 3"/>
-          <p:cNvSpPr>
-            <a:spLocks noGrp="1"/>
-          </p:cNvSpPr>
-          <p:nvPr>
-            <p:ph type="title"/>
-          </p:nvPr>
-        </p:nvSpPr>
-        <p:spPr>
-          <a:xfrm>
-            <a:off x="3581400" y="6019800"/>
-            <a:ext cx="4978400" cy="598488"/>
-          </a:xfrm>
-        </p:spPr>
-        <p:txBody>
-          <a:bodyPr>
-            <a:normAutofit fontScale="90000"/>
-          </a:bodyPr>
-          <a:lstStyle/>
-          <a:p>
-            <a:pPr algn="ctr"/>
-            <a:r>
-              <a:rPr lang="en-US" dirty="0" smtClean="0"/>
-              <a:t>Basic OIDC Flow</a:t>
-            </a:r>
-            <a:endParaRPr lang="en-US" dirty="0"/>
-          </a:p>
-        </p:txBody>
-      </p:sp>
-      <p:sp>
-        <p:nvSpPr>
-          <p:cNvPr id="8" name="TextBox 7"/>
-          <p:cNvSpPr txBox="1"/>
-          <p:nvPr/>
-        </p:nvSpPr>
-        <p:spPr>
-          <a:xfrm>
-            <a:off x="50800" y="2627699"/>
-            <a:ext cx="2082800" cy="646331"/>
-          </a:xfrm>
-          <a:prstGeom prst="rect">
-            <a:avLst/>
-          </a:prstGeom>
-        </p:spPr>
-        <p:style>
-          <a:lnRef idx="2">
-            <a:schemeClr val="accent3">
-              <a:shade val="50000"/>
-            </a:schemeClr>
-          </a:lnRef>
-          <a:fillRef idx="1">
-            <a:schemeClr val="accent3"/>
-          </a:fillRef>
-          <a:effectRef idx="0">
-            <a:schemeClr val="accent3"/>
-          </a:effectRef>
-          <a:fontRef idx="minor">
-            <a:schemeClr val="lt1"/>
-          </a:fontRef>
-        </p:style>
-        <p:txBody>
-          <a:bodyPr wrap="square" rtlCol="0">
-            <a:spAutoFit/>
-          </a:bodyPr>
-          <a:lstStyle/>
-          <a:p>
-            <a:r>
-              <a:rPr lang="en-US" dirty="0" smtClean="0"/>
-              <a:t>Relying Party. This is the OAuth2 Client. </a:t>
-            </a:r>
-            <a:endParaRPr lang="en-US" dirty="0"/>
-          </a:p>
-        </p:txBody>
-      </p:sp>
-      <p:sp>
-        <p:nvSpPr>
-          <p:cNvPr id="10" name="TextBox 9"/>
-          <p:cNvSpPr txBox="1"/>
-          <p:nvPr/>
-        </p:nvSpPr>
-        <p:spPr>
-          <a:xfrm>
-            <a:off x="10033000" y="2489200"/>
-            <a:ext cx="2082800" cy="923330"/>
-          </a:xfrm>
-          <a:prstGeom prst="rect">
-            <a:avLst/>
-          </a:prstGeom>
-        </p:spPr>
-        <p:style>
-          <a:lnRef idx="2">
-            <a:schemeClr val="accent3">
-              <a:shade val="50000"/>
-            </a:schemeClr>
-          </a:lnRef>
-          <a:fillRef idx="1">
-            <a:schemeClr val="accent3"/>
-          </a:fillRef>
-          <a:effectRef idx="0">
-            <a:schemeClr val="accent3"/>
-          </a:effectRef>
-          <a:fontRef idx="minor">
-            <a:schemeClr val="lt1"/>
-          </a:fontRef>
-        </p:style>
-        <p:txBody>
-          <a:bodyPr wrap="square" rtlCol="0">
-            <a:spAutoFit/>
-          </a:bodyPr>
-          <a:lstStyle/>
-          <a:p>
-            <a:r>
-              <a:rPr lang="en-US" dirty="0" smtClean="0"/>
-              <a:t>OpenID Connect Provider (i.e., Google)</a:t>
-            </a:r>
-            <a:endParaRPr lang="en-US" dirty="0"/>
-          </a:p>
-        </p:txBody>
-      </p:sp>
-    </p:spTree>
-    <p:extLst>
-      <p:ext uri="{BB962C8B-B14F-4D97-AF65-F5344CB8AC3E}">
-        <p14:creationId xmlns:p14="http://schemas.microsoft.com/office/powerpoint/2010/main" val="571632167"/>
-      </p:ext>
-    </p:extLst>
-  </p:cSld>
-  <p:clrMapOvr>
-    <a:masterClrMapping/>
-  </p:clrMapOvr>
-  <p:timing>
-    <p:tnLst>
-      <p:par>
-        <p:cTn id="1" dur="indefinite" restart="never" nodeType="tmRoot"/>
-      </p:par>
-    </p:tnLst>
-  </p:timing>
-</p:sld>
-</file>
-
-<file path=ppt/slides/slide5.xml><?xml version="1.0" encoding="utf-8"?>
-<p:sld xmlns:a="http://schemas.openxmlformats.org/drawingml/2006/main" xmlns:r="http://schemas.openxmlformats.org/officeDocument/2006/relationships" xmlns:p="http://schemas.openxmlformats.org/presentationml/2006/main">
-  <p:cSld>
-    <p:spTree>
-      <p:nvGrpSpPr>
-        <p:cNvPr id="1" name=""/>
-        <p:cNvGrpSpPr/>
-        <p:nvPr/>
-      </p:nvGrpSpPr>
-      <p:grpSpPr>
-        <a:xfrm>
-          <a:off x="0" y="0"/>
-          <a:ext cx="0" cy="0"/>
-          <a:chOff x="0" y="0"/>
-          <a:chExt cx="0" cy="0"/>
-        </a:xfrm>
-      </p:grpSpPr>
-      <p:sp>
-        <p:nvSpPr>
-          <p:cNvPr id="5" name="Title 4"/>
-          <p:cNvSpPr>
-            <a:spLocks noGrp="1"/>
-          </p:cNvSpPr>
-          <p:nvPr>
-            <p:ph type="title"/>
-          </p:nvPr>
-        </p:nvSpPr>
-        <p:spPr/>
-        <p:txBody>
-          <a:bodyPr/>
-          <a:lstStyle/>
-          <a:p>
-            <a:r>
-              <a:rPr lang="en-US" dirty="0" smtClean="0"/>
-              <a:t>Security Challenges for This Architecture</a:t>
-            </a:r>
-            <a:endParaRPr lang="en-US" dirty="0"/>
-          </a:p>
-        </p:txBody>
-      </p:sp>
-      <p:sp>
-        <p:nvSpPr>
-          <p:cNvPr id="6" name="Content Placeholder 5"/>
-          <p:cNvSpPr>
-            <a:spLocks noGrp="1"/>
-          </p:cNvSpPr>
-          <p:nvPr>
-            <p:ph idx="1"/>
-          </p:nvPr>
-        </p:nvSpPr>
-        <p:spPr/>
-        <p:txBody>
-          <a:bodyPr>
-            <a:normAutofit/>
-          </a:bodyPr>
-          <a:lstStyle/>
-          <a:p>
-            <a:r>
-              <a:rPr lang="en-US" dirty="0" smtClean="0"/>
-              <a:t>We need to establish trust between a gateway tenant and the API server.</a:t>
-            </a:r>
-          </a:p>
-          <a:p>
-            <a:r>
-              <a:rPr lang="en-US" dirty="0" smtClean="0"/>
-              <a:t>The gateway tenant may manage its own user base, but these must be communicated to the API server.</a:t>
-            </a:r>
-          </a:p>
-          <a:p>
-            <a:r>
-              <a:rPr lang="en-US" dirty="0" smtClean="0"/>
-              <a:t>A g</a:t>
-            </a:r>
-            <a:r>
-              <a:rPr lang="en-US" dirty="0" smtClean="0"/>
-              <a:t>ateway tenant may be </a:t>
-            </a:r>
-            <a:r>
-              <a:rPr lang="en-US" dirty="0" smtClean="0"/>
-              <a:t>a single web server for an entire </a:t>
-            </a:r>
-            <a:r>
-              <a:rPr lang="en-US" dirty="0" smtClean="0"/>
-              <a:t>community</a:t>
-            </a:r>
-          </a:p>
-          <a:p>
-            <a:pPr lvl="1"/>
-            <a:r>
-              <a:rPr lang="en-US" dirty="0" smtClean="0"/>
-              <a:t>The SEAGrid Web server, for example</a:t>
-            </a:r>
-            <a:endParaRPr lang="en-US" dirty="0" smtClean="0"/>
-          </a:p>
-          <a:p>
-            <a:r>
-              <a:rPr lang="en-US" dirty="0" smtClean="0"/>
-              <a:t>A gateway tenant also may be a desktop application, scripting tool, or in-browser application that </a:t>
-            </a:r>
-            <a:r>
-              <a:rPr lang="en-US" dirty="0" smtClean="0"/>
-              <a:t>get distributed to every user.</a:t>
-            </a:r>
-          </a:p>
-          <a:p>
-            <a:pPr lvl="1"/>
-            <a:r>
-              <a:rPr lang="en-US" dirty="0" smtClean="0"/>
-              <a:t>Need unique credentials for each client</a:t>
-            </a:r>
-          </a:p>
-          <a:p>
-            <a:pPr lvl="1"/>
-            <a:r>
-              <a:rPr lang="en-US" dirty="0" smtClean="0"/>
-              <a:t>Credentials are more vulnerable</a:t>
-            </a:r>
-            <a:endParaRPr lang="en-US" dirty="0"/>
-          </a:p>
-        </p:txBody>
-      </p:sp>
-    </p:spTree>
-    <p:extLst>
-      <p:ext uri="{BB962C8B-B14F-4D97-AF65-F5344CB8AC3E}">
-        <p14:creationId xmlns:p14="http://schemas.microsoft.com/office/powerpoint/2010/main" val="455748936"/>
-      </p:ext>
-    </p:extLst>
-  </p:cSld>
-  <p:clrMapOvr>
-    <a:masterClrMapping/>
-  </p:clrMapOvr>
-  <p:timing>
-    <p:tnLst>
-      <p:par>
-        <p:cTn id="1" dur="indefinite" restart="never" nodeType="tmRoot"/>
-      </p:par>
-    </p:tnLst>
-  </p:timing>
-</p:sld>
-</file>
-
 <file path=ppt/slides/slide50.xml><?xml version="1.0" encoding="utf-8"?>
-<p:sld xmlns:a="http://schemas.openxmlformats.org/drawingml/2006/main" xmlns:r="http://schemas.openxmlformats.org/officeDocument/2006/relationships" xmlns:p="http://schemas.openxmlformats.org/presentationml/2006/main">
-  <p:cSld>
-    <p:spTree>
-      <p:nvGrpSpPr>
-        <p:cNvPr id="1" name=""/>
-        <p:cNvGrpSpPr/>
-        <p:nvPr/>
-      </p:nvGrpSpPr>
-      <p:grpSpPr>
-        <a:xfrm>
-          <a:off x="0" y="0"/>
-          <a:ext cx="0" cy="0"/>
-          <a:chOff x="0" y="0"/>
-          <a:chExt cx="0" cy="0"/>
-        </a:xfrm>
-      </p:grpSpPr>
-      <p:sp>
-        <p:nvSpPr>
-          <p:cNvPr id="2" name="Title 1"/>
-          <p:cNvSpPr>
-            <a:spLocks noGrp="1"/>
-          </p:cNvSpPr>
-          <p:nvPr>
-            <p:ph type="title"/>
-          </p:nvPr>
-        </p:nvSpPr>
-        <p:spPr/>
-        <p:txBody>
-          <a:bodyPr/>
-          <a:lstStyle/>
-          <a:p>
-            <a:r>
-              <a:rPr lang="en-US" dirty="0" smtClean="0"/>
-              <a:t>Basic OIDC Steps</a:t>
-            </a:r>
-            <a:endParaRPr lang="en-US" dirty="0"/>
-          </a:p>
-        </p:txBody>
-      </p:sp>
-      <p:sp>
-        <p:nvSpPr>
-          <p:cNvPr id="3" name="Content Placeholder 2"/>
-          <p:cNvSpPr>
-            <a:spLocks noGrp="1"/>
-          </p:cNvSpPr>
-          <p:nvPr>
-            <p:ph idx="1"/>
-          </p:nvPr>
-        </p:nvSpPr>
-        <p:spPr>
-          <a:xfrm>
-            <a:off x="838200" y="1825625"/>
-            <a:ext cx="10515600" cy="4351338"/>
-          </a:xfrm>
-        </p:spPr>
-        <p:txBody>
-          <a:bodyPr>
-            <a:normAutofit/>
-          </a:bodyPr>
-          <a:lstStyle/>
-          <a:p>
-            <a:r>
-              <a:rPr lang="en-US" dirty="0"/>
-              <a:t>The RP (Client) sends a request to the OpenID Provider (OP</a:t>
-            </a:r>
-            <a:r>
-              <a:rPr lang="en-US" dirty="0" smtClean="0"/>
-              <a:t>).</a:t>
-            </a:r>
-          </a:p>
-          <a:p>
-            <a:pPr lvl="1"/>
-            <a:r>
-              <a:rPr lang="en-US" dirty="0" smtClean="0"/>
-              <a:t>This is the science gateway</a:t>
-            </a:r>
-            <a:endParaRPr lang="en-US" dirty="0"/>
-          </a:p>
-          <a:p>
-            <a:r>
-              <a:rPr lang="en-US" dirty="0"/>
-              <a:t>The OP authenticates the End-User and obtains authorization.</a:t>
-            </a:r>
-          </a:p>
-          <a:p>
-            <a:r>
-              <a:rPr lang="en-US" dirty="0"/>
-              <a:t>The OP responds with an ID Token and usually an Access Token</a:t>
-            </a:r>
-            <a:r>
-              <a:rPr lang="en-US" dirty="0" smtClean="0"/>
-              <a:t>.</a:t>
-            </a:r>
-          </a:p>
-          <a:p>
-            <a:pPr lvl="1"/>
-            <a:r>
-              <a:rPr lang="en-US" dirty="0" smtClean="0"/>
-              <a:t>Verifies to the client that the user authenticated correctly.</a:t>
-            </a:r>
-            <a:endParaRPr lang="en-US" dirty="0"/>
-          </a:p>
-          <a:p>
-            <a:r>
-              <a:rPr lang="en-US" dirty="0"/>
-              <a:t>The RP can send a request with the Access Token to the </a:t>
-            </a:r>
-            <a:r>
-              <a:rPr lang="en-US" dirty="0" err="1"/>
-              <a:t>UserInfo</a:t>
-            </a:r>
-            <a:r>
-              <a:rPr lang="en-US" dirty="0"/>
-              <a:t> Endpoint.</a:t>
-            </a:r>
-          </a:p>
-          <a:p>
-            <a:r>
-              <a:rPr lang="en-US" dirty="0"/>
-              <a:t>The </a:t>
-            </a:r>
-            <a:r>
-              <a:rPr lang="en-US" dirty="0" err="1"/>
-              <a:t>UserInfo</a:t>
-            </a:r>
-            <a:r>
-              <a:rPr lang="en-US" dirty="0"/>
-              <a:t> Endpoint returns Claims about the End-User.</a:t>
-            </a:r>
-          </a:p>
-        </p:txBody>
-      </p:sp>
-    </p:spTree>
-    <p:extLst>
-      <p:ext uri="{BB962C8B-B14F-4D97-AF65-F5344CB8AC3E}">
-        <p14:creationId xmlns:p14="http://schemas.microsoft.com/office/powerpoint/2010/main" val="1727477738"/>
-      </p:ext>
-    </p:extLst>
-  </p:cSld>
-  <p:clrMapOvr>
-    <a:masterClrMapping/>
-  </p:clrMapOvr>
-  <p:timing>
-    <p:tnLst>
-      <p:par>
-        <p:cTn id="1" dur="indefinite" restart="never" nodeType="tmRoot"/>
-      </p:par>
-    </p:tnLst>
-  </p:timing>
-</p:sld>
-</file>
-
-<file path=ppt/slides/slide51.xml><?xml version="1.0" encoding="utf-8"?>
-<p:sld xmlns:a="http://schemas.openxmlformats.org/drawingml/2006/main" xmlns:r="http://schemas.openxmlformats.org/officeDocument/2006/relationships" xmlns:p="http://schemas.openxmlformats.org/presentationml/2006/main">
-  <p:cSld>
-    <p:spTree>
-      <p:nvGrpSpPr>
-        <p:cNvPr id="1" name=""/>
-        <p:cNvGrpSpPr/>
-        <p:nvPr/>
-      </p:nvGrpSpPr>
-      <p:grpSpPr>
-        <a:xfrm>
-          <a:off x="0" y="0"/>
-          <a:ext cx="0" cy="0"/>
-          <a:chOff x="0" y="0"/>
-          <a:chExt cx="0" cy="0"/>
-        </a:xfrm>
-      </p:grpSpPr>
-      <p:sp>
-        <p:nvSpPr>
-          <p:cNvPr id="2" name="Title 1"/>
-          <p:cNvSpPr>
-            <a:spLocks noGrp="1"/>
-          </p:cNvSpPr>
-          <p:nvPr>
-            <p:ph type="title"/>
-          </p:nvPr>
-        </p:nvSpPr>
-        <p:spPr/>
-        <p:txBody>
-          <a:bodyPr/>
-          <a:lstStyle/>
-          <a:p>
-            <a:r>
-              <a:rPr lang="en-US" dirty="0" smtClean="0"/>
-              <a:t>OIDC Mappings to OAuth2</a:t>
-            </a:r>
-            <a:endParaRPr lang="en-US" dirty="0"/>
-          </a:p>
-        </p:txBody>
-      </p:sp>
-      <p:sp>
-        <p:nvSpPr>
-          <p:cNvPr id="3" name="Content Placeholder 2"/>
-          <p:cNvSpPr>
-            <a:spLocks noGrp="1"/>
-          </p:cNvSpPr>
-          <p:nvPr>
-            <p:ph idx="1"/>
-          </p:nvPr>
-        </p:nvSpPr>
-        <p:spPr/>
-        <p:txBody>
-          <a:bodyPr/>
-          <a:lstStyle/>
-          <a:p>
-            <a:r>
-              <a:rPr lang="en-US" dirty="0" smtClean="0"/>
-              <a:t>The OIDC server is the Authorization Server. </a:t>
-            </a:r>
-          </a:p>
-          <a:p>
-            <a:r>
-              <a:rPr lang="en-US" dirty="0" smtClean="0"/>
-              <a:t>The Science Gateway is the Client</a:t>
-            </a:r>
-          </a:p>
-          <a:p>
-            <a:r>
-              <a:rPr lang="en-US" dirty="0" smtClean="0"/>
-              <a:t>Grant Types used by OIDC</a:t>
-            </a:r>
-          </a:p>
-          <a:p>
-            <a:pPr lvl="1"/>
-            <a:r>
-              <a:rPr lang="en-US" dirty="0" smtClean="0"/>
-              <a:t>Authorization Code: most common code, useful for server-side Web applications</a:t>
-            </a:r>
-          </a:p>
-          <a:p>
-            <a:pPr lvl="1"/>
-            <a:r>
-              <a:rPr lang="en-US" dirty="0" smtClean="0"/>
-              <a:t>Implicit: Use this with browser-side JavaScript applications that need to interact with the OIDC Server directly.</a:t>
-            </a:r>
-            <a:endParaRPr lang="en-US" dirty="0"/>
-          </a:p>
-        </p:txBody>
-      </p:sp>
-    </p:spTree>
-    <p:extLst>
-      <p:ext uri="{BB962C8B-B14F-4D97-AF65-F5344CB8AC3E}">
-        <p14:creationId xmlns:p14="http://schemas.microsoft.com/office/powerpoint/2010/main" val="1886918773"/>
-      </p:ext>
-    </p:extLst>
-  </p:cSld>
-  <p:clrMapOvr>
-    <a:masterClrMapping/>
-  </p:clrMapOvr>
-  <p:timing>
-    <p:tnLst>
-      <p:par>
-        <p:cTn id="1" dur="indefinite" restart="never" nodeType="tmRoot"/>
-      </p:par>
-    </p:tnLst>
-  </p:timing>
-</p:sld>
-</file>
-
-<file path=ppt/slides/slide52.xml><?xml version="1.0" encoding="utf-8"?>
-<p:sld xmlns:a="http://schemas.openxmlformats.org/drawingml/2006/main" xmlns:r="http://schemas.openxmlformats.org/officeDocument/2006/relationships" xmlns:p="http://schemas.openxmlformats.org/presentationml/2006/main">
-  <p:cSld>
-    <p:spTree>
-      <p:nvGrpSpPr>
-        <p:cNvPr id="1" name=""/>
-        <p:cNvGrpSpPr/>
-        <p:nvPr/>
-      </p:nvGrpSpPr>
-      <p:grpSpPr>
-        <a:xfrm>
-          <a:off x="0" y="0"/>
-          <a:ext cx="0" cy="0"/>
-          <a:chOff x="0" y="0"/>
-          <a:chExt cx="0" cy="0"/>
-        </a:xfrm>
-      </p:grpSpPr>
-      <p:sp>
-        <p:nvSpPr>
-          <p:cNvPr id="2" name="Title 1"/>
-          <p:cNvSpPr>
-            <a:spLocks noGrp="1"/>
-          </p:cNvSpPr>
-          <p:nvPr>
-            <p:ph type="title"/>
-          </p:nvPr>
-        </p:nvSpPr>
-        <p:spPr/>
-        <p:txBody>
-          <a:bodyPr/>
-          <a:lstStyle/>
-          <a:p>
-            <a:r>
-              <a:rPr lang="en-US" dirty="0" smtClean="0"/>
-              <a:t>The OIDC ID Token (1/2)</a:t>
-            </a:r>
-            <a:endParaRPr lang="en-US" dirty="0"/>
-          </a:p>
-        </p:txBody>
-      </p:sp>
-      <p:sp>
-        <p:nvSpPr>
-          <p:cNvPr id="3" name="Content Placeholder 2"/>
-          <p:cNvSpPr>
-            <a:spLocks noGrp="1"/>
-          </p:cNvSpPr>
-          <p:nvPr>
-            <p:ph idx="1"/>
-          </p:nvPr>
-        </p:nvSpPr>
-        <p:spPr/>
-        <p:txBody>
-          <a:bodyPr/>
-          <a:lstStyle/>
-          <a:p>
-            <a:r>
-              <a:rPr lang="en-US" dirty="0"/>
-              <a:t>ID Token data </a:t>
-            </a:r>
-            <a:r>
-              <a:rPr lang="en-US" dirty="0" smtClean="0"/>
-              <a:t>structure is the </a:t>
-            </a:r>
-            <a:r>
-              <a:rPr lang="en-US" dirty="0"/>
-              <a:t>primary extension that OpenID Connect makes to OAuth 2.0 to enable End-Users to be a</a:t>
-            </a:r>
-            <a:r>
-              <a:rPr lang="en-US" dirty="0" smtClean="0"/>
-              <a:t>uthenticated. </a:t>
-            </a:r>
-            <a:r>
-              <a:rPr lang="en-US" dirty="0"/>
-              <a:t> </a:t>
-            </a:r>
-            <a:endParaRPr lang="en-US" dirty="0" smtClean="0"/>
-          </a:p>
-          <a:p>
-            <a:r>
-              <a:rPr lang="en-US" dirty="0" smtClean="0"/>
-              <a:t>The </a:t>
-            </a:r>
-            <a:r>
-              <a:rPr lang="en-US" dirty="0"/>
-              <a:t>ID Token is a security token that contains </a:t>
-            </a:r>
-            <a:r>
-              <a:rPr lang="en-US" b="1" dirty="0"/>
-              <a:t>Claims</a:t>
-            </a:r>
-            <a:r>
-              <a:rPr lang="en-US" dirty="0"/>
-              <a:t> about the </a:t>
-            </a:r>
-            <a:r>
-              <a:rPr lang="en-US" dirty="0" smtClean="0"/>
-              <a:t>authentication </a:t>
-            </a:r>
-            <a:r>
-              <a:rPr lang="en-US" dirty="0"/>
-              <a:t>of an End-User by an Authorization Server when using a Client, and potentially other requested Claims. </a:t>
-            </a:r>
-            <a:endParaRPr lang="en-US" dirty="0" smtClean="0"/>
-          </a:p>
-        </p:txBody>
-      </p:sp>
-    </p:spTree>
-    <p:extLst>
-      <p:ext uri="{BB962C8B-B14F-4D97-AF65-F5344CB8AC3E}">
-        <p14:creationId xmlns:p14="http://schemas.microsoft.com/office/powerpoint/2010/main" val="1552802562"/>
-      </p:ext>
-    </p:extLst>
-  </p:cSld>
-  <p:clrMapOvr>
-    <a:masterClrMapping/>
-  </p:clrMapOvr>
-  <p:timing>
-    <p:tnLst>
-      <p:par>
-        <p:cTn id="1" dur="indefinite" restart="never" nodeType="tmRoot"/>
-      </p:par>
-    </p:tnLst>
-  </p:timing>
-</p:sld>
-</file>
-
-<file path=ppt/slides/slide53.xml><?xml version="1.0" encoding="utf-8"?>
-<p:sld xmlns:a="http://schemas.openxmlformats.org/drawingml/2006/main" xmlns:r="http://schemas.openxmlformats.org/officeDocument/2006/relationships" xmlns:p="http://schemas.openxmlformats.org/presentationml/2006/main">
-  <p:cSld>
-    <p:spTree>
-      <p:nvGrpSpPr>
-        <p:cNvPr id="1" name=""/>
-        <p:cNvGrpSpPr/>
-        <p:nvPr/>
-      </p:nvGrpSpPr>
-      <p:grpSpPr>
-        <a:xfrm>
-          <a:off x="0" y="0"/>
-          <a:ext cx="0" cy="0"/>
-          <a:chOff x="0" y="0"/>
-          <a:chExt cx="0" cy="0"/>
-        </a:xfrm>
-      </p:grpSpPr>
-      <p:sp>
-        <p:nvSpPr>
-          <p:cNvPr id="2" name="Title 1"/>
-          <p:cNvSpPr>
-            <a:spLocks noGrp="1"/>
-          </p:cNvSpPr>
-          <p:nvPr>
-            <p:ph type="title"/>
-          </p:nvPr>
-        </p:nvSpPr>
-        <p:spPr/>
-        <p:txBody>
-          <a:bodyPr/>
-          <a:lstStyle/>
-          <a:p>
-            <a:r>
-              <a:rPr lang="en-US" dirty="0"/>
-              <a:t>The OIDC ID </a:t>
-            </a:r>
-            <a:r>
-              <a:rPr lang="en-US" dirty="0" smtClean="0"/>
-              <a:t>Token (2/2)</a:t>
-            </a:r>
-            <a:endParaRPr lang="en-US" dirty="0"/>
-          </a:p>
-        </p:txBody>
-      </p:sp>
-      <p:sp>
-        <p:nvSpPr>
-          <p:cNvPr id="3" name="Content Placeholder 2"/>
-          <p:cNvSpPr>
-            <a:spLocks noGrp="1"/>
-          </p:cNvSpPr>
-          <p:nvPr>
-            <p:ph idx="1"/>
-          </p:nvPr>
-        </p:nvSpPr>
-        <p:spPr/>
-        <p:txBody>
-          <a:bodyPr/>
-          <a:lstStyle/>
-          <a:p>
-            <a:r>
-              <a:rPr lang="en-US" dirty="0"/>
-              <a:t>The ID Token is represented as a JSON Web Token (JWT)</a:t>
-            </a:r>
-          </a:p>
-          <a:p>
-            <a:r>
-              <a:rPr lang="en-US" dirty="0"/>
-              <a:t>JWT: compact claims representation format intended for space constrained environments such as HTTP Authorization headers and URI query parameters. </a:t>
-            </a:r>
-          </a:p>
-          <a:p>
-            <a:pPr lvl="1"/>
-            <a:r>
-              <a:rPr lang="en-US" dirty="0"/>
-              <a:t>https://</a:t>
-            </a:r>
-            <a:r>
-              <a:rPr lang="en-US" dirty="0" err="1"/>
-              <a:t>tools.ietf.org</a:t>
-            </a:r>
-            <a:r>
-              <a:rPr lang="en-US" dirty="0"/>
-              <a:t>/html/draft-ietf-oauth-json-web-token-32</a:t>
-            </a:r>
-          </a:p>
-          <a:p>
-            <a:endParaRPr lang="en-US" dirty="0"/>
-          </a:p>
-        </p:txBody>
-      </p:sp>
-    </p:spTree>
-    <p:extLst>
-      <p:ext uri="{BB962C8B-B14F-4D97-AF65-F5344CB8AC3E}">
-        <p14:creationId xmlns:p14="http://schemas.microsoft.com/office/powerpoint/2010/main" val="1731381190"/>
-      </p:ext>
-    </p:extLst>
-  </p:cSld>
-  <p:clrMapOvr>
-    <a:masterClrMapping/>
-  </p:clrMapOvr>
-  <p:timing>
-    <p:tnLst>
-      <p:par>
-        <p:cTn id="1" dur="indefinite" restart="never" nodeType="tmRoot"/>
-      </p:par>
-    </p:tnLst>
-  </p:timing>
-</p:sld>
-</file>
-
-<file path=ppt/slides/slide54.xml><?xml version="1.0" encoding="utf-8"?>
-<p:sld xmlns:a="http://schemas.openxmlformats.org/drawingml/2006/main" xmlns:r="http://schemas.openxmlformats.org/officeDocument/2006/relationships" xmlns:p="http://schemas.openxmlformats.org/presentationml/2006/main">
-  <p:cSld>
-    <p:spTree>
-      <p:nvGrpSpPr>
-        <p:cNvPr id="1" name=""/>
-        <p:cNvGrpSpPr/>
-        <p:nvPr/>
-      </p:nvGrpSpPr>
-      <p:grpSpPr>
-        <a:xfrm>
-          <a:off x="0" y="0"/>
-          <a:ext cx="0" cy="0"/>
-          <a:chOff x="0" y="0"/>
-          <a:chExt cx="0" cy="0"/>
-        </a:xfrm>
-      </p:grpSpPr>
-      <p:pic>
-        <p:nvPicPr>
-          <p:cNvPr id="4" name="Picture 3"/>
-          <p:cNvPicPr>
-            <a:picLocks noChangeAspect="1"/>
-          </p:cNvPicPr>
-          <p:nvPr/>
-        </p:nvPicPr>
-        <p:blipFill rotWithShape="1">
-          <a:blip r:embed="rId2">
-            <a:extLst>
-              <a:ext uri="{28A0092B-C50C-407E-A947-70E740481C1C}">
-                <a14:useLocalDpi xmlns:a14="http://schemas.microsoft.com/office/drawing/2010/main" val="0"/>
-              </a:ext>
-            </a:extLst>
-          </a:blip>
-          <a:srcRect l="2923" t="2241" r="14737" b="6723"/>
-          <a:stretch/>
-        </p:blipFill>
-        <p:spPr>
-          <a:xfrm>
-            <a:off x="1981200" y="2057400"/>
-            <a:ext cx="8229600" cy="4127500"/>
-          </a:xfrm>
-          <a:prstGeom prst="rect">
-            <a:avLst/>
-          </a:prstGeom>
-        </p:spPr>
-      </p:pic>
-      <p:sp>
-        <p:nvSpPr>
-          <p:cNvPr id="7" name="Title 6"/>
-          <p:cNvSpPr>
-            <a:spLocks noGrp="1"/>
-          </p:cNvSpPr>
-          <p:nvPr>
-            <p:ph type="title"/>
-          </p:nvPr>
-        </p:nvSpPr>
-        <p:spPr/>
-        <p:txBody>
-          <a:bodyPr/>
-          <a:lstStyle/>
-          <a:p>
-            <a:r>
-              <a:rPr lang="en-US" dirty="0" smtClean="0"/>
-              <a:t>Sample OIDC ID Token</a:t>
-            </a:r>
-            <a:endParaRPr lang="en-US" dirty="0"/>
-          </a:p>
-        </p:txBody>
-      </p:sp>
-    </p:spTree>
-    <p:extLst>
-      <p:ext uri="{BB962C8B-B14F-4D97-AF65-F5344CB8AC3E}">
-        <p14:creationId xmlns:p14="http://schemas.microsoft.com/office/powerpoint/2010/main" val="920243480"/>
-      </p:ext>
-    </p:extLst>
-  </p:cSld>
-  <p:clrMapOvr>
-    <a:masterClrMapping/>
-  </p:clrMapOvr>
-  <p:timing>
-    <p:tnLst>
-      <p:par>
-        <p:cTn id="1" dur="indefinite" restart="never" nodeType="tmRoot"/>
-      </p:par>
-    </p:tnLst>
-  </p:timing>
-</p:sld>
-</file>
-
-<file path=ppt/slides/slide55.xml><?xml version="1.0" encoding="utf-8"?>
 <p:sld xmlns:a="http://schemas.openxmlformats.org/drawingml/2006/main" xmlns:r="http://schemas.openxmlformats.org/officeDocument/2006/relationships" xmlns:p="http://schemas.openxmlformats.org/presentationml/2006/main">
   <p:cSld>
     <p:spTree>
@@ -23811,7 +22801,7 @@
 </p:sld>
 </file>
 
-<file path=ppt/slides/slide56.xml><?xml version="1.0" encoding="utf-8"?>
+<file path=ppt/slides/slide51.xml><?xml version="1.0" encoding="utf-8"?>
 <p:sld xmlns:a="http://schemas.openxmlformats.org/drawingml/2006/main" xmlns:r="http://schemas.openxmlformats.org/officeDocument/2006/relationships" xmlns:p="http://schemas.openxmlformats.org/presentationml/2006/main">
   <p:cSld>
     <p:spTree>
@@ -23932,7 +22922,7 @@
 </p:sld>
 </file>
 
-<file path=ppt/slides/slide57.xml><?xml version="1.0" encoding="utf-8"?>
+<file path=ppt/slides/slide52.xml><?xml version="1.0" encoding="utf-8"?>
 <p:sld xmlns:a="http://schemas.openxmlformats.org/drawingml/2006/main" xmlns:r="http://schemas.openxmlformats.org/officeDocument/2006/relationships" xmlns:p="http://schemas.openxmlformats.org/presentationml/2006/main">
   <p:cSld>
     <p:spTree>
@@ -24084,7 +23074,7 @@
 </p:sld>
 </file>
 
-<file path=ppt/slides/slide58.xml><?xml version="1.0" encoding="utf-8"?>
+<file path=ppt/slides/slide53.xml><?xml version="1.0" encoding="utf-8"?>
 <p:sld xmlns:a="http://schemas.openxmlformats.org/drawingml/2006/main" xmlns:r="http://schemas.openxmlformats.org/officeDocument/2006/relationships" xmlns:p="http://schemas.openxmlformats.org/presentationml/2006/main">
   <p:cSld>
     <p:spTree>
@@ -24505,7 +23495,7 @@
 </p:sld>
 </file>
 
-<file path=ppt/slides/slide59.xml><?xml version="1.0" encoding="utf-8"?>
+<file path=ppt/slides/slide54.xml><?xml version="1.0" encoding="utf-8"?>
 <p:sld xmlns:a="http://schemas.openxmlformats.org/drawingml/2006/main" xmlns:r="http://schemas.openxmlformats.org/officeDocument/2006/relationships" xmlns:p="http://schemas.openxmlformats.org/presentationml/2006/main">
   <p:cSld>
     <p:spTree>
@@ -24636,7 +23626,7 @@
       </p:grpSpPr>
       <p:sp>
         <p:nvSpPr>
-          <p:cNvPr id="2" name="Title 1"/>
+          <p:cNvPr id="5" name="Title 4"/>
           <p:cNvSpPr>
             <a:spLocks noGrp="1"/>
           </p:cNvSpPr>
@@ -24651,7 +23641,7 @@
           <a:p>
             <a:r>
               <a:rPr lang="en-US" dirty="0" smtClean="0"/>
-              <a:t>Simplifying Assumptions</a:t>
+              <a:t>Security Challenges for This Architecture</a:t>
             </a:r>
             <a:endParaRPr lang="en-US" dirty="0"/>
           </a:p>
@@ -24659,7 +23649,7 @@
       </p:sp>
       <p:sp>
         <p:nvSpPr>
-          <p:cNvPr id="3" name="Content Placeholder 2"/>
+          <p:cNvPr id="6" name="Content Placeholder 5"/>
           <p:cNvSpPr>
             <a:spLocks noGrp="1"/>
           </p:cNvSpPr>
@@ -24667,104 +23657,70 @@
             <p:ph idx="1"/>
           </p:nvPr>
         </p:nvSpPr>
-        <p:spPr>
-          <a:xfrm>
-            <a:off x="838200" y="1825625"/>
-            <a:ext cx="10515600" cy="2483328"/>
-          </a:xfrm>
-          <a:ln>
-            <a:noFill/>
-          </a:ln>
-        </p:spPr>
+        <p:spPr/>
         <p:txBody>
           <a:bodyPr>
-            <a:normAutofit fontScale="92500" lnSpcReduction="20000"/>
+            <a:normAutofit/>
           </a:bodyPr>
           <a:lstStyle/>
           <a:p>
             <a:r>
               <a:rPr lang="en-US" dirty="0" smtClean="0"/>
-              <a:t>We don’t consider the problem of securing the </a:t>
-            </a:r>
-            <a:r>
-              <a:rPr lang="en-US" dirty="0" err="1" smtClean="0"/>
-              <a:t>microservices</a:t>
-            </a:r>
-            <a:r>
-              <a:rPr lang="en-US" dirty="0" smtClean="0"/>
-              <a:t> themselves</a:t>
-            </a:r>
-            <a:r>
-              <a:rPr lang="en-US" dirty="0" smtClean="0"/>
-              <a:t>.</a:t>
+              <a:t>We need to establish trust between a gateway tenant and the API server.</a:t>
+            </a:r>
+          </a:p>
+          <a:p>
+            <a:r>
+              <a:rPr lang="en-US" dirty="0" smtClean="0"/>
+              <a:t>The gateway tenant may manage its own user base, but these must be communicated to the API server.</a:t>
+            </a:r>
+          </a:p>
+          <a:p>
+            <a:r>
+              <a:rPr lang="en-US" dirty="0" smtClean="0"/>
+              <a:t>A gateway tenant may be a single web server for an entire community</a:t>
             </a:r>
           </a:p>
           <a:p>
             <a:pPr lvl="1"/>
             <a:r>
               <a:rPr lang="en-US" dirty="0" smtClean="0"/>
-              <a:t>This is an open problem</a:t>
-            </a:r>
-            <a:endParaRPr lang="en-US" dirty="0" smtClean="0"/>
-          </a:p>
-          <a:p>
-            <a:r>
-              <a:rPr lang="en-US" dirty="0" smtClean="0"/>
-              <a:t>Assume </a:t>
-            </a:r>
-            <a:r>
-              <a:rPr lang="en-US" dirty="0" smtClean="0"/>
-              <a:t>all the </a:t>
-            </a:r>
-            <a:r>
-              <a:rPr lang="en-US" dirty="0" err="1" smtClean="0"/>
-              <a:t>microservices</a:t>
-            </a:r>
-            <a:r>
-              <a:rPr lang="en-US" dirty="0" smtClean="0"/>
-              <a:t> run under a single administrative domain.</a:t>
+              <a:t>The SEAGrid Web server, for example</a:t>
+            </a:r>
+          </a:p>
+          <a:p>
+            <a:r>
+              <a:rPr lang="en-US" dirty="0" smtClean="0"/>
+              <a:t>A gateway tenant also may be a desktop application, scripting tool, or in-browser application that get distributed to every user.</a:t>
             </a:r>
           </a:p>
           <a:p>
             <a:pPr lvl="1"/>
             <a:r>
               <a:rPr lang="en-US" dirty="0" smtClean="0"/>
-              <a:t>That is, you deploy to </a:t>
-            </a:r>
-            <a:r>
-              <a:rPr lang="en-US" dirty="0" smtClean="0"/>
-              <a:t>VM instances </a:t>
-            </a:r>
-            <a:r>
-              <a:rPr lang="en-US" dirty="0" smtClean="0"/>
-              <a:t>under your control.</a:t>
-            </a:r>
-          </a:p>
-          <a:p>
-            <a:r>
-              <a:rPr lang="en-US" dirty="0" smtClean="0"/>
-              <a:t>Use “operational security” rather than “architectural security” </a:t>
+              <a:t>Need unique credentials for each client</a:t>
             </a:r>
           </a:p>
           <a:p>
             <a:pPr lvl="1"/>
             <a:r>
               <a:rPr lang="en-US" dirty="0" smtClean="0"/>
-              <a:t>Firewalls, closed networks and similar approaches to limit access to services to trusted VMs.</a:t>
-            </a:r>
+              <a:t>Credentials are more vulnerable</a:t>
+            </a:r>
+            <a:endParaRPr lang="en-US" dirty="0"/>
           </a:p>
         </p:txBody>
       </p:sp>
       <p:sp>
         <p:nvSpPr>
-          <p:cNvPr id="5" name="TextBox 4"/>
+          <p:cNvPr id="2" name="TextBox 1"/>
           <p:cNvSpPr txBox="1"/>
           <p:nvPr/>
         </p:nvSpPr>
         <p:spPr>
           <a:xfrm>
-            <a:off x="283749" y="4286832"/>
-            <a:ext cx="4864100" cy="2462213"/>
+            <a:off x="838200" y="6235700"/>
+            <a:ext cx="10515600" cy="461665"/>
           </a:xfrm>
           <a:prstGeom prst="rect">
             <a:avLst/>
@@ -24772,16 +23728,18 @@
         </p:spPr>
         <p:style>
           <a:lnRef idx="2">
-            <a:schemeClr val="dk1"/>
+            <a:schemeClr val="accent2">
+              <a:shade val="50000"/>
+            </a:schemeClr>
           </a:lnRef>
           <a:fillRef idx="1">
-            <a:schemeClr val="lt1"/>
+            <a:schemeClr val="accent2"/>
           </a:fillRef>
           <a:effectRef idx="0">
-            <a:schemeClr val="dk1"/>
+            <a:schemeClr val="accent2"/>
           </a:effectRef>
           <a:fontRef idx="minor">
-            <a:schemeClr val="dk1"/>
+            <a:schemeClr val="lt1"/>
           </a:fontRef>
         </p:style>
         <p:txBody>
@@ -24790,143 +23748,19 @@
           </a:bodyPr>
           <a:lstStyle/>
           <a:p>
-            <a:r>
-              <a:rPr lang="en-US" sz="2200" dirty="0" smtClean="0"/>
-              <a:t>Some interesting </a:t>
-            </a:r>
-            <a:r>
-              <a:rPr lang="en-US" sz="2200" dirty="0" err="1" smtClean="0"/>
-              <a:t>Microservice</a:t>
-            </a:r>
-            <a:r>
-              <a:rPr lang="en-US" sz="2200" dirty="0" smtClean="0"/>
-              <a:t> security considerations</a:t>
-            </a:r>
-            <a:endParaRPr lang="en-US" sz="2200" dirty="0"/>
-          </a:p>
-          <a:p>
-            <a:pPr marL="742950" lvl="1" indent="-285750">
-              <a:buFont typeface="Arial" charset="0"/>
-              <a:buChar char="•"/>
-            </a:pPr>
-            <a:r>
-              <a:rPr lang="en-US" sz="2200" dirty="0"/>
-              <a:t>Rogue </a:t>
-            </a:r>
-            <a:r>
-              <a:rPr lang="en-US" sz="2200" dirty="0" smtClean="0"/>
-              <a:t>services (Byzantine Fault Tolerance)</a:t>
-            </a:r>
-            <a:endParaRPr lang="en-US" sz="2200" dirty="0" smtClean="0"/>
-          </a:p>
-          <a:p>
-            <a:pPr marL="742950" lvl="1" indent="-285750">
-              <a:buFont typeface="Arial" charset="0"/>
-              <a:buChar char="•"/>
-            </a:pPr>
-            <a:r>
-              <a:rPr lang="en-US" sz="2200" dirty="0" smtClean="0"/>
-              <a:t>Scaling your operational perimeter</a:t>
-            </a:r>
-            <a:endParaRPr lang="en-US" sz="2200" dirty="0"/>
-          </a:p>
-          <a:p>
-            <a:pPr marL="742950" lvl="1" indent="-285750">
-              <a:buFont typeface="Arial" charset="0"/>
-              <a:buChar char="•"/>
-            </a:pPr>
-            <a:r>
-              <a:rPr lang="en-US" sz="2200" dirty="0"/>
-              <a:t>Integrating trusted third party </a:t>
-            </a:r>
-            <a:r>
-              <a:rPr lang="en-US" sz="2200" dirty="0" smtClean="0"/>
-              <a:t>services</a:t>
-            </a:r>
-            <a:r>
-              <a:rPr lang="en-US" sz="2200" dirty="0" smtClean="0"/>
-              <a:t>.</a:t>
-            </a:r>
-            <a:endParaRPr lang="en-US" sz="2200" dirty="0"/>
-          </a:p>
-        </p:txBody>
-      </p:sp>
-      <p:pic>
-        <p:nvPicPr>
-          <p:cNvPr id="7" name="Picture 6" descr="Airavata 1.0 Architecture.png"/>
-          <p:cNvPicPr>
-            <a:picLocks noChangeAspect="1"/>
-          </p:cNvPicPr>
-          <p:nvPr/>
-        </p:nvPicPr>
-        <p:blipFill rotWithShape="1">
-          <a:blip r:embed="rId2">
-            <a:extLst>
-              <a:ext uri="{28A0092B-C50C-407E-A947-70E740481C1C}">
-                <a14:useLocalDpi xmlns:a14="http://schemas.microsoft.com/office/drawing/2010/main"/>
-              </a:ext>
-            </a:extLst>
-          </a:blip>
-          <a:srcRect r="19690"/>
-          <a:stretch/>
-        </p:blipFill>
-        <p:spPr>
-          <a:xfrm>
-            <a:off x="5351049" y="3962259"/>
-            <a:ext cx="5926551" cy="2823605"/>
-          </a:xfrm>
-          <a:prstGeom prst="rect">
-            <a:avLst/>
-          </a:prstGeom>
-        </p:spPr>
-      </p:pic>
-      <p:sp>
-        <p:nvSpPr>
-          <p:cNvPr id="8" name="Rectangle 7"/>
-          <p:cNvSpPr/>
-          <p:nvPr/>
-        </p:nvSpPr>
-        <p:spPr>
-          <a:xfrm>
-            <a:off x="6527800" y="3936859"/>
-            <a:ext cx="4953000" cy="2823605"/>
-          </a:xfrm>
-          <a:prstGeom prst="rect">
-            <a:avLst/>
-          </a:prstGeom>
-          <a:solidFill>
-            <a:schemeClr val="lt1">
-              <a:alpha val="0"/>
-            </a:schemeClr>
-          </a:solidFill>
-        </p:spPr>
-        <p:style>
-          <a:lnRef idx="2">
-            <a:schemeClr val="dk1"/>
-          </a:lnRef>
-          <a:fillRef idx="1">
-            <a:schemeClr val="lt1"/>
-          </a:fillRef>
-          <a:effectRef idx="0">
-            <a:schemeClr val="dk1"/>
-          </a:effectRef>
-          <a:fontRef idx="minor">
-            <a:schemeClr val="dk1"/>
-          </a:fontRef>
-        </p:style>
-        <p:txBody>
-          <a:bodyPr rtlCol="0" anchor="ctr"/>
-          <a:lstStyle/>
-          <a:p>
             <a:pPr algn="ctr"/>
-            <a:endParaRPr lang="en-US"/>
+            <a:r>
+              <a:rPr lang="en-US" sz="2400" dirty="0" smtClean="0"/>
+              <a:t>OAuth2 can address many of these issues.</a:t>
+            </a:r>
+            <a:endParaRPr lang="en-US" sz="2400" dirty="0"/>
           </a:p>
         </p:txBody>
       </p:sp>
     </p:spTree>
     <p:extLst>
       <p:ext uri="{BB962C8B-B14F-4D97-AF65-F5344CB8AC3E}">
-        <p14:creationId xmlns:p14="http://schemas.microsoft.com/office/powerpoint/2010/main" val="1685722992"/>
+        <p14:creationId xmlns:p14="http://schemas.microsoft.com/office/powerpoint/2010/main" val="455748936"/>
       </p:ext>
     </p:extLst>
   </p:cSld>
@@ -25275,7 +24109,7 @@
           <p:nvPr>
             <p:extLst>
               <p:ext uri="{D42A27DB-BD31-4B8C-83A1-F6EECF244321}">
-                <p14:modId xmlns:p14="http://schemas.microsoft.com/office/powerpoint/2010/main" val="637490871"/>
+                <p14:modId xmlns:p14="http://schemas.microsoft.com/office/powerpoint/2010/main" val="496966742"/>
               </p:ext>
             </p:extLst>
           </p:nvPr>
@@ -25421,8 +24255,21 @@
                       </a:pPr>
                       <a:r>
                         <a:rPr lang="en-US" sz="2400" dirty="0" smtClean="0"/>
-                        <a:t>Entities can establish and prove their identities</a:t>
+                        <a:t>Entities can establish and prove their </a:t>
                       </a:r>
+                      <a:r>
+                        <a:rPr lang="en-US" sz="2400" dirty="0" smtClean="0"/>
+                        <a:t>identities.  Commonly</a:t>
+                      </a:r>
+                      <a:r>
+                        <a:rPr lang="en-US" sz="2400" baseline="0" dirty="0" smtClean="0"/>
+                        <a:t> implemented with public-private </a:t>
+                      </a:r>
+                      <a:r>
+                        <a:rPr lang="en-US" sz="2400" baseline="0" dirty="0" err="1" smtClean="0"/>
+                        <a:t>keypairs</a:t>
+                      </a:r>
+                      <a:endParaRPr lang="en-US" sz="2400" dirty="0" smtClean="0"/>
                     </a:p>
                   </a:txBody>
                   <a:tcPr/>
@@ -25549,7 +24396,11 @@
                       </a:r>
                       <a:r>
                         <a:rPr lang="en-US" sz="2400" baseline="0" dirty="0" smtClean="0"/>
-                        <a:t> if the network message between entities has been altered. Implemented with message digests.</a:t>
+                        <a:t> if the network message between entities has been altered. Implemented with message </a:t>
+                      </a:r>
+                      <a:r>
+                        <a:rPr lang="en-US" sz="2400" baseline="0" dirty="0" smtClean="0"/>
+                        <a:t>digests (hashes).</a:t>
                       </a:r>
                       <a:endParaRPr lang="en-US" sz="2400" dirty="0"/>
                     </a:p>
@@ -25587,11 +24438,7 @@
                       </a:r>
                       <a:r>
                         <a:rPr lang="en-US" sz="2400" baseline="0" dirty="0" smtClean="0"/>
-                        <a:t> between entities can only be read by those entities. Implemented with </a:t>
-                      </a:r>
-                      <a:r>
-                        <a:rPr lang="en-US" sz="2400" baseline="0" dirty="0" smtClean="0"/>
-                        <a:t>encryption, shared secret keys</a:t>
+                        <a:t> between entities can only be read by those entities. Implemented with encryption, shared secret keys</a:t>
                       </a:r>
                       <a:endParaRPr lang="en-US" sz="2400" dirty="0"/>
                     </a:p>
@@ -25657,7 +24504,7 @@
         </p:nvSpPr>
         <p:spPr>
           <a:xfrm>
-            <a:off x="3352800" y="6261100"/>
+            <a:off x="3352800" y="6273800"/>
             <a:ext cx="5448300" cy="461665"/>
           </a:xfrm>
           <a:prstGeom prst="rect">
